--- a/xxx-SynapseAndDatabricks/Coach/Bronze-Silver-Gold.pptx
+++ b/xxx-SynapseAndDatabricks/Coach/Bronze-Silver-Gold.pptx
@@ -243,7 +243,7 @@
           <a:p>
             <a:fld id="{762B48F5-BACC-47D6-A0F7-82FBF9C6BC85}" type="datetimeFigureOut">
               <a:rPr lang="en-US"/>
-              <a:t>12/1/2022</a:t>
+              <a:t>12/2/2022</a:t>
             </a:fld>
             <a:endParaRPr/>
           </a:p>
@@ -408,7 +408,7 @@
           <a:p>
             <a:fld id="{0CB1CD00-5424-4675-AB18-2C419B060449}" type="datetimeFigureOut">
               <a:rPr lang="en-US"/>
-              <a:t>12/1/2022</a:t>
+              <a:t>12/2/2022</a:t>
             </a:fld>
             <a:endParaRPr/>
           </a:p>
@@ -2830,7 +2830,7 @@
           <a:p>
             <a:fld id="{37CC0096-1860-4642-9CD2-0079EA5E7CD1}" type="datetimeFigureOut">
               <a:rPr lang="en-US" smtClean="0"/>
-              <a:t>12/1/2022</a:t>
+              <a:t>12/2/2022</a:t>
             </a:fld>
             <a:endParaRPr lang="en-US"/>
           </a:p>
@@ -3009,7 +3009,7 @@
           <a:p>
             <a:fld id="{37CC0096-1860-4642-9CD2-0079EA5E7CD1}" type="datetimeFigureOut">
               <a:rPr lang="en-US" smtClean="0"/>
-              <a:t>12/1/2022</a:t>
+              <a:t>12/2/2022</a:t>
             </a:fld>
             <a:endParaRPr lang="en-US"/>
           </a:p>
@@ -3966,7 +3966,7 @@
           <a:p>
             <a:fld id="{37CC0096-1860-4642-9CD2-0079EA5E7CD1}" type="datetimeFigureOut">
               <a:rPr lang="en-US" smtClean="0"/>
-              <a:t>12/1/2022</a:t>
+              <a:t>12/2/2022</a:t>
             </a:fld>
             <a:endParaRPr lang="en-US"/>
           </a:p>
@@ -4399,7 +4399,7 @@
           <a:p>
             <a:fld id="{37CC0096-1860-4642-9CD2-0079EA5E7CD1}" type="datetimeFigureOut">
               <a:rPr lang="en-US" smtClean="0"/>
-              <a:t>12/1/2022</a:t>
+              <a:t>12/2/2022</a:t>
             </a:fld>
             <a:endParaRPr lang="en-US"/>
           </a:p>
@@ -4838,7 +4838,7 @@
           <a:p>
             <a:fld id="{37CC0096-1860-4642-9CD2-0079EA5E7CD1}" type="datetimeFigureOut">
               <a:rPr lang="en-US" smtClean="0"/>
-              <a:t>12/1/2022</a:t>
+              <a:t>12/2/2022</a:t>
             </a:fld>
             <a:endParaRPr lang="en-US"/>
           </a:p>
@@ -4955,7 +4955,7 @@
           <a:p>
             <a:fld id="{37CC0096-1860-4642-9CD2-0079EA5E7CD1}" type="datetimeFigureOut">
               <a:rPr lang="en-US" smtClean="0"/>
-              <a:t>12/1/2022</a:t>
+              <a:t>12/2/2022</a:t>
             </a:fld>
             <a:endParaRPr lang="en-US"/>
           </a:p>
@@ -5050,7 +5050,7 @@
           <a:p>
             <a:fld id="{37CC0096-1860-4642-9CD2-0079EA5E7CD1}" type="datetimeFigureOut">
               <a:rPr lang="en-US" smtClean="0"/>
-              <a:t>12/1/2022</a:t>
+              <a:t>12/2/2022</a:t>
             </a:fld>
             <a:endParaRPr lang="en-US"/>
           </a:p>
@@ -5334,7 +5334,7 @@
           <a:p>
             <a:fld id="{37CC0096-1860-4642-9CD2-0079EA5E7CD1}" type="datetimeFigureOut">
               <a:rPr lang="en-US" smtClean="0"/>
-              <a:t>12/1/2022</a:t>
+              <a:t>12/2/2022</a:t>
             </a:fld>
             <a:endParaRPr lang="en-US"/>
           </a:p>
@@ -5645,7 +5645,7 @@
           <a:p>
             <a:fld id="{37CC0096-1860-4642-9CD2-0079EA5E7CD1}" type="datetimeFigureOut">
               <a:rPr lang="en-US" smtClean="0"/>
-              <a:t>12/1/2022</a:t>
+              <a:t>12/2/2022</a:t>
             </a:fld>
             <a:endParaRPr lang="en-US"/>
           </a:p>
@@ -5877,7 +5877,7 @@
             <a:fld id="{37CC0096-1860-4642-9CD2-0079EA5E7CD1}" type="datetimeFigureOut">
               <a:rPr lang="en-US" smtClean="0"/>
               <a:pPr/>
-              <a:t>12/1/2022</a:t>
+              <a:t>12/2/2022</a:t>
             </a:fld>
             <a:endParaRPr lang="en-US"/>
           </a:p>
@@ -8101,7 +8101,7 @@
               <a:rPr lang="en-US" sz="2400" dirty="0">
                 <a:cs typeface="Segoe UI Light" panose="020B0502040204020203" pitchFamily="34" charset="0"/>
               </a:rPr>
-              <a:t>Coaches will designate a “driver” for each challenge to lead by sharing their screen.  Students should take turns driving (or backseat driving)!</a:t>
+              <a:t>Coaches &amp; Squads will designate a “driver” for each challenge to lead by sharing their screen.  Students should take turns driving (or backseat driving)!</a:t>
             </a:r>
           </a:p>
           <a:p>
@@ -8109,7 +8109,7 @@
               <a:rPr lang="en-US" sz="2400" dirty="0">
                 <a:cs typeface="Segoe UI Light" panose="020B0502040204020203" pitchFamily="34" charset="0"/>
               </a:rPr>
-              <a:t>Coaches will set break times throughout the day.  Use them and walk away from your screen!</a:t>
+              <a:t>Coaches &amp; Squads will set break times throughout the day.  Use them and walk away from your screen!</a:t>
             </a:r>
             <a:endParaRPr lang="en-US" sz="2400" dirty="0">
               <a:cs typeface="Calibri"/>
@@ -11306,6 +11306,9 @@
                     <p:cTn id="3" fill="hold">
                       <p:stCondLst>
                         <p:cond delay="indefinite"/>
+                        <p:cond evt="onBegin" delay="0">
+                          <p:tn val="2"/>
+                        </p:cond>
                       </p:stCondLst>
                       <p:childTnLst>
                         <p:par>
@@ -11315,9 +11318,9 @@
                             </p:stCondLst>
                             <p:childTnLst>
                               <p:par>
-                                <p:cTn id="5" presetID="1" presetClass="entr" presetSubtype="0" fill="hold" nodeType="clickEffect">
+                                <p:cTn id="5" presetID="1" presetClass="entr" presetSubtype="0" fill="hold" nodeType="withEffect">
                                   <p:stCondLst>
-                                    <p:cond delay="0"/>
+                                    <p:cond delay="250"/>
                                   </p:stCondLst>
                                   <p:childTnLst>
                                     <p:set>
@@ -11345,33 +11348,15 @@
                                   </p:childTnLst>
                                 </p:cTn>
                               </p:par>
-                            </p:childTnLst>
-                          </p:cTn>
-                        </p:par>
-                      </p:childTnLst>
-                    </p:cTn>
-                  </p:par>
-                  <p:par>
-                    <p:cTn id="7" fill="hold">
-                      <p:stCondLst>
-                        <p:cond delay="indefinite"/>
-                      </p:stCondLst>
-                      <p:childTnLst>
-                        <p:par>
-                          <p:cTn id="8" fill="hold">
-                            <p:stCondLst>
-                              <p:cond delay="0"/>
-                            </p:stCondLst>
-                            <p:childTnLst>
                               <p:par>
-                                <p:cTn id="9" presetID="1" presetClass="entr" presetSubtype="0" fill="hold" nodeType="clickEffect">
+                                <p:cTn id="7" presetID="1" presetClass="entr" presetSubtype="0" fill="hold" nodeType="withEffect">
                                   <p:stCondLst>
-                                    <p:cond delay="0"/>
+                                    <p:cond delay="250"/>
                                   </p:stCondLst>
                                   <p:childTnLst>
                                     <p:set>
                                       <p:cBhvr>
-                                        <p:cTn id="10" dur="1" fill="hold">
+                                        <p:cTn id="8" dur="1" fill="hold">
                                           <p:stCondLst>
                                             <p:cond delay="0"/>
                                           </p:stCondLst>
@@ -11394,33 +11379,15 @@
                                   </p:childTnLst>
                                 </p:cTn>
                               </p:par>
-                            </p:childTnLst>
-                          </p:cTn>
-                        </p:par>
-                      </p:childTnLst>
-                    </p:cTn>
-                  </p:par>
-                  <p:par>
-                    <p:cTn id="11" fill="hold">
-                      <p:stCondLst>
-                        <p:cond delay="indefinite"/>
-                      </p:stCondLst>
-                      <p:childTnLst>
-                        <p:par>
-                          <p:cTn id="12" fill="hold">
-                            <p:stCondLst>
-                              <p:cond delay="0"/>
-                            </p:stCondLst>
-                            <p:childTnLst>
                               <p:par>
-                                <p:cTn id="13" presetID="1" presetClass="entr" presetSubtype="0" fill="hold" nodeType="clickEffect">
+                                <p:cTn id="9" presetID="1" presetClass="entr" presetSubtype="0" fill="hold" nodeType="withEffect">
                                   <p:stCondLst>
-                                    <p:cond delay="0"/>
+                                    <p:cond delay="250"/>
                                   </p:stCondLst>
                                   <p:childTnLst>
                                     <p:set>
                                       <p:cBhvr>
-                                        <p:cTn id="14" dur="1" fill="hold">
+                                        <p:cTn id="10" dur="1" fill="hold">
                                           <p:stCondLst>
                                             <p:cond delay="0"/>
                                           </p:stCondLst>
@@ -11443,33 +11410,15 @@
                                   </p:childTnLst>
                                 </p:cTn>
                               </p:par>
-                            </p:childTnLst>
-                          </p:cTn>
-                        </p:par>
-                      </p:childTnLst>
-                    </p:cTn>
-                  </p:par>
-                  <p:par>
-                    <p:cTn id="15" fill="hold">
-                      <p:stCondLst>
-                        <p:cond delay="indefinite"/>
-                      </p:stCondLst>
-                      <p:childTnLst>
-                        <p:par>
-                          <p:cTn id="16" fill="hold">
-                            <p:stCondLst>
-                              <p:cond delay="0"/>
-                            </p:stCondLst>
-                            <p:childTnLst>
                               <p:par>
-                                <p:cTn id="17" presetID="1" presetClass="entr" presetSubtype="0" fill="hold" nodeType="clickEffect">
+                                <p:cTn id="11" presetID="1" presetClass="entr" presetSubtype="0" fill="hold" nodeType="withEffect">
                                   <p:stCondLst>
-                                    <p:cond delay="0"/>
+                                    <p:cond delay="250"/>
                                   </p:stCondLst>
                                   <p:childTnLst>
                                     <p:set>
                                       <p:cBhvr>
-                                        <p:cTn id="18" dur="1" fill="hold">
+                                        <p:cTn id="12" dur="1" fill="hold">
                                           <p:stCondLst>
                                             <p:cond delay="0"/>
                                           </p:stCondLst>
@@ -11492,33 +11441,15 @@
                                   </p:childTnLst>
                                 </p:cTn>
                               </p:par>
-                            </p:childTnLst>
-                          </p:cTn>
-                        </p:par>
-                      </p:childTnLst>
-                    </p:cTn>
-                  </p:par>
-                  <p:par>
-                    <p:cTn id="19" fill="hold">
-                      <p:stCondLst>
-                        <p:cond delay="indefinite"/>
-                      </p:stCondLst>
-                      <p:childTnLst>
-                        <p:par>
-                          <p:cTn id="20" fill="hold">
-                            <p:stCondLst>
-                              <p:cond delay="0"/>
-                            </p:stCondLst>
-                            <p:childTnLst>
                               <p:par>
-                                <p:cTn id="21" presetID="1" presetClass="entr" presetSubtype="0" fill="hold" nodeType="clickEffect">
+                                <p:cTn id="13" presetID="1" presetClass="entr" presetSubtype="0" fill="hold" nodeType="withEffect">
                                   <p:stCondLst>
-                                    <p:cond delay="0"/>
+                                    <p:cond delay="250"/>
                                   </p:stCondLst>
                                   <p:childTnLst>
                                     <p:set>
                                       <p:cBhvr>
-                                        <p:cTn id="22" dur="1" fill="hold">
+                                        <p:cTn id="14" dur="1" fill="hold">
                                           <p:stCondLst>
                                             <p:cond delay="0"/>
                                           </p:stCondLst>
@@ -11541,33 +11472,15 @@
                                   </p:childTnLst>
                                 </p:cTn>
                               </p:par>
-                            </p:childTnLst>
-                          </p:cTn>
-                        </p:par>
-                      </p:childTnLst>
-                    </p:cTn>
-                  </p:par>
-                  <p:par>
-                    <p:cTn id="23" fill="hold">
-                      <p:stCondLst>
-                        <p:cond delay="indefinite"/>
-                      </p:stCondLst>
-                      <p:childTnLst>
-                        <p:par>
-                          <p:cTn id="24" fill="hold">
-                            <p:stCondLst>
-                              <p:cond delay="0"/>
-                            </p:stCondLst>
-                            <p:childTnLst>
                               <p:par>
-                                <p:cTn id="25" presetID="1" presetClass="entr" presetSubtype="0" fill="hold" nodeType="clickEffect">
+                                <p:cTn id="15" presetID="1" presetClass="entr" presetSubtype="0" fill="hold" nodeType="withEffect">
                                   <p:stCondLst>
-                                    <p:cond delay="0"/>
+                                    <p:cond delay="250"/>
                                   </p:stCondLst>
                                   <p:childTnLst>
                                     <p:set>
                                       <p:cBhvr>
-                                        <p:cTn id="26" dur="1" fill="hold">
+                                        <p:cTn id="16" dur="1" fill="hold">
                                           <p:stCondLst>
                                             <p:cond delay="0"/>
                                           </p:stCondLst>
@@ -11590,33 +11503,15 @@
                                   </p:childTnLst>
                                 </p:cTn>
                               </p:par>
-                            </p:childTnLst>
-                          </p:cTn>
-                        </p:par>
-                      </p:childTnLst>
-                    </p:cTn>
-                  </p:par>
-                  <p:par>
-                    <p:cTn id="27" fill="hold">
-                      <p:stCondLst>
-                        <p:cond delay="indefinite"/>
-                      </p:stCondLst>
-                      <p:childTnLst>
-                        <p:par>
-                          <p:cTn id="28" fill="hold">
-                            <p:stCondLst>
-                              <p:cond delay="0"/>
-                            </p:stCondLst>
-                            <p:childTnLst>
                               <p:par>
-                                <p:cTn id="29" presetID="1" presetClass="entr" presetSubtype="0" fill="hold" nodeType="clickEffect">
+                                <p:cTn id="17" presetID="1" presetClass="entr" presetSubtype="0" fill="hold" nodeType="withEffect">
                                   <p:stCondLst>
-                                    <p:cond delay="0"/>
+                                    <p:cond delay="250"/>
                                   </p:stCondLst>
                                   <p:childTnLst>
                                     <p:set>
                                       <p:cBhvr>
-                                        <p:cTn id="30" dur="1" fill="hold">
+                                        <p:cTn id="18" dur="1" fill="hold">
                                           <p:stCondLst>
                                             <p:cond delay="0"/>
                                           </p:stCondLst>
@@ -11639,33 +11534,15 @@
                                   </p:childTnLst>
                                 </p:cTn>
                               </p:par>
-                            </p:childTnLst>
-                          </p:cTn>
-                        </p:par>
-                      </p:childTnLst>
-                    </p:cTn>
-                  </p:par>
-                  <p:par>
-                    <p:cTn id="31" fill="hold">
-                      <p:stCondLst>
-                        <p:cond delay="indefinite"/>
-                      </p:stCondLst>
-                      <p:childTnLst>
-                        <p:par>
-                          <p:cTn id="32" fill="hold">
-                            <p:stCondLst>
-                              <p:cond delay="0"/>
-                            </p:stCondLst>
-                            <p:childTnLst>
                               <p:par>
-                                <p:cTn id="33" presetID="1" presetClass="entr" presetSubtype="0" fill="hold" nodeType="clickEffect">
+                                <p:cTn id="19" presetID="1" presetClass="entr" presetSubtype="0" fill="hold" nodeType="withEffect">
                                   <p:stCondLst>
-                                    <p:cond delay="0"/>
+                                    <p:cond delay="250"/>
                                   </p:stCondLst>
                                   <p:childTnLst>
                                     <p:set>
                                       <p:cBhvr>
-                                        <p:cTn id="34" dur="1" fill="hold">
+                                        <p:cTn id="20" dur="1" fill="hold">
                                           <p:stCondLst>
                                             <p:cond delay="0"/>
                                           </p:stCondLst>
@@ -11688,33 +11565,15 @@
                                   </p:childTnLst>
                                 </p:cTn>
                               </p:par>
-                            </p:childTnLst>
-                          </p:cTn>
-                        </p:par>
-                      </p:childTnLst>
-                    </p:cTn>
-                  </p:par>
-                  <p:par>
-                    <p:cTn id="35" fill="hold">
-                      <p:stCondLst>
-                        <p:cond delay="indefinite"/>
-                      </p:stCondLst>
-                      <p:childTnLst>
-                        <p:par>
-                          <p:cTn id="36" fill="hold">
-                            <p:stCondLst>
-                              <p:cond delay="0"/>
-                            </p:stCondLst>
-                            <p:childTnLst>
                               <p:par>
-                                <p:cTn id="37" presetID="1" presetClass="entr" presetSubtype="0" fill="hold" nodeType="clickEffect">
+                                <p:cTn id="21" presetID="1" presetClass="entr" presetSubtype="0" fill="hold" nodeType="withEffect">
                                   <p:stCondLst>
-                                    <p:cond delay="0"/>
+                                    <p:cond delay="250"/>
                                   </p:stCondLst>
                                   <p:childTnLst>
                                     <p:set>
                                       <p:cBhvr>
-                                        <p:cTn id="38" dur="1" fill="hold">
+                                        <p:cTn id="22" dur="1" fill="hold">
                                           <p:stCondLst>
                                             <p:cond delay="0"/>
                                           </p:stCondLst>
@@ -15127,6 +14986,9 @@
                     <p:cTn id="3" fill="hold">
                       <p:stCondLst>
                         <p:cond delay="indefinite"/>
+                        <p:cond evt="onBegin" delay="0">
+                          <p:tn val="2"/>
+                        </p:cond>
                       </p:stCondLst>
                       <p:childTnLst>
                         <p:par>
@@ -15136,9 +14998,9 @@
                             </p:stCondLst>
                             <p:childTnLst>
                               <p:par>
-                                <p:cTn id="5" presetID="1" presetClass="entr" presetSubtype="0" fill="hold" nodeType="clickEffect">
+                                <p:cTn id="5" presetID="1" presetClass="entr" presetSubtype="0" fill="hold" nodeType="afterEffect">
                                   <p:stCondLst>
-                                    <p:cond delay="0"/>
+                                    <p:cond delay="250"/>
                                   </p:stCondLst>
                                   <p:childTnLst>
                                     <p:set>
@@ -15169,30 +15031,21 @@
                             </p:childTnLst>
                           </p:cTn>
                         </p:par>
-                      </p:childTnLst>
-                    </p:cTn>
-                  </p:par>
-                  <p:par>
-                    <p:cTn id="7" fill="hold">
-                      <p:stCondLst>
-                        <p:cond delay="indefinite"/>
-                      </p:stCondLst>
-                      <p:childTnLst>
                         <p:par>
-                          <p:cTn id="8" fill="hold">
+                          <p:cTn id="7" fill="hold">
                             <p:stCondLst>
-                              <p:cond delay="0"/>
+                              <p:cond delay="250"/>
                             </p:stCondLst>
                             <p:childTnLst>
                               <p:par>
-                                <p:cTn id="9" presetID="1" presetClass="entr" presetSubtype="0" fill="hold" nodeType="clickEffect">
+                                <p:cTn id="8" presetID="1" presetClass="entr" presetSubtype="0" fill="hold" nodeType="afterEffect">
                                   <p:stCondLst>
-                                    <p:cond delay="0"/>
+                                    <p:cond delay="250"/>
                                   </p:stCondLst>
                                   <p:childTnLst>
                                     <p:set>
                                       <p:cBhvr>
-                                        <p:cTn id="10" dur="1" fill="hold">
+                                        <p:cTn id="9" dur="1" fill="hold">
                                           <p:stCondLst>
                                             <p:cond delay="0"/>
                                           </p:stCondLst>
@@ -15218,30 +15071,21 @@
                             </p:childTnLst>
                           </p:cTn>
                         </p:par>
-                      </p:childTnLst>
-                    </p:cTn>
-                  </p:par>
-                  <p:par>
-                    <p:cTn id="11" fill="hold">
-                      <p:stCondLst>
-                        <p:cond delay="indefinite"/>
-                      </p:stCondLst>
-                      <p:childTnLst>
                         <p:par>
-                          <p:cTn id="12" fill="hold">
+                          <p:cTn id="10" fill="hold">
                             <p:stCondLst>
-                              <p:cond delay="0"/>
+                              <p:cond delay="500"/>
                             </p:stCondLst>
                             <p:childTnLst>
                               <p:par>
-                                <p:cTn id="13" presetID="1" presetClass="entr" presetSubtype="0" fill="hold" nodeType="clickEffect">
+                                <p:cTn id="11" presetID="1" presetClass="entr" presetSubtype="0" fill="hold" nodeType="afterEffect">
                                   <p:stCondLst>
-                                    <p:cond delay="0"/>
+                                    <p:cond delay="250"/>
                                   </p:stCondLst>
                                   <p:childTnLst>
                                     <p:set>
                                       <p:cBhvr>
-                                        <p:cTn id="14" dur="1" fill="hold">
+                                        <p:cTn id="12" dur="1" fill="hold">
                                           <p:stCondLst>
                                             <p:cond delay="0"/>
                                           </p:stCondLst>

--- a/xxx-SynapseAndDatabricks/Coach/Bronze-Silver-Gold.pptx
+++ b/xxx-SynapseAndDatabricks/Coach/Bronze-Silver-Gold.pptx
@@ -243,7 +243,7 @@
           <a:p>
             <a:fld id="{762B48F5-BACC-47D6-A0F7-82FBF9C6BC85}" type="datetimeFigureOut">
               <a:rPr lang="en-US"/>
-              <a:t>12/2/2022</a:t>
+              <a:t>12/8/2022</a:t>
             </a:fld>
             <a:endParaRPr/>
           </a:p>
@@ -408,7 +408,7 @@
           <a:p>
             <a:fld id="{0CB1CD00-5424-4675-AB18-2C419B060449}" type="datetimeFigureOut">
               <a:rPr lang="en-US"/>
-              <a:t>12/2/2022</a:t>
+              <a:t>12/8/2022</a:t>
             </a:fld>
             <a:endParaRPr/>
           </a:p>
@@ -2830,7 +2830,7 @@
           <a:p>
             <a:fld id="{37CC0096-1860-4642-9CD2-0079EA5E7CD1}" type="datetimeFigureOut">
               <a:rPr lang="en-US" smtClean="0"/>
-              <a:t>12/2/2022</a:t>
+              <a:t>12/8/2022</a:t>
             </a:fld>
             <a:endParaRPr lang="en-US"/>
           </a:p>
@@ -3009,7 +3009,7 @@
           <a:p>
             <a:fld id="{37CC0096-1860-4642-9CD2-0079EA5E7CD1}" type="datetimeFigureOut">
               <a:rPr lang="en-US" smtClean="0"/>
-              <a:t>12/2/2022</a:t>
+              <a:t>12/8/2022</a:t>
             </a:fld>
             <a:endParaRPr lang="en-US"/>
           </a:p>
@@ -3966,7 +3966,7 @@
           <a:p>
             <a:fld id="{37CC0096-1860-4642-9CD2-0079EA5E7CD1}" type="datetimeFigureOut">
               <a:rPr lang="en-US" smtClean="0"/>
-              <a:t>12/2/2022</a:t>
+              <a:t>12/8/2022</a:t>
             </a:fld>
             <a:endParaRPr lang="en-US"/>
           </a:p>
@@ -4399,7 +4399,7 @@
           <a:p>
             <a:fld id="{37CC0096-1860-4642-9CD2-0079EA5E7CD1}" type="datetimeFigureOut">
               <a:rPr lang="en-US" smtClean="0"/>
-              <a:t>12/2/2022</a:t>
+              <a:t>12/8/2022</a:t>
             </a:fld>
             <a:endParaRPr lang="en-US"/>
           </a:p>
@@ -4838,7 +4838,7 @@
           <a:p>
             <a:fld id="{37CC0096-1860-4642-9CD2-0079EA5E7CD1}" type="datetimeFigureOut">
               <a:rPr lang="en-US" smtClean="0"/>
-              <a:t>12/2/2022</a:t>
+              <a:t>12/8/2022</a:t>
             </a:fld>
             <a:endParaRPr lang="en-US"/>
           </a:p>
@@ -4955,7 +4955,7 @@
           <a:p>
             <a:fld id="{37CC0096-1860-4642-9CD2-0079EA5E7CD1}" type="datetimeFigureOut">
               <a:rPr lang="en-US" smtClean="0"/>
-              <a:t>12/2/2022</a:t>
+              <a:t>12/8/2022</a:t>
             </a:fld>
             <a:endParaRPr lang="en-US"/>
           </a:p>
@@ -5050,7 +5050,7 @@
           <a:p>
             <a:fld id="{37CC0096-1860-4642-9CD2-0079EA5E7CD1}" type="datetimeFigureOut">
               <a:rPr lang="en-US" smtClean="0"/>
-              <a:t>12/2/2022</a:t>
+              <a:t>12/8/2022</a:t>
             </a:fld>
             <a:endParaRPr lang="en-US"/>
           </a:p>
@@ -5334,7 +5334,7 @@
           <a:p>
             <a:fld id="{37CC0096-1860-4642-9CD2-0079EA5E7CD1}" type="datetimeFigureOut">
               <a:rPr lang="en-US" smtClean="0"/>
-              <a:t>12/2/2022</a:t>
+              <a:t>12/8/2022</a:t>
             </a:fld>
             <a:endParaRPr lang="en-US"/>
           </a:p>
@@ -5645,7 +5645,7 @@
           <a:p>
             <a:fld id="{37CC0096-1860-4642-9CD2-0079EA5E7CD1}" type="datetimeFigureOut">
               <a:rPr lang="en-US" smtClean="0"/>
-              <a:t>12/2/2022</a:t>
+              <a:t>12/8/2022</a:t>
             </a:fld>
             <a:endParaRPr lang="en-US"/>
           </a:p>
@@ -5877,7 +5877,7 @@
             <a:fld id="{37CC0096-1860-4642-9CD2-0079EA5E7CD1}" type="datetimeFigureOut">
               <a:rPr lang="en-US" smtClean="0"/>
               <a:pPr/>
-              <a:t>12/2/2022</a:t>
+              <a:t>12/8/2022</a:t>
             </a:fld>
             <a:endParaRPr lang="en-US"/>
           </a:p>
@@ -13482,14 +13482,14 @@
           <p:nvPr>
             <p:extLst>
               <p:ext uri="{D42A27DB-BD31-4B8C-83A1-F6EECF244321}">
-                <p14:modId xmlns:p14="http://schemas.microsoft.com/office/powerpoint/2010/main" val="4072813595"/>
+                <p14:modId xmlns:p14="http://schemas.microsoft.com/office/powerpoint/2010/main" val="4019800011"/>
               </p:ext>
             </p:extLst>
           </p:nvPr>
         </p:nvGraphicFramePr>
         <p:xfrm>
           <a:off x="1828800" y="2286000"/>
-          <a:ext cx="9296400" cy="4286250"/>
+          <a:ext cx="9296400" cy="4215766"/>
         </p:xfrm>
         <a:graphic>
           <a:graphicData uri="http://schemas.openxmlformats.org/drawingml/2006/table">
@@ -13541,7 +13541,7 @@
                   </a:extLst>
                 </a:gridCol>
               </a:tblGrid>
-              <a:tr h="476250">
+              <a:tr h="419100">
                 <a:tc>
                   <a:txBody>
                     <a:bodyPr/>
@@ -13632,7 +13632,7 @@
                   </a:ext>
                 </a:extLst>
               </a:tr>
-              <a:tr h="476250">
+              <a:tr h="419100">
                 <a:tc>
                   <a:txBody>
                     <a:bodyPr/>
@@ -13727,7 +13727,7 @@
                           <a:effectLst/>
                           <a:latin typeface="+mn-lt"/>
                         </a:rPr>
-                        <a:t>Nilendra Singh</a:t>
+                        <a:t>Nilendra Singh / Jack Bender</a:t>
                       </a:r>
                     </a:p>
                   </a:txBody>
@@ -13776,7 +13776,525 @@
                   </a:ext>
                 </a:extLst>
               </a:tr>
-              <a:tr h="476250">
+              <a:tr h="419100">
+                <a:tc>
+                  <a:txBody>
+                    <a:bodyPr/>
+                    <a:lstStyle/>
+                    <a:p>
+                      <a:pPr algn="ctr" fontAlgn="b"/>
+                      <a:r>
+                        <a:rPr lang="en-US" sz="1400" b="0" i="0" u="none" strike="noStrike">
+                          <a:solidFill>
+                            <a:srgbClr val="000000"/>
+                          </a:solidFill>
+                          <a:effectLst/>
+                          <a:latin typeface="+mn-lt"/>
+                        </a:rPr>
+                        <a:t>Amish Sinha</a:t>
+                      </a:r>
+                    </a:p>
+                  </a:txBody>
+                  <a:tcPr marL="4763" marR="4763" marT="4763" marB="0" anchor="b"/>
+                </a:tc>
+                <a:tc>
+                  <a:txBody>
+                    <a:bodyPr/>
+                    <a:lstStyle/>
+                    <a:p>
+                      <a:pPr algn="ctr" fontAlgn="b"/>
+                      <a:r>
+                        <a:rPr lang="en-US" sz="1400" b="0" i="0" u="none" strike="noStrike">
+                          <a:solidFill>
+                            <a:srgbClr val="000000"/>
+                          </a:solidFill>
+                          <a:effectLst/>
+                          <a:latin typeface="Candara" panose="020E0502030303020204" pitchFamily="34" charset="0"/>
+                        </a:rPr>
+                        <a:t>Alan Kleinert</a:t>
+                      </a:r>
+                    </a:p>
+                  </a:txBody>
+                  <a:tcPr marL="4763" marR="4763" marT="4763" marB="0" anchor="b"/>
+                </a:tc>
+                <a:tc>
+                  <a:txBody>
+                    <a:bodyPr/>
+                    <a:lstStyle/>
+                    <a:p>
+                      <a:pPr algn="ctr" fontAlgn="b"/>
+                      <a:r>
+                        <a:rPr lang="en-US" sz="1400" b="0" i="0" u="none" strike="noStrike" dirty="0" err="1">
+                          <a:solidFill>
+                            <a:srgbClr val="000000"/>
+                          </a:solidFill>
+                          <a:effectLst/>
+                          <a:latin typeface="Candara" panose="020E0502030303020204" pitchFamily="34" charset="0"/>
+                        </a:rPr>
+                        <a:t>Dhanaji</a:t>
+                      </a:r>
+                      <a:r>
+                        <a:rPr lang="en-US" sz="1400" b="0" i="0" u="none" strike="noStrike" dirty="0">
+                          <a:solidFill>
+                            <a:srgbClr val="000000"/>
+                          </a:solidFill>
+                          <a:effectLst/>
+                          <a:latin typeface="Candara" panose="020E0502030303020204" pitchFamily="34" charset="0"/>
+                        </a:rPr>
+                        <a:t> More</a:t>
+                      </a:r>
+                    </a:p>
+                  </a:txBody>
+                  <a:tcPr marL="4763" marR="4763" marT="4763" marB="0" anchor="b"/>
+                </a:tc>
+                <a:tc>
+                  <a:txBody>
+                    <a:bodyPr/>
+                    <a:lstStyle/>
+                    <a:p>
+                      <a:pPr algn="ctr" fontAlgn="b"/>
+                      <a:r>
+                        <a:rPr lang="en-US" sz="1400" b="0" i="0" u="none" strike="noStrike">
+                          <a:solidFill>
+                            <a:srgbClr val="000000"/>
+                          </a:solidFill>
+                          <a:effectLst/>
+                          <a:latin typeface="Candara" panose="020E0502030303020204" pitchFamily="34" charset="0"/>
+                        </a:rPr>
+                        <a:t>Morgan Chesnicka</a:t>
+                      </a:r>
+                    </a:p>
+                  </a:txBody>
+                  <a:tcPr marL="4763" marR="4763" marT="4763" marB="0" anchor="b"/>
+                </a:tc>
+                <a:tc>
+                  <a:txBody>
+                    <a:bodyPr/>
+                    <a:lstStyle/>
+                    <a:p>
+                      <a:pPr algn="ctr" fontAlgn="b"/>
+                      <a:r>
+                        <a:rPr lang="en-US" sz="1400" b="0" i="0" u="none" strike="noStrike">
+                          <a:solidFill>
+                            <a:srgbClr val="000000"/>
+                          </a:solidFill>
+                          <a:effectLst/>
+                          <a:latin typeface="Candara" panose="020E0502030303020204" pitchFamily="34" charset="0"/>
+                        </a:rPr>
+                        <a:t>Angela Kunanbaeva</a:t>
+                      </a:r>
+                    </a:p>
+                  </a:txBody>
+                  <a:tcPr marL="4763" marR="4763" marT="4763" marB="0" anchor="b"/>
+                </a:tc>
+                <a:tc>
+                  <a:txBody>
+                    <a:bodyPr/>
+                    <a:lstStyle/>
+                    <a:p>
+                      <a:pPr algn="l" fontAlgn="b"/>
+                      <a:r>
+                        <a:rPr lang="en-US" sz="1400" b="0" i="0" u="none" strike="noStrike">
+                          <a:solidFill>
+                            <a:srgbClr val="000000"/>
+                          </a:solidFill>
+                          <a:effectLst/>
+                          <a:latin typeface="+mn-lt"/>
+                        </a:rPr>
+                        <a:t>Armando Marrero</a:t>
+                      </a:r>
+                    </a:p>
+                  </a:txBody>
+                  <a:tcPr marL="4763" marR="4763" marT="4763" marB="0" anchor="b"/>
+                </a:tc>
+                <a:extLst>
+                  <a:ext uri="{0D108BD9-81ED-4DB2-BD59-A6C34878D82A}">
+                    <a16:rowId xmlns:a16="http://schemas.microsoft.com/office/drawing/2014/main" val="1124665548"/>
+                  </a:ext>
+                </a:extLst>
+              </a:tr>
+              <a:tr h="419100">
+                <a:tc>
+                  <a:txBody>
+                    <a:bodyPr/>
+                    <a:lstStyle/>
+                    <a:p>
+                      <a:pPr algn="ctr" fontAlgn="b"/>
+                      <a:r>
+                        <a:rPr lang="en-US" sz="1400" b="0" i="0" u="none" strike="noStrike">
+                          <a:solidFill>
+                            <a:srgbClr val="000000"/>
+                          </a:solidFill>
+                          <a:effectLst/>
+                          <a:latin typeface="+mn-lt"/>
+                        </a:rPr>
+                        <a:t>David Azofeifa</a:t>
+                      </a:r>
+                    </a:p>
+                  </a:txBody>
+                  <a:tcPr marL="4763" marR="4763" marT="4763" marB="0" anchor="b"/>
+                </a:tc>
+                <a:tc>
+                  <a:txBody>
+                    <a:bodyPr/>
+                    <a:lstStyle/>
+                    <a:p>
+                      <a:pPr algn="ctr" fontAlgn="b"/>
+                      <a:r>
+                        <a:rPr lang="en-US" sz="1400" b="0" i="0" u="none" strike="noStrike">
+                          <a:solidFill>
+                            <a:srgbClr val="000000"/>
+                          </a:solidFill>
+                          <a:effectLst/>
+                          <a:latin typeface="Candara" panose="020E0502030303020204" pitchFamily="34" charset="0"/>
+                        </a:rPr>
+                        <a:t>Bishnu Agrawal</a:t>
+                      </a:r>
+                    </a:p>
+                  </a:txBody>
+                  <a:tcPr marL="4763" marR="4763" marT="4763" marB="0" anchor="b"/>
+                </a:tc>
+                <a:tc>
+                  <a:txBody>
+                    <a:bodyPr/>
+                    <a:lstStyle/>
+                    <a:p>
+                      <a:pPr algn="ctr" fontAlgn="b"/>
+                      <a:r>
+                        <a:rPr lang="en-US" sz="1400" b="0" i="0" u="none" strike="noStrike" dirty="0">
+                          <a:solidFill>
+                            <a:srgbClr val="000000"/>
+                          </a:solidFill>
+                          <a:effectLst/>
+                          <a:latin typeface="Candara" panose="020E0502030303020204" pitchFamily="34" charset="0"/>
+                        </a:rPr>
+                        <a:t>Emily Holloway</a:t>
+                      </a:r>
+                    </a:p>
+                  </a:txBody>
+                  <a:tcPr marL="4763" marR="4763" marT="4763" marB="0" anchor="b"/>
+                </a:tc>
+                <a:tc>
+                  <a:txBody>
+                    <a:bodyPr/>
+                    <a:lstStyle/>
+                    <a:p>
+                      <a:pPr algn="ctr" fontAlgn="b"/>
+                      <a:r>
+                        <a:rPr lang="en-US" sz="1400" b="0" i="0" u="none" strike="noStrike" dirty="0">
+                          <a:solidFill>
+                            <a:srgbClr val="000000"/>
+                          </a:solidFill>
+                          <a:effectLst/>
+                          <a:latin typeface="Candara" panose="020E0502030303020204" pitchFamily="34" charset="0"/>
+                        </a:rPr>
+                        <a:t>Peter Tassmer</a:t>
+                      </a:r>
+                    </a:p>
+                  </a:txBody>
+                  <a:tcPr marL="4763" marR="4763" marT="4763" marB="0" anchor="b"/>
+                </a:tc>
+                <a:tc>
+                  <a:txBody>
+                    <a:bodyPr/>
+                    <a:lstStyle/>
+                    <a:p>
+                      <a:pPr algn="ctr" fontAlgn="b"/>
+                      <a:r>
+                        <a:rPr lang="en-US" sz="1400" b="0" i="0" u="none" strike="noStrike" dirty="0">
+                          <a:solidFill>
+                            <a:srgbClr val="000000"/>
+                          </a:solidFill>
+                          <a:effectLst/>
+                          <a:latin typeface="Candara" panose="020E0502030303020204" pitchFamily="34" charset="0"/>
+                        </a:rPr>
+                        <a:t>Cameron Kahrs</a:t>
+                      </a:r>
+                    </a:p>
+                  </a:txBody>
+                  <a:tcPr marL="4763" marR="4763" marT="4763" marB="0" anchor="b"/>
+                </a:tc>
+                <a:tc>
+                  <a:txBody>
+                    <a:bodyPr/>
+                    <a:lstStyle/>
+                    <a:p>
+                      <a:pPr algn="l" fontAlgn="b"/>
+                      <a:r>
+                        <a:rPr lang="en-US" sz="1400" b="0" i="0" u="none" strike="noStrike">
+                          <a:solidFill>
+                            <a:srgbClr val="000000"/>
+                          </a:solidFill>
+                          <a:effectLst/>
+                          <a:latin typeface="+mn-lt"/>
+                        </a:rPr>
+                        <a:t>Bryce Williams</a:t>
+                      </a:r>
+                    </a:p>
+                  </a:txBody>
+                  <a:tcPr marL="4763" marR="4763" marT="4763" marB="0" anchor="b"/>
+                </a:tc>
+                <a:extLst>
+                  <a:ext uri="{0D108BD9-81ED-4DB2-BD59-A6C34878D82A}">
+                    <a16:rowId xmlns:a16="http://schemas.microsoft.com/office/drawing/2014/main" val="1435243782"/>
+                  </a:ext>
+                </a:extLst>
+              </a:tr>
+              <a:tr h="419100">
+                <a:tc>
+                  <a:txBody>
+                    <a:bodyPr/>
+                    <a:lstStyle/>
+                    <a:p>
+                      <a:pPr algn="ctr" fontAlgn="b"/>
+                      <a:r>
+                        <a:rPr lang="en-US" sz="1400" b="0" i="0" u="none" strike="noStrike">
+                          <a:solidFill>
+                            <a:srgbClr val="000000"/>
+                          </a:solidFill>
+                          <a:effectLst/>
+                          <a:latin typeface="+mn-lt"/>
+                        </a:rPr>
+                        <a:t>Juichia Che</a:t>
+                      </a:r>
+                    </a:p>
+                  </a:txBody>
+                  <a:tcPr marL="4763" marR="4763" marT="4763" marB="0" anchor="b"/>
+                </a:tc>
+                <a:tc>
+                  <a:txBody>
+                    <a:bodyPr/>
+                    <a:lstStyle/>
+                    <a:p>
+                      <a:pPr algn="ctr" fontAlgn="b"/>
+                      <a:r>
+                        <a:rPr lang="en-US" sz="1400" b="0" i="0" u="none" strike="noStrike">
+                          <a:solidFill>
+                            <a:srgbClr val="000000"/>
+                          </a:solidFill>
+                          <a:effectLst/>
+                          <a:latin typeface="Candara" panose="020E0502030303020204" pitchFamily="34" charset="0"/>
+                        </a:rPr>
+                        <a:t>Ivan Portilla</a:t>
+                      </a:r>
+                    </a:p>
+                  </a:txBody>
+                  <a:tcPr marL="4763" marR="4763" marT="4763" marB="0" anchor="b"/>
+                </a:tc>
+                <a:tc>
+                  <a:txBody>
+                    <a:bodyPr/>
+                    <a:lstStyle/>
+                    <a:p>
+                      <a:pPr algn="ctr" fontAlgn="b"/>
+                      <a:r>
+                        <a:rPr lang="en-US" sz="1400" b="0" i="0" u="none" strike="noStrike">
+                          <a:solidFill>
+                            <a:srgbClr val="000000"/>
+                          </a:solidFill>
+                          <a:effectLst/>
+                          <a:latin typeface="Candara" panose="020E0502030303020204" pitchFamily="34" charset="0"/>
+                        </a:rPr>
+                        <a:t>Melody Yin</a:t>
+                      </a:r>
+                    </a:p>
+                  </a:txBody>
+                  <a:tcPr marL="4763" marR="4763" marT="4763" marB="0" anchor="b"/>
+                </a:tc>
+                <a:tc>
+                  <a:txBody>
+                    <a:bodyPr/>
+                    <a:lstStyle/>
+                    <a:p>
+                      <a:pPr algn="ctr" fontAlgn="b"/>
+                      <a:r>
+                        <a:rPr lang="en-US" sz="1400" b="0" i="0" u="none" strike="noStrike" dirty="0">
+                          <a:solidFill>
+                            <a:srgbClr val="000000"/>
+                          </a:solidFill>
+                          <a:effectLst/>
+                          <a:latin typeface="Candara" panose="020E0502030303020204" pitchFamily="34" charset="0"/>
+                        </a:rPr>
+                        <a:t>Ricardo Marques</a:t>
+                      </a:r>
+                    </a:p>
+                  </a:txBody>
+                  <a:tcPr marL="4763" marR="4763" marT="4763" marB="0" anchor="b"/>
+                </a:tc>
+                <a:tc>
+                  <a:txBody>
+                    <a:bodyPr/>
+                    <a:lstStyle/>
+                    <a:p>
+                      <a:pPr algn="ctr" fontAlgn="b"/>
+                      <a:r>
+                        <a:rPr lang="en-US" sz="1400" b="0" i="0" u="none" strike="noStrike" dirty="0">
+                          <a:solidFill>
+                            <a:srgbClr val="000000"/>
+                          </a:solidFill>
+                          <a:effectLst/>
+                          <a:latin typeface="Candara" panose="020E0502030303020204" pitchFamily="34" charset="0"/>
+                        </a:rPr>
+                        <a:t>Chris Donlan</a:t>
+                      </a:r>
+                    </a:p>
+                  </a:txBody>
+                  <a:tcPr marL="4763" marR="4763" marT="4763" marB="0" anchor="b"/>
+                </a:tc>
+                <a:tc>
+                  <a:txBody>
+                    <a:bodyPr/>
+                    <a:lstStyle/>
+                    <a:p>
+                      <a:pPr algn="l" fontAlgn="b"/>
+                      <a:r>
+                        <a:rPr lang="en-US" sz="1400" b="0" i="0" u="none" strike="noStrike" dirty="0">
+                          <a:solidFill>
+                            <a:srgbClr val="000000"/>
+                          </a:solidFill>
+                          <a:effectLst/>
+                          <a:latin typeface="+mn-lt"/>
+                        </a:rPr>
+                        <a:t>Diana Betancourt</a:t>
+                      </a:r>
+                    </a:p>
+                  </a:txBody>
+                  <a:tcPr marL="4763" marR="4763" marT="4763" marB="0" anchor="b"/>
+                </a:tc>
+                <a:extLst>
+                  <a:ext uri="{0D108BD9-81ED-4DB2-BD59-A6C34878D82A}">
+                    <a16:rowId xmlns:a16="http://schemas.microsoft.com/office/drawing/2014/main" val="3744920763"/>
+                  </a:ext>
+                </a:extLst>
+              </a:tr>
+              <a:tr h="419100">
+                <a:tc>
+                  <a:txBody>
+                    <a:bodyPr/>
+                    <a:lstStyle/>
+                    <a:p>
+                      <a:pPr algn="ctr" fontAlgn="b"/>
+                      <a:r>
+                        <a:rPr lang="en-US" sz="1400" b="0" i="0" u="none" strike="noStrike">
+                          <a:solidFill>
+                            <a:srgbClr val="000000"/>
+                          </a:solidFill>
+                          <a:effectLst/>
+                          <a:latin typeface="+mn-lt"/>
+                        </a:rPr>
+                        <a:t>Kevin Orbaker</a:t>
+                      </a:r>
+                    </a:p>
+                  </a:txBody>
+                  <a:tcPr marL="4763" marR="4763" marT="4763" marB="0" anchor="b"/>
+                </a:tc>
+                <a:tc>
+                  <a:txBody>
+                    <a:bodyPr/>
+                    <a:lstStyle/>
+                    <a:p>
+                      <a:pPr algn="ctr" fontAlgn="b"/>
+                      <a:r>
+                        <a:rPr lang="en-US" sz="1400" b="0" i="0" u="none" strike="noStrike">
+                          <a:solidFill>
+                            <a:srgbClr val="000000"/>
+                          </a:solidFill>
+                          <a:effectLst/>
+                          <a:latin typeface="Candara" panose="020E0502030303020204" pitchFamily="34" charset="0"/>
+                        </a:rPr>
+                        <a:t>Ram Madhurakavi</a:t>
+                      </a:r>
+                    </a:p>
+                  </a:txBody>
+                  <a:tcPr marL="4763" marR="4763" marT="4763" marB="0" anchor="b"/>
+                </a:tc>
+                <a:tc>
+                  <a:txBody>
+                    <a:bodyPr/>
+                    <a:lstStyle/>
+                    <a:p>
+                      <a:pPr algn="ctr" fontAlgn="b"/>
+                      <a:r>
+                        <a:rPr lang="en-US" sz="1400" b="0" i="0" u="none" strike="noStrike" dirty="0">
+                          <a:solidFill>
+                            <a:srgbClr val="000000"/>
+                          </a:solidFill>
+                          <a:effectLst/>
+                          <a:latin typeface="Candara" panose="020E0502030303020204" pitchFamily="34" charset="0"/>
+                        </a:rPr>
+                        <a:t>Mike Rhoads</a:t>
+                      </a:r>
+                    </a:p>
+                  </a:txBody>
+                  <a:tcPr marL="4763" marR="4763" marT="4763" marB="0" anchor="b"/>
+                </a:tc>
+                <a:tc>
+                  <a:txBody>
+                    <a:bodyPr/>
+                    <a:lstStyle/>
+                    <a:p>
+                      <a:pPr algn="ctr" fontAlgn="b"/>
+                      <a:r>
+                        <a:rPr lang="en-US" sz="1400" b="0" i="0" u="none" strike="noStrike" dirty="0">
+                          <a:solidFill>
+                            <a:srgbClr val="000000"/>
+                          </a:solidFill>
+                          <a:effectLst/>
+                          <a:latin typeface="Candara" panose="020E0502030303020204" pitchFamily="34" charset="0"/>
+                        </a:rPr>
+                        <a:t>Sam Istephan</a:t>
+                      </a:r>
+                    </a:p>
+                  </a:txBody>
+                  <a:tcPr marL="4763" marR="4763" marT="4763" marB="0" anchor="b"/>
+                </a:tc>
+                <a:tc>
+                  <a:txBody>
+                    <a:bodyPr/>
+                    <a:lstStyle/>
+                    <a:p>
+                      <a:pPr algn="ctr" fontAlgn="b"/>
+                      <a:r>
+                        <a:rPr lang="en-US" sz="1400" b="0" i="0" u="none" strike="noStrike">
+                          <a:solidFill>
+                            <a:srgbClr val="000000"/>
+                          </a:solidFill>
+                          <a:effectLst/>
+                          <a:latin typeface="Candara" panose="020E0502030303020204" pitchFamily="34" charset="0"/>
+                        </a:rPr>
+                        <a:t>Kevin Bullen</a:t>
+                      </a:r>
+                    </a:p>
+                  </a:txBody>
+                  <a:tcPr marL="4763" marR="4763" marT="4763" marB="0" anchor="b"/>
+                </a:tc>
+                <a:tc>
+                  <a:txBody>
+                    <a:bodyPr/>
+                    <a:lstStyle/>
+                    <a:p>
+                      <a:pPr algn="l" fontAlgn="b"/>
+                      <a:r>
+                        <a:rPr lang="en-US" sz="1400" b="0" i="0" u="none" strike="noStrike" dirty="0">
+                          <a:solidFill>
+                            <a:srgbClr val="000000"/>
+                          </a:solidFill>
+                          <a:effectLst/>
+                          <a:latin typeface="+mn-lt"/>
+                        </a:rPr>
+                        <a:t>Jed Wu</a:t>
+                      </a:r>
+                    </a:p>
+                  </a:txBody>
+                  <a:tcPr marL="4763" marR="4763" marT="4763" marB="0" anchor="b"/>
+                </a:tc>
+                <a:extLst>
+                  <a:ext uri="{0D108BD9-81ED-4DB2-BD59-A6C34878D82A}">
+                    <a16:rowId xmlns:a16="http://schemas.microsoft.com/office/drawing/2014/main" val="3229916096"/>
+                  </a:ext>
+                </a:extLst>
+              </a:tr>
+              <a:tr h="419100">
                 <a:tc>
                   <a:txBody>
                     <a:bodyPr/>
@@ -13791,11 +14309,51 @@
                           <a:effectLst/>
                           <a:latin typeface="+mn-lt"/>
                         </a:rPr>
-                        <a:t>Amish Sinha</a:t>
+                        <a:t>Sue Tholen</a:t>
                       </a:r>
                     </a:p>
                   </a:txBody>
-                  <a:tcPr marL="4763" marR="4763" marT="4763" marB="0" anchor="ctr"/>
+                  <a:tcPr marL="4763" marR="4763" marT="4763" marB="0" anchor="b"/>
+                </a:tc>
+                <a:tc>
+                  <a:txBody>
+                    <a:bodyPr/>
+                    <a:lstStyle/>
+                    <a:p>
+                      <a:pPr algn="ctr" fontAlgn="b"/>
+                      <a:r>
+                        <a:rPr lang="en-US" sz="1400" b="0" i="0" u="none" strike="noStrike">
+                          <a:solidFill>
+                            <a:srgbClr val="000000"/>
+                          </a:solidFill>
+                          <a:effectLst/>
+                          <a:latin typeface="Candara" panose="020E0502030303020204" pitchFamily="34" charset="0"/>
+                        </a:rPr>
+                        <a:t>Shankar Raman</a:t>
+                      </a:r>
+                    </a:p>
+                  </a:txBody>
+                  <a:tcPr marL="4763" marR="4763" marT="4763" marB="0" anchor="b"/>
+                </a:tc>
+                <a:tc>
+                  <a:txBody>
+                    <a:bodyPr/>
+                    <a:lstStyle/>
+                    <a:p>
+                      <a:pPr algn="ctr" fontAlgn="b"/>
+                      <a:r>
+                        <a:rPr lang="en-US" sz="1400" b="0" i="0" u="none" strike="noStrike">
+                          <a:solidFill>
+                            <a:srgbClr val="000000"/>
+                          </a:solidFill>
+                          <a:effectLst/>
+                          <a:latin typeface="Candara" panose="020E0502030303020204" pitchFamily="34" charset="0"/>
+                        </a:rPr>
+                        <a:t>Rodney Elmore</a:t>
+                      </a:r>
+                    </a:p>
+                  </a:txBody>
+                  <a:tcPr marL="4763" marR="4763" marT="4763" marB="0" anchor="b"/>
                 </a:tc>
                 <a:tc>
                   <a:txBody>
@@ -13809,73 +14367,13 @@
                             <a:srgbClr val="000000"/>
                           </a:solidFill>
                           <a:effectLst/>
-                          <a:latin typeface="+mn-lt"/>
+                          <a:latin typeface="Candara" panose="020E0502030303020204" pitchFamily="34" charset="0"/>
                         </a:rPr>
-                        <a:t>Alan Kleinert</a:t>
+                        <a:t>Tyler Chessman</a:t>
                       </a:r>
                     </a:p>
                   </a:txBody>
-                  <a:tcPr marL="4763" marR="4763" marT="4763" marB="0" anchor="ctr"/>
-                </a:tc>
-                <a:tc>
-                  <a:txBody>
-                    <a:bodyPr/>
-                    <a:lstStyle/>
-                    <a:p>
-                      <a:pPr algn="ctr" fontAlgn="b"/>
-                      <a:r>
-                        <a:rPr lang="en-US" sz="1400" b="0" i="0" u="none" strike="noStrike">
-                          <a:solidFill>
-                            <a:srgbClr val="000000"/>
-                          </a:solidFill>
-                          <a:effectLst/>
-                          <a:latin typeface="+mn-lt"/>
-                        </a:rPr>
-                        <a:t>Dhanaji More</a:t>
-                      </a:r>
-                    </a:p>
-                  </a:txBody>
-                  <a:tcPr marL="4763" marR="4763" marT="4763" marB="0" anchor="ctr"/>
-                </a:tc>
-                <a:tc>
-                  <a:txBody>
-                    <a:bodyPr/>
-                    <a:lstStyle/>
-                    <a:p>
-                      <a:pPr algn="ctr" fontAlgn="b"/>
-                      <a:r>
-                        <a:rPr lang="en-US" sz="1400" b="0" i="0" u="none" strike="noStrike">
-                          <a:solidFill>
-                            <a:srgbClr val="000000"/>
-                          </a:solidFill>
-                          <a:effectLst/>
-                          <a:latin typeface="+mn-lt"/>
-                        </a:rPr>
-                        <a:t>Morgan Chesnicka</a:t>
-                      </a:r>
-                    </a:p>
-                  </a:txBody>
-                  <a:tcPr marL="4763" marR="4763" marT="4763" marB="0" anchor="ctr"/>
-                </a:tc>
-                <a:tc>
-                  <a:txBody>
-                    <a:bodyPr/>
-                    <a:lstStyle/>
-                    <a:p>
-                      <a:pPr algn="ctr" fontAlgn="b"/>
-                      <a:r>
-                        <a:rPr lang="en-US" sz="1400" b="0" i="0" u="none" strike="noStrike">
-                          <a:solidFill>
-                            <a:srgbClr val="000000"/>
-                          </a:solidFill>
-                          <a:effectLst/>
-                          <a:latin typeface="+mn-lt"/>
-                        </a:rPr>
-                        <a:t>Angela Kunanbaeva</a:t>
-                      </a:r>
-                    </a:p>
-                  </a:txBody>
-                  <a:tcPr marL="4763" marR="4763" marT="4763" marB="0" anchor="ctr"/>
+                  <a:tcPr marL="4763" marR="4763" marT="4763" marB="0" anchor="b"/>
                 </a:tc>
                 <a:tc>
                   <a:txBody>
@@ -13889,27 +14387,20 @@
                             <a:srgbClr val="000000"/>
                           </a:solidFill>
                           <a:effectLst/>
-                          <a:latin typeface="+mn-lt"/>
+                          <a:latin typeface="Candara" panose="020E0502030303020204" pitchFamily="34" charset="0"/>
                         </a:rPr>
-                        <a:t>Armando Marrero</a:t>
+                        <a:t>Marcelo Zambrana</a:t>
                       </a:r>
                     </a:p>
                   </a:txBody>
-                  <a:tcPr marL="4763" marR="4763" marT="4763" marB="0" anchor="ctr"/>
+                  <a:tcPr marL="4763" marR="4763" marT="4763" marB="0" anchor="b"/>
                 </a:tc>
-                <a:extLst>
-                  <a:ext uri="{0D108BD9-81ED-4DB2-BD59-A6C34878D82A}">
-                    <a16:rowId xmlns:a16="http://schemas.microsoft.com/office/drawing/2014/main" val="1124665548"/>
-                  </a:ext>
-                </a:extLst>
-              </a:tr>
-              <a:tr h="476250">
                 <a:tc>
                   <a:txBody>
                     <a:bodyPr/>
                     <a:lstStyle/>
                     <a:p>
-                      <a:pPr algn="ctr" fontAlgn="b"/>
+                      <a:pPr algn="l" fontAlgn="b"/>
                       <a:r>
                         <a:rPr lang="en-US" sz="1400" b="0" i="0" u="none" strike="noStrike" dirty="0">
                           <a:solidFill>
@@ -13918,172 +14409,25 @@
                           <a:effectLst/>
                           <a:latin typeface="+mn-lt"/>
                         </a:rPr>
-                        <a:t>Bryce Williams</a:t>
+                        <a:t>Joseph Barbosa</a:t>
                       </a:r>
                     </a:p>
                   </a:txBody>
-                  <a:tcPr marL="4763" marR="4763" marT="4763" marB="0" anchor="ctr"/>
+                  <a:tcPr marL="4763" marR="4763" marT="4763" marB="0" anchor="b"/>
                 </a:tc>
+                <a:extLst>
+                  <a:ext uri="{0D108BD9-81ED-4DB2-BD59-A6C34878D82A}">
+                    <a16:rowId xmlns:a16="http://schemas.microsoft.com/office/drawing/2014/main" val="3621541328"/>
+                  </a:ext>
+                </a:extLst>
+              </a:tr>
+              <a:tr h="419100">
                 <a:tc>
                   <a:txBody>
                     <a:bodyPr/>
                     <a:lstStyle/>
                     <a:p>
                       <a:pPr algn="ctr" fontAlgn="b"/>
-                      <a:r>
-                        <a:rPr lang="en-US" sz="1400" b="0" i="0" u="none" strike="noStrike" dirty="0" err="1">
-                          <a:solidFill>
-                            <a:srgbClr val="000000"/>
-                          </a:solidFill>
-                          <a:effectLst/>
-                          <a:latin typeface="+mn-lt"/>
-                        </a:rPr>
-                        <a:t>Bishnu</a:t>
-                      </a:r>
-                      <a:r>
-                        <a:rPr lang="en-US" sz="1400" b="0" i="0" u="none" strike="noStrike" dirty="0">
-                          <a:solidFill>
-                            <a:srgbClr val="000000"/>
-                          </a:solidFill>
-                          <a:effectLst/>
-                          <a:latin typeface="+mn-lt"/>
-                        </a:rPr>
-                        <a:t> Agrawal</a:t>
-                      </a:r>
-                    </a:p>
-                  </a:txBody>
-                  <a:tcPr marL="4763" marR="4763" marT="4763" marB="0" anchor="ctr"/>
-                </a:tc>
-                <a:tc>
-                  <a:txBody>
-                    <a:bodyPr/>
-                    <a:lstStyle/>
-                    <a:p>
-                      <a:pPr algn="ctr" fontAlgn="b"/>
-                      <a:r>
-                        <a:rPr lang="en-US" sz="1400" b="0" i="0" u="none" strike="noStrike" dirty="0">
-                          <a:solidFill>
-                            <a:srgbClr val="000000"/>
-                          </a:solidFill>
-                          <a:effectLst/>
-                          <a:latin typeface="+mn-lt"/>
-                        </a:rPr>
-                        <a:t>Emily Holloway</a:t>
-                      </a:r>
-                    </a:p>
-                  </a:txBody>
-                  <a:tcPr marL="4763" marR="4763" marT="4763" marB="0" anchor="ctr"/>
-                </a:tc>
-                <a:tc>
-                  <a:txBody>
-                    <a:bodyPr/>
-                    <a:lstStyle/>
-                    <a:p>
-                      <a:pPr algn="ctr" fontAlgn="b"/>
-                      <a:r>
-                        <a:rPr lang="en-US" sz="1400" b="0" i="0" u="none" strike="noStrike">
-                          <a:solidFill>
-                            <a:srgbClr val="000000"/>
-                          </a:solidFill>
-                          <a:effectLst/>
-                          <a:latin typeface="+mn-lt"/>
-                        </a:rPr>
-                        <a:t>Peter Tassmer</a:t>
-                      </a:r>
-                    </a:p>
-                  </a:txBody>
-                  <a:tcPr marL="4763" marR="4763" marT="4763" marB="0" anchor="ctr"/>
-                </a:tc>
-                <a:tc>
-                  <a:txBody>
-                    <a:bodyPr/>
-                    <a:lstStyle/>
-                    <a:p>
-                      <a:pPr algn="ctr" fontAlgn="b"/>
-                      <a:r>
-                        <a:rPr lang="en-US" sz="1400" b="0" i="0" u="none" strike="noStrike" dirty="0">
-                          <a:solidFill>
-                            <a:srgbClr val="000000"/>
-                          </a:solidFill>
-                          <a:effectLst/>
-                          <a:latin typeface="+mn-lt"/>
-                        </a:rPr>
-                        <a:t>Cameron </a:t>
-                      </a:r>
-                      <a:r>
-                        <a:rPr lang="en-US" sz="1400" b="0" i="0" u="none" strike="noStrike" dirty="0" err="1">
-                          <a:solidFill>
-                            <a:srgbClr val="000000"/>
-                          </a:solidFill>
-                          <a:effectLst/>
-                          <a:latin typeface="+mn-lt"/>
-                        </a:rPr>
-                        <a:t>Kahrs</a:t>
-                      </a:r>
-                      <a:endParaRPr lang="en-US" sz="1400" b="0" i="0" u="none" strike="noStrike" dirty="0">
-                        <a:solidFill>
-                          <a:srgbClr val="000000"/>
-                        </a:solidFill>
-                        <a:effectLst/>
-                        <a:latin typeface="+mn-lt"/>
-                      </a:endParaRPr>
-                    </a:p>
-                  </a:txBody>
-                  <a:tcPr marL="4763" marR="4763" marT="4763" marB="0" anchor="ctr"/>
-                </a:tc>
-                <a:tc>
-                  <a:txBody>
-                    <a:bodyPr/>
-                    <a:lstStyle/>
-                    <a:p>
-                      <a:pPr algn="ctr" fontAlgn="b"/>
-                      <a:r>
-                        <a:rPr lang="en-US" sz="1400" b="0" i="0" u="none" strike="noStrike">
-                          <a:solidFill>
-                            <a:srgbClr val="000000"/>
-                          </a:solidFill>
-                          <a:effectLst/>
-                          <a:latin typeface="+mn-lt"/>
-                        </a:rPr>
-                        <a:t>Jed Wu</a:t>
-                      </a:r>
-                    </a:p>
-                  </a:txBody>
-                  <a:tcPr marL="4763" marR="4763" marT="4763" marB="0" anchor="ctr"/>
-                </a:tc>
-                <a:extLst>
-                  <a:ext uri="{0D108BD9-81ED-4DB2-BD59-A6C34878D82A}">
-                    <a16:rowId xmlns:a16="http://schemas.microsoft.com/office/drawing/2014/main" val="1435243782"/>
-                  </a:ext>
-                </a:extLst>
-              </a:tr>
-              <a:tr h="476250">
-                <a:tc>
-                  <a:txBody>
-                    <a:bodyPr/>
-                    <a:lstStyle/>
-                    <a:p>
-                      <a:pPr algn="ctr" fontAlgn="b"/>
-                      <a:r>
-                        <a:rPr lang="en-US" sz="1400" b="0" i="0" u="none" strike="noStrike" dirty="0">
-                          <a:solidFill>
-                            <a:srgbClr val="000000"/>
-                          </a:solidFill>
-                          <a:effectLst/>
-                          <a:latin typeface="+mn-lt"/>
-                        </a:rPr>
-                        <a:t>David </a:t>
-                      </a:r>
-                      <a:r>
-                        <a:rPr lang="en-US" sz="1400" b="0" i="0" u="none" strike="noStrike" dirty="0" err="1">
-                          <a:solidFill>
-                            <a:srgbClr val="000000"/>
-                          </a:solidFill>
-                          <a:effectLst/>
-                          <a:latin typeface="+mn-lt"/>
-                        </a:rPr>
-                        <a:t>Azofeifa</a:t>
-                      </a:r>
                       <a:endParaRPr lang="en-US" sz="1400" b="0" i="0" u="none" strike="noStrike" dirty="0">
                         <a:solidFill>
                           <a:srgbClr val="000000"/>
@@ -14107,13 +14451,33 @@
                             <a:srgbClr val="000000"/>
                           </a:solidFill>
                           <a:effectLst/>
-                          <a:latin typeface="+mn-lt"/>
+                          <a:latin typeface="Candara" panose="020E0502030303020204" pitchFamily="34" charset="0"/>
                         </a:rPr>
-                        <a:t>Diana Betancourt</a:t>
+                        <a:t>Nicola Farquharson</a:t>
                       </a:r>
                     </a:p>
                   </a:txBody>
-                  <a:tcPr marL="4763" marR="4763" marT="4763" marB="0" anchor="ctr"/>
+                  <a:tcPr marL="4763" marR="4763" marT="4763" marB="0" anchor="b"/>
+                </a:tc>
+                <a:tc>
+                  <a:txBody>
+                    <a:bodyPr/>
+                    <a:lstStyle/>
+                    <a:p>
+                      <a:pPr algn="ctr" fontAlgn="b"/>
+                      <a:r>
+                        <a:rPr lang="en-US" sz="1400" b="0" i="0" u="none" strike="noStrike">
+                          <a:solidFill>
+                            <a:srgbClr val="000000"/>
+                          </a:solidFill>
+                          <a:effectLst/>
+                          <a:latin typeface="Candara" panose="020E0502030303020204" pitchFamily="34" charset="0"/>
+                        </a:rPr>
+                        <a:t>Saswata Sengupta</a:t>
+                      </a:r>
+                    </a:p>
+                  </a:txBody>
+                  <a:tcPr marL="4763" marR="4763" marT="4763" marB="0" anchor="b"/>
                 </a:tc>
                 <a:tc>
                   <a:txBody>
@@ -14127,150 +14491,13 @@
                             <a:srgbClr val="000000"/>
                           </a:solidFill>
                           <a:effectLst/>
-                          <a:latin typeface="+mn-lt"/>
+                          <a:latin typeface="Candara" panose="020E0502030303020204" pitchFamily="34" charset="0"/>
                         </a:rPr>
-                        <a:t>Melody Yin</a:t>
+                        <a:t>William Brown</a:t>
                       </a:r>
                     </a:p>
                   </a:txBody>
-                  <a:tcPr marL="4763" marR="4763" marT="4763" marB="0" anchor="ctr"/>
-                </a:tc>
-                <a:tc>
-                  <a:txBody>
-                    <a:bodyPr/>
-                    <a:lstStyle/>
-                    <a:p>
-                      <a:pPr algn="ctr" fontAlgn="b"/>
-                      <a:r>
-                        <a:rPr lang="en-US" sz="1400" b="0" i="0" u="none" strike="noStrike">
-                          <a:solidFill>
-                            <a:srgbClr val="000000"/>
-                          </a:solidFill>
-                          <a:effectLst/>
-                          <a:latin typeface="+mn-lt"/>
-                        </a:rPr>
-                        <a:t>Ricardo Marques</a:t>
-                      </a:r>
-                    </a:p>
-                  </a:txBody>
-                  <a:tcPr marL="4763" marR="4763" marT="4763" marB="0" anchor="ctr"/>
-                </a:tc>
-                <a:tc>
-                  <a:txBody>
-                    <a:bodyPr/>
-                    <a:lstStyle/>
-                    <a:p>
-                      <a:pPr algn="ctr" fontAlgn="b"/>
-                      <a:r>
-                        <a:rPr lang="en-US" sz="1400" b="0" i="0" u="none" strike="noStrike">
-                          <a:solidFill>
-                            <a:srgbClr val="000000"/>
-                          </a:solidFill>
-                          <a:effectLst/>
-                          <a:latin typeface="+mn-lt"/>
-                        </a:rPr>
-                        <a:t>Chris Donlan</a:t>
-                      </a:r>
-                    </a:p>
-                  </a:txBody>
-                  <a:tcPr marL="4763" marR="4763" marT="4763" marB="0" anchor="ctr"/>
-                </a:tc>
-                <a:tc>
-                  <a:txBody>
-                    <a:bodyPr/>
-                    <a:lstStyle/>
-                    <a:p>
-                      <a:pPr algn="ctr" fontAlgn="b"/>
-                      <a:r>
-                        <a:rPr lang="en-US" sz="1400" b="0" i="0" u="none" strike="noStrike">
-                          <a:solidFill>
-                            <a:srgbClr val="000000"/>
-                          </a:solidFill>
-                          <a:effectLst/>
-                          <a:latin typeface="+mn-lt"/>
-                        </a:rPr>
-                        <a:t>Joseph Barbosa</a:t>
-                      </a:r>
-                    </a:p>
-                  </a:txBody>
-                  <a:tcPr marL="4763" marR="4763" marT="4763" marB="0" anchor="ctr"/>
-                </a:tc>
-                <a:extLst>
-                  <a:ext uri="{0D108BD9-81ED-4DB2-BD59-A6C34878D82A}">
-                    <a16:rowId xmlns:a16="http://schemas.microsoft.com/office/drawing/2014/main" val="3744920763"/>
-                  </a:ext>
-                </a:extLst>
-              </a:tr>
-              <a:tr h="476250">
-                <a:tc>
-                  <a:txBody>
-                    <a:bodyPr/>
-                    <a:lstStyle/>
-                    <a:p>
-                      <a:pPr algn="ctr" fontAlgn="b"/>
-                      <a:r>
-                        <a:rPr lang="en-US" sz="1400" b="0" i="0" u="none" strike="noStrike" dirty="0" err="1">
-                          <a:solidFill>
-                            <a:srgbClr val="000000"/>
-                          </a:solidFill>
-                          <a:effectLst/>
-                          <a:latin typeface="+mn-lt"/>
-                        </a:rPr>
-                        <a:t>Juichia</a:t>
-                      </a:r>
-                      <a:r>
-                        <a:rPr lang="en-US" sz="1400" b="0" i="0" u="none" strike="noStrike" dirty="0">
-                          <a:solidFill>
-                            <a:srgbClr val="000000"/>
-                          </a:solidFill>
-                          <a:effectLst/>
-                          <a:latin typeface="+mn-lt"/>
-                        </a:rPr>
-                        <a:t> Che</a:t>
-                      </a:r>
-                    </a:p>
-                  </a:txBody>
-                  <a:tcPr marL="4763" marR="4763" marT="4763" marB="0" anchor="ctr"/>
-                </a:tc>
-                <a:tc>
-                  <a:txBody>
-                    <a:bodyPr/>
-                    <a:lstStyle/>
-                    <a:p>
-                      <a:pPr algn="ctr" fontAlgn="b"/>
-                      <a:r>
-                        <a:rPr lang="en-US" sz="1400" b="0" i="0" u="none" strike="noStrike">
-                          <a:solidFill>
-                            <a:srgbClr val="000000"/>
-                          </a:solidFill>
-                          <a:effectLst/>
-                          <a:latin typeface="+mn-lt"/>
-                        </a:rPr>
-                        <a:t>Ivan Portilla</a:t>
-                      </a:r>
-                    </a:p>
-                  </a:txBody>
-                  <a:tcPr marL="4763" marR="4763" marT="4763" marB="0" anchor="ctr"/>
-                </a:tc>
-                <a:tc>
-                  <a:txBody>
-                    <a:bodyPr/>
-                    <a:lstStyle/>
-                    <a:p>
-                      <a:pPr algn="ctr" fontAlgn="b"/>
-                      <a:r>
-                        <a:rPr lang="en-US" sz="1400" b="0" i="0" u="none" strike="noStrike">
-                          <a:solidFill>
-                            <a:srgbClr val="000000"/>
-                          </a:solidFill>
-                          <a:effectLst/>
-                          <a:latin typeface="+mn-lt"/>
-                        </a:rPr>
-                        <a:t>Mike Rhoads</a:t>
-                      </a:r>
-                    </a:p>
-                  </a:txBody>
-                  <a:tcPr marL="4763" marR="4763" marT="4763" marB="0" anchor="ctr"/>
+                  <a:tcPr marL="4763" marR="4763" marT="4763" marB="0" anchor="b"/>
                 </a:tc>
                 <a:tc>
                   <a:txBody>
@@ -14284,59 +14511,22 @@
                             <a:srgbClr val="000000"/>
                           </a:solidFill>
                           <a:effectLst/>
-                          <a:latin typeface="+mn-lt"/>
+                          <a:latin typeface="Candara" panose="020E0502030303020204" pitchFamily="34" charset="0"/>
                         </a:rPr>
-                        <a:t>Sam </a:t>
+                        <a:t>Sarah Granade</a:t>
                       </a:r>
-                      <a:r>
-                        <a:rPr lang="en-US" sz="1400" b="0" i="0" u="none" strike="noStrike" dirty="0" err="1">
-                          <a:solidFill>
-                            <a:srgbClr val="000000"/>
-                          </a:solidFill>
-                          <a:effectLst/>
-                          <a:latin typeface="+mn-lt"/>
-                        </a:rPr>
-                        <a:t>Istephan</a:t>
-                      </a:r>
-                      <a:endParaRPr lang="en-US" sz="1400" b="0" i="0" u="none" strike="noStrike" dirty="0">
-                        <a:solidFill>
-                          <a:srgbClr val="000000"/>
-                        </a:solidFill>
-                        <a:effectLst/>
-                        <a:latin typeface="+mn-lt"/>
-                      </a:endParaRPr>
                     </a:p>
                   </a:txBody>
-                  <a:tcPr marL="4763" marR="4763" marT="4763" marB="0" anchor="ctr"/>
+                  <a:tcPr marL="4763" marR="4763" marT="4763" marB="0" anchor="b"/>
                 </a:tc>
                 <a:tc>
                   <a:txBody>
                     <a:bodyPr/>
                     <a:lstStyle/>
                     <a:p>
-                      <a:pPr algn="ctr" fontAlgn="b"/>
+                      <a:pPr algn="l" fontAlgn="b"/>
                       <a:r>
-                        <a:rPr lang="en-US" sz="1400" b="0" i="0" u="none" strike="noStrike">
-                          <a:solidFill>
-                            <a:srgbClr val="000000"/>
-                          </a:solidFill>
-                          <a:effectLst/>
-                          <a:latin typeface="+mn-lt"/>
-                        </a:rPr>
-                        <a:t>Kevin Bullen</a:t>
-                      </a:r>
-                    </a:p>
-                  </a:txBody>
-                  <a:tcPr marL="4763" marR="4763" marT="4763" marB="0" anchor="ctr"/>
-                </a:tc>
-                <a:tc>
-                  <a:txBody>
-                    <a:bodyPr/>
-                    <a:lstStyle/>
-                    <a:p>
-                      <a:pPr algn="ctr" fontAlgn="b"/>
-                      <a:r>
-                        <a:rPr lang="en-US" sz="1400" b="0" i="0" u="none" strike="noStrike">
+                        <a:rPr lang="en-US" sz="1400" b="0" i="0" u="none" strike="noStrike" dirty="0">
                           <a:solidFill>
                             <a:srgbClr val="000000"/>
                           </a:solidFill>
@@ -14347,346 +14537,7 @@
                       </a:r>
                     </a:p>
                   </a:txBody>
-                  <a:tcPr marL="4763" marR="4763" marT="4763" marB="0" anchor="ctr"/>
-                </a:tc>
-                <a:extLst>
-                  <a:ext uri="{0D108BD9-81ED-4DB2-BD59-A6C34878D82A}">
-                    <a16:rowId xmlns:a16="http://schemas.microsoft.com/office/drawing/2014/main" val="3229916096"/>
-                  </a:ext>
-                </a:extLst>
-              </a:tr>
-              <a:tr h="476250">
-                <a:tc>
-                  <a:txBody>
-                    <a:bodyPr/>
-                    <a:lstStyle/>
-                    <a:p>
-                      <a:pPr algn="ctr" fontAlgn="b"/>
-                      <a:r>
-                        <a:rPr lang="en-US" sz="1400" b="0" i="0" u="none" strike="noStrike" dirty="0">
-                          <a:solidFill>
-                            <a:srgbClr val="000000"/>
-                          </a:solidFill>
-                          <a:effectLst/>
-                          <a:latin typeface="+mn-lt"/>
-                        </a:rPr>
-                        <a:t>Kevin </a:t>
-                      </a:r>
-                      <a:r>
-                        <a:rPr lang="en-US" sz="1400" b="0" i="0" u="none" strike="noStrike" dirty="0" err="1">
-                          <a:solidFill>
-                            <a:srgbClr val="000000"/>
-                          </a:solidFill>
-                          <a:effectLst/>
-                          <a:latin typeface="+mn-lt"/>
-                        </a:rPr>
-                        <a:t>Orbaker</a:t>
-                      </a:r>
-                      <a:endParaRPr lang="en-US" sz="1400" b="0" i="0" u="none" strike="noStrike" dirty="0">
-                        <a:solidFill>
-                          <a:srgbClr val="000000"/>
-                        </a:solidFill>
-                        <a:effectLst/>
-                        <a:latin typeface="+mn-lt"/>
-                      </a:endParaRPr>
-                    </a:p>
-                  </a:txBody>
-                  <a:tcPr marL="4763" marR="4763" marT="4763" marB="0" anchor="ctr"/>
-                </a:tc>
-                <a:tc>
-                  <a:txBody>
-                    <a:bodyPr/>
-                    <a:lstStyle/>
-                    <a:p>
-                      <a:pPr algn="ctr" fontAlgn="b"/>
-                      <a:r>
-                        <a:rPr lang="en-US" sz="1400" b="0" i="0" u="none" strike="noStrike" dirty="0">
-                          <a:solidFill>
-                            <a:srgbClr val="000000"/>
-                          </a:solidFill>
-                          <a:effectLst/>
-                          <a:latin typeface="+mn-lt"/>
-                        </a:rPr>
-                        <a:t>Ram </a:t>
-                      </a:r>
-                      <a:r>
-                        <a:rPr lang="en-US" sz="1400" b="0" i="0" u="none" strike="noStrike" dirty="0" err="1">
-                          <a:solidFill>
-                            <a:srgbClr val="000000"/>
-                          </a:solidFill>
-                          <a:effectLst/>
-                          <a:latin typeface="+mn-lt"/>
-                        </a:rPr>
-                        <a:t>Madhurakavi</a:t>
-                      </a:r>
-                      <a:endParaRPr lang="en-US" sz="1400" b="0" i="0" u="none" strike="noStrike" dirty="0">
-                        <a:solidFill>
-                          <a:srgbClr val="000000"/>
-                        </a:solidFill>
-                        <a:effectLst/>
-                        <a:latin typeface="+mn-lt"/>
-                      </a:endParaRPr>
-                    </a:p>
-                  </a:txBody>
-                  <a:tcPr marL="4763" marR="4763" marT="4763" marB="0" anchor="ctr"/>
-                </a:tc>
-                <a:tc>
-                  <a:txBody>
-                    <a:bodyPr/>
-                    <a:lstStyle/>
-                    <a:p>
-                      <a:pPr algn="ctr" fontAlgn="b"/>
-                      <a:r>
-                        <a:rPr lang="en-US" sz="1400" b="0" i="0" u="none" strike="noStrike">
-                          <a:solidFill>
-                            <a:srgbClr val="000000"/>
-                          </a:solidFill>
-                          <a:effectLst/>
-                          <a:latin typeface="+mn-lt"/>
-                        </a:rPr>
-                        <a:t>Rodney Elmore</a:t>
-                      </a:r>
-                    </a:p>
-                  </a:txBody>
-                  <a:tcPr marL="4763" marR="4763" marT="4763" marB="0" anchor="ctr"/>
-                </a:tc>
-                <a:tc>
-                  <a:txBody>
-                    <a:bodyPr/>
-                    <a:lstStyle/>
-                    <a:p>
-                      <a:pPr algn="ctr" fontAlgn="b"/>
-                      <a:r>
-                        <a:rPr lang="en-US" sz="1400" b="0" i="0" u="none" strike="noStrike" dirty="0">
-                          <a:solidFill>
-                            <a:srgbClr val="000000"/>
-                          </a:solidFill>
-                          <a:effectLst/>
-                          <a:latin typeface="+mn-lt"/>
-                        </a:rPr>
-                        <a:t>Tyler Chessman</a:t>
-                      </a:r>
-                    </a:p>
-                  </a:txBody>
-                  <a:tcPr marL="4763" marR="4763" marT="4763" marB="0" anchor="ctr"/>
-                </a:tc>
-                <a:tc>
-                  <a:txBody>
-                    <a:bodyPr/>
-                    <a:lstStyle/>
-                    <a:p>
-                      <a:pPr algn="ctr" fontAlgn="b"/>
-                      <a:r>
-                        <a:rPr lang="en-US" sz="1400" b="0" i="0" u="none" strike="noStrike" dirty="0">
-                          <a:solidFill>
-                            <a:srgbClr val="000000"/>
-                          </a:solidFill>
-                          <a:effectLst/>
-                          <a:latin typeface="+mn-lt"/>
-                        </a:rPr>
-                        <a:t>Marcelo </a:t>
-                      </a:r>
-                      <a:r>
-                        <a:rPr lang="en-US" sz="1400" b="0" i="0" u="none" strike="noStrike" dirty="0" err="1">
-                          <a:solidFill>
-                            <a:srgbClr val="000000"/>
-                          </a:solidFill>
-                          <a:effectLst/>
-                          <a:latin typeface="+mn-lt"/>
-                        </a:rPr>
-                        <a:t>Zambrana</a:t>
-                      </a:r>
-                      <a:endParaRPr lang="en-US" sz="1400" b="0" i="0" u="none" strike="noStrike" dirty="0">
-                        <a:solidFill>
-                          <a:srgbClr val="000000"/>
-                        </a:solidFill>
-                        <a:effectLst/>
-                        <a:latin typeface="+mn-lt"/>
-                      </a:endParaRPr>
-                    </a:p>
-                  </a:txBody>
-                  <a:tcPr marL="4763" marR="4763" marT="4763" marB="0" anchor="ctr"/>
-                </a:tc>
-                <a:tc>
-                  <a:txBody>
-                    <a:bodyPr/>
-                    <a:lstStyle/>
-                    <a:p>
-                      <a:pPr algn="ctr" fontAlgn="b"/>
-                      <a:r>
-                        <a:rPr lang="en-US" sz="1400" b="0" i="0" u="none" strike="noStrike">
-                          <a:solidFill>
-                            <a:srgbClr val="000000"/>
-                          </a:solidFill>
-                          <a:effectLst/>
-                          <a:latin typeface="+mn-lt"/>
-                        </a:rPr>
-                        <a:t>Pardeep Singla</a:t>
-                      </a:r>
-                    </a:p>
-                  </a:txBody>
-                  <a:tcPr marL="4763" marR="4763" marT="4763" marB="0" anchor="ctr"/>
-                </a:tc>
-                <a:extLst>
-                  <a:ext uri="{0D108BD9-81ED-4DB2-BD59-A6C34878D82A}">
-                    <a16:rowId xmlns:a16="http://schemas.microsoft.com/office/drawing/2014/main" val="3621541328"/>
-                  </a:ext>
-                </a:extLst>
-              </a:tr>
-              <a:tr h="476250">
-                <a:tc>
-                  <a:txBody>
-                    <a:bodyPr/>
-                    <a:lstStyle/>
-                    <a:p>
-                      <a:pPr algn="ctr" fontAlgn="b"/>
-                      <a:r>
-                        <a:rPr lang="en-US" sz="1400" b="0" i="0" u="none" strike="noStrike" dirty="0">
-                          <a:solidFill>
-                            <a:srgbClr val="000000"/>
-                          </a:solidFill>
-                          <a:effectLst/>
-                          <a:latin typeface="+mn-lt"/>
-                        </a:rPr>
-                        <a:t>Sue </a:t>
-                      </a:r>
-                      <a:r>
-                        <a:rPr lang="en-US" sz="1400" b="0" i="0" u="none" strike="noStrike" dirty="0" err="1">
-                          <a:solidFill>
-                            <a:srgbClr val="000000"/>
-                          </a:solidFill>
-                          <a:effectLst/>
-                          <a:latin typeface="+mn-lt"/>
-                        </a:rPr>
-                        <a:t>Tholen</a:t>
-                      </a:r>
-                      <a:endParaRPr lang="en-US" sz="1400" b="0" i="0" u="none" strike="noStrike" dirty="0">
-                        <a:solidFill>
-                          <a:srgbClr val="000000"/>
-                        </a:solidFill>
-                        <a:effectLst/>
-                        <a:latin typeface="+mn-lt"/>
-                      </a:endParaRPr>
-                    </a:p>
-                  </a:txBody>
-                  <a:tcPr marL="4763" marR="4763" marT="4763" marB="0" anchor="ctr"/>
-                </a:tc>
-                <a:tc>
-                  <a:txBody>
-                    <a:bodyPr/>
-                    <a:lstStyle/>
-                    <a:p>
-                      <a:pPr algn="ctr" fontAlgn="b"/>
-                      <a:r>
-                        <a:rPr lang="en-US" sz="1400" b="0" i="0" u="none" strike="noStrike" dirty="0">
-                          <a:solidFill>
-                            <a:srgbClr val="000000"/>
-                          </a:solidFill>
-                          <a:effectLst/>
-                          <a:latin typeface="+mn-lt"/>
-                        </a:rPr>
-                        <a:t>Shankar Raman</a:t>
-                      </a:r>
-                    </a:p>
-                  </a:txBody>
-                  <a:tcPr marL="4763" marR="4763" marT="4763" marB="0" anchor="ctr"/>
-                </a:tc>
-                <a:tc>
-                  <a:txBody>
-                    <a:bodyPr/>
-                    <a:lstStyle/>
-                    <a:p>
-                      <a:pPr algn="ctr" fontAlgn="b"/>
-                      <a:r>
-                        <a:rPr lang="en-US" sz="1400" b="0" i="0" u="none" strike="noStrike">
-                          <a:solidFill>
-                            <a:srgbClr val="000000"/>
-                          </a:solidFill>
-                          <a:effectLst/>
-                          <a:latin typeface="+mn-lt"/>
-                        </a:rPr>
-                        <a:t>Saswata Sengupta</a:t>
-                      </a:r>
-                    </a:p>
-                  </a:txBody>
-                  <a:tcPr marL="4763" marR="4763" marT="4763" marB="0" anchor="ctr"/>
-                </a:tc>
-                <a:tc>
-                  <a:txBody>
-                    <a:bodyPr/>
-                    <a:lstStyle/>
-                    <a:p>
-                      <a:pPr algn="ctr" fontAlgn="b"/>
-                      <a:r>
-                        <a:rPr lang="en-US" sz="1400" b="0" i="0" u="none" strike="noStrike" dirty="0">
-                          <a:solidFill>
-                            <a:srgbClr val="000000"/>
-                          </a:solidFill>
-                          <a:effectLst/>
-                          <a:latin typeface="+mn-lt"/>
-                        </a:rPr>
-                        <a:t>William Brown</a:t>
-                      </a:r>
-                    </a:p>
-                  </a:txBody>
-                  <a:tcPr marL="4763" marR="4763" marT="4763" marB="0" anchor="ctr"/>
-                </a:tc>
-                <a:tc>
-                  <a:txBody>
-                    <a:bodyPr/>
-                    <a:lstStyle/>
-                    <a:p>
-                      <a:pPr algn="ctr" fontAlgn="b"/>
-                      <a:r>
-                        <a:rPr lang="en-US" sz="1400" b="0" i="0" u="none" strike="noStrike" dirty="0">
-                          <a:solidFill>
-                            <a:srgbClr val="000000"/>
-                          </a:solidFill>
-                          <a:effectLst/>
-                          <a:latin typeface="+mn-lt"/>
-                        </a:rPr>
-                        <a:t>Sarah </a:t>
-                      </a:r>
-                      <a:r>
-                        <a:rPr lang="en-US" sz="1400" b="0" i="0" u="none" strike="noStrike" dirty="0" err="1">
-                          <a:solidFill>
-                            <a:srgbClr val="000000"/>
-                          </a:solidFill>
-                          <a:effectLst/>
-                          <a:latin typeface="+mn-lt"/>
-                        </a:rPr>
-                        <a:t>Granade</a:t>
-                      </a:r>
-                      <a:endParaRPr lang="en-US" sz="1400" b="0" i="0" u="none" strike="noStrike" dirty="0">
-                        <a:solidFill>
-                          <a:srgbClr val="000000"/>
-                        </a:solidFill>
-                        <a:effectLst/>
-                        <a:latin typeface="+mn-lt"/>
-                      </a:endParaRPr>
-                    </a:p>
-                  </a:txBody>
-                  <a:tcPr marL="4763" marR="4763" marT="4763" marB="0" anchor="ctr"/>
-                </a:tc>
-                <a:tc>
-                  <a:txBody>
-                    <a:bodyPr/>
-                    <a:lstStyle/>
-                    <a:p>
-                      <a:pPr algn="ctr" fontAlgn="b"/>
-                      <a:r>
-                        <a:rPr lang="en-US" sz="1400" b="0" i="0" u="none" strike="noStrike" dirty="0">
-                          <a:solidFill>
-                            <a:srgbClr val="000000"/>
-                          </a:solidFill>
-                          <a:effectLst/>
-                          <a:latin typeface="+mn-lt"/>
-                        </a:rPr>
-                        <a:t>Rachel Liu</a:t>
-                      </a:r>
-                    </a:p>
-                  </a:txBody>
-                  <a:tcPr marL="4763" marR="4763" marT="4763" marB="0" anchor="ctr"/>
+                  <a:tcPr marL="4763" marR="4763" marT="4763" marB="0" anchor="b"/>
                 </a:tc>
                 <a:extLst>
                   <a:ext uri="{0D108BD9-81ED-4DB2-BD59-A6C34878D82A}">
@@ -14694,7 +14545,7 @@
                   </a:ext>
                 </a:extLst>
               </a:tr>
-              <a:tr h="476250">
+              <a:tr h="419100">
                 <a:tc>
                   <a:txBody>
                     <a:bodyPr/>
@@ -14741,13 +14592,13 @@
                             <a:srgbClr val="000000"/>
                           </a:solidFill>
                           <a:effectLst/>
-                          <a:latin typeface="+mn-lt"/>
+                          <a:latin typeface="Candara" panose="020E0502030303020204" pitchFamily="34" charset="0"/>
                         </a:rPr>
                         <a:t>Shikha Agrawal</a:t>
                       </a:r>
                     </a:p>
                   </a:txBody>
-                  <a:tcPr marL="4763" marR="4763" marT="4763" marB="0" anchor="ctr"/>
+                  <a:tcPr marL="4763" marR="4763" marT="4763" marB="0" anchor="b"/>
                 </a:tc>
                 <a:tc>
                   <a:txBody>
@@ -14780,6 +14631,84 @@
                     <a:bodyPr/>
                     <a:lstStyle/>
                     <a:p>
+                      <a:pPr algn="l" fontAlgn="b"/>
+                      <a:r>
+                        <a:rPr lang="en-US" sz="1400" b="0" i="0" u="none" strike="noStrike" dirty="0">
+                          <a:solidFill>
+                            <a:srgbClr val="000000"/>
+                          </a:solidFill>
+                          <a:effectLst/>
+                          <a:latin typeface="+mn-lt"/>
+                        </a:rPr>
+                        <a:t>Pardeep Singla</a:t>
+                      </a:r>
+                    </a:p>
+                  </a:txBody>
+                  <a:tcPr marL="4763" marR="4763" marT="4763" marB="0" anchor="b"/>
+                </a:tc>
+                <a:extLst>
+                  <a:ext uri="{0D108BD9-81ED-4DB2-BD59-A6C34878D82A}">
+                    <a16:rowId xmlns:a16="http://schemas.microsoft.com/office/drawing/2014/main" val="890411462"/>
+                  </a:ext>
+                </a:extLst>
+              </a:tr>
+              <a:tr h="419100">
+                <a:tc>
+                  <a:txBody>
+                    <a:bodyPr/>
+                    <a:lstStyle/>
+                    <a:p>
+                      <a:pPr algn="ctr" fontAlgn="b"/>
+                      <a:endParaRPr lang="en-US" sz="1400" b="0" i="0" u="none" strike="noStrike" dirty="0">
+                        <a:solidFill>
+                          <a:srgbClr val="000000"/>
+                        </a:solidFill>
+                        <a:effectLst/>
+                        <a:latin typeface="+mn-lt"/>
+                      </a:endParaRPr>
+                    </a:p>
+                  </a:txBody>
+                  <a:tcPr marL="4763" marR="4763" marT="4763" marB="0" anchor="ctr"/>
+                </a:tc>
+                <a:tc>
+                  <a:txBody>
+                    <a:bodyPr/>
+                    <a:lstStyle/>
+                    <a:p>
+                      <a:pPr algn="ctr" fontAlgn="b"/>
+                      <a:endParaRPr lang="en-US" sz="1400" b="0" i="0" u="none" strike="noStrike" dirty="0">
+                        <a:solidFill>
+                          <a:srgbClr val="000000"/>
+                        </a:solidFill>
+                        <a:effectLst/>
+                        <a:latin typeface="+mn-lt"/>
+                      </a:endParaRPr>
+                    </a:p>
+                  </a:txBody>
+                  <a:tcPr marL="4763" marR="4763" marT="4763" marB="0" anchor="ctr"/>
+                </a:tc>
+                <a:tc>
+                  <a:txBody>
+                    <a:bodyPr/>
+                    <a:lstStyle/>
+                    <a:p>
+                      <a:pPr algn="ctr" fontAlgn="b"/>
+                      <a:endParaRPr lang="en-US" sz="1400" b="0" i="0" u="none" strike="noStrike" dirty="0">
+                        <a:solidFill>
+                          <a:srgbClr val="000000"/>
+                        </a:solidFill>
+                        <a:effectLst/>
+                        <a:latin typeface="Candara" panose="020E0502030303020204" pitchFamily="34" charset="0"/>
+                      </a:endParaRPr>
+                    </a:p>
+                  </a:txBody>
+                  <a:tcPr marL="4763" marR="4763" marT="4763" marB="0" anchor="b"/>
+                </a:tc>
+                <a:tc>
+                  <a:txBody>
+                    <a:bodyPr/>
+                    <a:lstStyle/>
+                    <a:p>
                       <a:pPr algn="ctr"/>
                       <a:endParaRPr lang="en-US" sz="1400" dirty="0">
                         <a:latin typeface="+mn-lt"/>
@@ -14788,9 +14717,42 @@
                   </a:txBody>
                   <a:tcPr anchor="ctr"/>
                 </a:tc>
+                <a:tc>
+                  <a:txBody>
+                    <a:bodyPr/>
+                    <a:lstStyle/>
+                    <a:p>
+                      <a:pPr algn="ctr"/>
+                      <a:endParaRPr lang="en-US" sz="1400" dirty="0">
+                        <a:latin typeface="+mn-lt"/>
+                      </a:endParaRPr>
+                    </a:p>
+                  </a:txBody>
+                  <a:tcPr anchor="ctr"/>
+                </a:tc>
+                <a:tc>
+                  <a:txBody>
+                    <a:bodyPr/>
+                    <a:lstStyle/>
+                    <a:p>
+                      <a:pPr algn="l" fontAlgn="b"/>
+                      <a:r>
+                        <a:rPr lang="en-US" sz="1400" b="0" i="0" u="none" strike="noStrike" dirty="0">
+                          <a:solidFill>
+                            <a:srgbClr val="000000"/>
+                          </a:solidFill>
+                          <a:effectLst/>
+                          <a:latin typeface="+mn-lt"/>
+                        </a:rPr>
+                        <a:t>Rachel Liu</a:t>
+                      </a:r>
+                    </a:p>
+                  </a:txBody>
+                  <a:tcPr marL="4763" marR="4763" marT="4763" marB="0" anchor="b"/>
+                </a:tc>
                 <a:extLst>
                   <a:ext uri="{0D108BD9-81ED-4DB2-BD59-A6C34878D82A}">
-                    <a16:rowId xmlns:a16="http://schemas.microsoft.com/office/drawing/2014/main" val="890411462"/>
+                    <a16:rowId xmlns:a16="http://schemas.microsoft.com/office/drawing/2014/main" val="3470502312"/>
                   </a:ext>
                 </a:extLst>
               </a:tr>

--- a/xxx-SynapseAndDatabricks/Coach/Bronze-Silver-Gold.pptx
+++ b/xxx-SynapseAndDatabricks/Coach/Bronze-Silver-Gold.pptx
@@ -5,10 +5,10 @@
     <p:sldMasterId id="2147483648" r:id="rId1"/>
   </p:sldMasterIdLst>
   <p:notesMasterIdLst>
-    <p:notesMasterId r:id="rId32"/>
+    <p:notesMasterId r:id="rId33"/>
   </p:notesMasterIdLst>
   <p:handoutMasterIdLst>
-    <p:handoutMasterId r:id="rId33"/>
+    <p:handoutMasterId r:id="rId34"/>
   </p:handoutMasterIdLst>
   <p:sldIdLst>
     <p:sldId id="256" r:id="rId2"/>
@@ -37,10 +37,11 @@
     <p:sldId id="276" r:id="rId25"/>
     <p:sldId id="3642" r:id="rId26"/>
     <p:sldId id="3643" r:id="rId27"/>
-    <p:sldId id="3644" r:id="rId28"/>
-    <p:sldId id="3645" r:id="rId29"/>
-    <p:sldId id="278" r:id="rId30"/>
-    <p:sldId id="3646" r:id="rId31"/>
+    <p:sldId id="3647" r:id="rId28"/>
+    <p:sldId id="3644" r:id="rId29"/>
+    <p:sldId id="3645" r:id="rId30"/>
+    <p:sldId id="278" r:id="rId31"/>
+    <p:sldId id="3646" r:id="rId32"/>
   </p:sldIdLst>
   <p:sldSz cx="12192000" cy="6858000"/>
   <p:notesSz cx="6858000" cy="9144000"/>
@@ -243,7 +244,7 @@
           <a:p>
             <a:fld id="{762B48F5-BACC-47D6-A0F7-82FBF9C6BC85}" type="datetimeFigureOut">
               <a:rPr lang="en-US"/>
-              <a:t>12/8/2022</a:t>
+              <a:t>12/9/2022</a:t>
             </a:fld>
             <a:endParaRPr/>
           </a:p>
@@ -408,7 +409,7 @@
           <a:p>
             <a:fld id="{0CB1CD00-5424-4675-AB18-2C419B060449}" type="datetimeFigureOut">
               <a:rPr lang="en-US"/>
-              <a:t>12/8/2022</a:t>
+              <a:t>12/9/2022</a:t>
             </a:fld>
             <a:endParaRPr/>
           </a:p>
@@ -2830,7 +2831,7 @@
           <a:p>
             <a:fld id="{37CC0096-1860-4642-9CD2-0079EA5E7CD1}" type="datetimeFigureOut">
               <a:rPr lang="en-US" smtClean="0"/>
-              <a:t>12/8/2022</a:t>
+              <a:t>12/9/2022</a:t>
             </a:fld>
             <a:endParaRPr lang="en-US"/>
           </a:p>
@@ -3009,7 +3010,7 @@
           <a:p>
             <a:fld id="{37CC0096-1860-4642-9CD2-0079EA5E7CD1}" type="datetimeFigureOut">
               <a:rPr lang="en-US" smtClean="0"/>
-              <a:t>12/8/2022</a:t>
+              <a:t>12/9/2022</a:t>
             </a:fld>
             <a:endParaRPr lang="en-US"/>
           </a:p>
@@ -3966,7 +3967,7 @@
           <a:p>
             <a:fld id="{37CC0096-1860-4642-9CD2-0079EA5E7CD1}" type="datetimeFigureOut">
               <a:rPr lang="en-US" smtClean="0"/>
-              <a:t>12/8/2022</a:t>
+              <a:t>12/9/2022</a:t>
             </a:fld>
             <a:endParaRPr lang="en-US"/>
           </a:p>
@@ -4399,7 +4400,7 @@
           <a:p>
             <a:fld id="{37CC0096-1860-4642-9CD2-0079EA5E7CD1}" type="datetimeFigureOut">
               <a:rPr lang="en-US" smtClean="0"/>
-              <a:t>12/8/2022</a:t>
+              <a:t>12/9/2022</a:t>
             </a:fld>
             <a:endParaRPr lang="en-US"/>
           </a:p>
@@ -4838,7 +4839,7 @@
           <a:p>
             <a:fld id="{37CC0096-1860-4642-9CD2-0079EA5E7CD1}" type="datetimeFigureOut">
               <a:rPr lang="en-US" smtClean="0"/>
-              <a:t>12/8/2022</a:t>
+              <a:t>12/9/2022</a:t>
             </a:fld>
             <a:endParaRPr lang="en-US"/>
           </a:p>
@@ -4955,7 +4956,7 @@
           <a:p>
             <a:fld id="{37CC0096-1860-4642-9CD2-0079EA5E7CD1}" type="datetimeFigureOut">
               <a:rPr lang="en-US" smtClean="0"/>
-              <a:t>12/8/2022</a:t>
+              <a:t>12/9/2022</a:t>
             </a:fld>
             <a:endParaRPr lang="en-US"/>
           </a:p>
@@ -5050,7 +5051,7 @@
           <a:p>
             <a:fld id="{37CC0096-1860-4642-9CD2-0079EA5E7CD1}" type="datetimeFigureOut">
               <a:rPr lang="en-US" smtClean="0"/>
-              <a:t>12/8/2022</a:t>
+              <a:t>12/9/2022</a:t>
             </a:fld>
             <a:endParaRPr lang="en-US"/>
           </a:p>
@@ -5334,7 +5335,7 @@
           <a:p>
             <a:fld id="{37CC0096-1860-4642-9CD2-0079EA5E7CD1}" type="datetimeFigureOut">
               <a:rPr lang="en-US" smtClean="0"/>
-              <a:t>12/8/2022</a:t>
+              <a:t>12/9/2022</a:t>
             </a:fld>
             <a:endParaRPr lang="en-US"/>
           </a:p>
@@ -5645,7 +5646,7 @@
           <a:p>
             <a:fld id="{37CC0096-1860-4642-9CD2-0079EA5E7CD1}" type="datetimeFigureOut">
               <a:rPr lang="en-US" smtClean="0"/>
-              <a:t>12/8/2022</a:t>
+              <a:t>12/9/2022</a:t>
             </a:fld>
             <a:endParaRPr lang="en-US"/>
           </a:p>
@@ -5877,7 +5878,7 @@
             <a:fld id="{37CC0096-1860-4642-9CD2-0079EA5E7CD1}" type="datetimeFigureOut">
               <a:rPr lang="en-US" smtClean="0"/>
               <a:pPr/>
-              <a:t>12/8/2022</a:t>
+              <a:t>12/9/2022</a:t>
             </a:fld>
             <a:endParaRPr lang="en-US"/>
           </a:p>
@@ -13071,6 +13072,207 @@
             <a:r>
               <a:rPr lang="en-US" b="1" dirty="0">
                 <a:solidFill>
+                  <a:srgbClr val="C0C0C0"/>
+                </a:solidFill>
+              </a:rPr>
+              <a:t>Challenge 2 - Striving for Silver</a:t>
+            </a:r>
+          </a:p>
+          <a:p>
+            <a:pPr marL="0" indent="0">
+              <a:buNone/>
+            </a:pPr>
+            <a:r>
+              <a:rPr lang="en-US" b="1" dirty="0">
+                <a:solidFill>
+                  <a:srgbClr val="C0C0C0"/>
+                </a:solidFill>
+              </a:rPr>
+              <a:t>Time Travel</a:t>
+            </a:r>
+          </a:p>
+        </p:txBody>
+      </p:sp>
+      <p:pic>
+        <p:nvPicPr>
+          <p:cNvPr id="1028" name="Picture 4" descr="See the source image">
+            <a:extLst>
+              <a:ext uri="{FF2B5EF4-FFF2-40B4-BE49-F238E27FC236}">
+                <a16:creationId xmlns:a16="http://schemas.microsoft.com/office/drawing/2014/main" id="{7A868BBF-79A7-E211-B582-F30FA7114B7B}"/>
+              </a:ext>
+            </a:extLst>
+          </p:cNvPr>
+          <p:cNvPicPr>
+            <a:picLocks noChangeAspect="1" noChangeArrowheads="1"/>
+          </p:cNvPicPr>
+          <p:nvPr/>
+        </p:nvPicPr>
+        <p:blipFill>
+          <a:blip r:embed="rId2">
+            <a:extLst>
+              <a:ext uri="{28A0092B-C50C-407E-A947-70E740481C1C}">
+                <a14:useLocalDpi xmlns:a14="http://schemas.microsoft.com/office/drawing/2010/main" val="0"/>
+              </a:ext>
+            </a:extLst>
+          </a:blip>
+          <a:srcRect/>
+          <a:stretch>
+            <a:fillRect/>
+          </a:stretch>
+        </p:blipFill>
+        <p:spPr bwMode="auto">
+          <a:xfrm>
+            <a:off x="4495802" y="2597549"/>
+            <a:ext cx="6858000" cy="3815729"/>
+          </a:xfrm>
+          <a:prstGeom prst="rect">
+            <a:avLst/>
+          </a:prstGeom>
+          <a:ln>
+            <a:noFill/>
+          </a:ln>
+          <a:effectLst>
+            <a:softEdge rad="112500"/>
+          </a:effectLst>
+          <a:extLst>
+            <a:ext uri="{909E8E84-426E-40DD-AFC4-6F175D3DCCD1}">
+              <a14:hiddenFill xmlns:a14="http://schemas.microsoft.com/office/drawing/2010/main">
+                <a:solidFill>
+                  <a:srgbClr val="FFFFFF"/>
+                </a:solidFill>
+              </a14:hiddenFill>
+            </a:ext>
+          </a:extLst>
+        </p:spPr>
+      </p:pic>
+    </p:spTree>
+    <p:extLst>
+      <p:ext uri="{BB962C8B-B14F-4D97-AF65-F5344CB8AC3E}">
+        <p14:creationId xmlns:p14="http://schemas.microsoft.com/office/powerpoint/2010/main" val="1452932229"/>
+      </p:ext>
+    </p:extLst>
+  </p:cSld>
+  <p:clrMapOvr>
+    <a:masterClrMapping/>
+  </p:clrMapOvr>
+</p:sld>
+</file>
+
+<file path=ppt/slides/slide28.xml><?xml version="1.0" encoding="utf-8"?>
+<p:sld xmlns:a="http://schemas.openxmlformats.org/drawingml/2006/main" xmlns:r="http://schemas.openxmlformats.org/officeDocument/2006/relationships" xmlns:p="http://schemas.openxmlformats.org/presentationml/2006/main">
+  <p:cSld>
+    <p:spTree>
+      <p:nvGrpSpPr>
+        <p:cNvPr id="1" name=""/>
+        <p:cNvGrpSpPr/>
+        <p:nvPr/>
+      </p:nvGrpSpPr>
+      <p:grpSpPr>
+        <a:xfrm>
+          <a:off x="0" y="0"/>
+          <a:ext cx="0" cy="0"/>
+          <a:chOff x="0" y="0"/>
+          <a:chExt cx="0" cy="0"/>
+        </a:xfrm>
+      </p:grpSpPr>
+      <p:sp>
+        <p:nvSpPr>
+          <p:cNvPr id="13" name="Title 12"/>
+          <p:cNvSpPr>
+            <a:spLocks noGrp="1"/>
+          </p:cNvSpPr>
+          <p:nvPr>
+            <p:ph type="title"/>
+          </p:nvPr>
+        </p:nvSpPr>
+        <p:spPr>
+          <a:xfrm>
+            <a:off x="609600" y="457200"/>
+            <a:ext cx="10896600" cy="1143000"/>
+          </a:xfrm>
+        </p:spPr>
+        <p:txBody>
+          <a:bodyPr>
+            <a:normAutofit fontScale="90000"/>
+          </a:bodyPr>
+          <a:lstStyle/>
+          <a:p>
+            <a:pPr algn="ctr"/>
+            <a:r>
+              <a:rPr lang="en-US" sz="4000" dirty="0">
+                <a:solidFill>
+                  <a:srgbClr val="CD7F32"/>
+                </a:solidFill>
+              </a:rPr>
+              <a:t>Bronze</a:t>
+            </a:r>
+            <a:r>
+              <a:rPr lang="en-US" sz="4000" dirty="0"/>
+              <a:t> </a:t>
+            </a:r>
+            <a:r>
+              <a:rPr lang="en-US" sz="4000" dirty="0">
+                <a:solidFill>
+                  <a:srgbClr val="C0C0C0"/>
+                </a:solidFill>
+              </a:rPr>
+              <a:t>Silver</a:t>
+            </a:r>
+            <a:r>
+              <a:rPr lang="en-US" sz="4000" dirty="0"/>
+              <a:t> </a:t>
+            </a:r>
+            <a:r>
+              <a:rPr lang="en-US" sz="4000" dirty="0">
+                <a:solidFill>
+                  <a:srgbClr val="FFD700"/>
+                </a:solidFill>
+              </a:rPr>
+              <a:t>Gold</a:t>
+            </a:r>
+            <a:br>
+              <a:rPr lang="en-US" sz="4000" dirty="0"/>
+            </a:br>
+            <a:r>
+              <a:rPr lang="en-US" sz="4000" dirty="0">
+                <a:solidFill>
+                  <a:schemeClr val="tx1"/>
+                </a:solidFill>
+              </a:rPr>
+              <a:t>Using Synapse and Databricks </a:t>
+            </a:r>
+            <a:endParaRPr lang="en-US" dirty="0"/>
+          </a:p>
+        </p:txBody>
+      </p:sp>
+      <p:sp>
+        <p:nvSpPr>
+          <p:cNvPr id="14" name="Content Placeholder 13"/>
+          <p:cNvSpPr>
+            <a:spLocks noGrp="1"/>
+          </p:cNvSpPr>
+          <p:nvPr>
+            <p:ph idx="1"/>
+          </p:nvPr>
+        </p:nvSpPr>
+        <p:spPr>
+          <a:xfrm>
+            <a:off x="609600" y="1981200"/>
+            <a:ext cx="3657600" cy="3657600"/>
+          </a:xfrm>
+        </p:spPr>
+        <p:txBody>
+          <a:bodyPr>
+            <a:normAutofit/>
+          </a:bodyPr>
+          <a:lstStyle/>
+          <a:p>
+            <a:pPr marL="0" indent="0">
+              <a:buNone/>
+            </a:pPr>
+            <a:r>
+              <a:rPr lang="en-US" b="1" dirty="0">
+                <a:solidFill>
                   <a:srgbClr val="FFD700"/>
                 </a:solidFill>
               </a:rPr>
@@ -13152,7 +13354,7 @@
 </p:sld>
 </file>
 
-<file path=ppt/slides/slide28.xml><?xml version="1.0" encoding="utf-8"?>
+<file path=ppt/slides/slide29.xml><?xml version="1.0" encoding="utf-8"?>
 <p:sld xmlns:a="http://schemas.openxmlformats.org/drawingml/2006/main" xmlns:r="http://schemas.openxmlformats.org/officeDocument/2006/relationships" xmlns:p="http://schemas.openxmlformats.org/presentationml/2006/main">
   <p:cSld>
     <p:spTree>
@@ -13342,7 +13544,335 @@
 </p:sld>
 </file>
 
-<file path=ppt/slides/slide29.xml><?xml version="1.0" encoding="utf-8"?>
+<file path=ppt/slides/slide3.xml><?xml version="1.0" encoding="utf-8"?>
+<p:sld xmlns:a="http://schemas.openxmlformats.org/drawingml/2006/main" xmlns:r="http://schemas.openxmlformats.org/officeDocument/2006/relationships" xmlns:p="http://schemas.openxmlformats.org/presentationml/2006/main">
+  <p:cSld>
+    <p:spTree>
+      <p:nvGrpSpPr>
+        <p:cNvPr id="1" name=""/>
+        <p:cNvGrpSpPr/>
+        <p:nvPr/>
+      </p:nvGrpSpPr>
+      <p:grpSpPr>
+        <a:xfrm>
+          <a:off x="0" y="0"/>
+          <a:ext cx="0" cy="0"/>
+          <a:chOff x="0" y="0"/>
+          <a:chExt cx="0" cy="0"/>
+        </a:xfrm>
+      </p:grpSpPr>
+      <p:sp>
+        <p:nvSpPr>
+          <p:cNvPr id="2" name="Title 1">
+            <a:extLst>
+              <a:ext uri="{FF2B5EF4-FFF2-40B4-BE49-F238E27FC236}">
+                <a16:creationId xmlns:a16="http://schemas.microsoft.com/office/drawing/2014/main" id="{8A6982F1-A259-4347-AD95-BD441A868949}"/>
+              </a:ext>
+            </a:extLst>
+          </p:cNvPr>
+          <p:cNvSpPr>
+            <a:spLocks noGrp="1"/>
+          </p:cNvSpPr>
+          <p:nvPr>
+            <p:ph type="title"/>
+          </p:nvPr>
+        </p:nvSpPr>
+        <p:spPr>
+          <a:xfrm>
+            <a:off x="838200" y="506871"/>
+            <a:ext cx="10515600" cy="1026795"/>
+          </a:xfrm>
+        </p:spPr>
+        <p:txBody>
+          <a:bodyPr>
+            <a:normAutofit/>
+          </a:bodyPr>
+          <a:lstStyle/>
+          <a:p>
+            <a:r>
+              <a:rPr lang="en-US" sz="4000" dirty="0">
+                <a:solidFill>
+                  <a:srgbClr val="92D050"/>
+                </a:solidFill>
+                <a:latin typeface="Consolas" panose="020B0609020204030204" pitchFamily="49" charset="0"/>
+                <a:cs typeface="Segoe UI" panose="020B0502040204020203" pitchFamily="34" charset="0"/>
+              </a:rPr>
+              <a:t>Community Driven</a:t>
+            </a:r>
+          </a:p>
+        </p:txBody>
+      </p:sp>
+      <p:sp>
+        <p:nvSpPr>
+          <p:cNvPr id="3" name="Content Placeholder 2">
+            <a:extLst>
+              <a:ext uri="{FF2B5EF4-FFF2-40B4-BE49-F238E27FC236}">
+                <a16:creationId xmlns:a16="http://schemas.microsoft.com/office/drawing/2014/main" id="{43584DE6-6E66-4542-8AA3-A684349C250B}"/>
+              </a:ext>
+            </a:extLst>
+          </p:cNvPr>
+          <p:cNvSpPr>
+            <a:spLocks noGrp="1"/>
+          </p:cNvSpPr>
+          <p:nvPr>
+            <p:ph idx="1"/>
+          </p:nvPr>
+        </p:nvSpPr>
+        <p:spPr>
+          <a:xfrm>
+            <a:off x="838200" y="1849121"/>
+            <a:ext cx="10515600" cy="4368799"/>
+          </a:xfrm>
+        </p:spPr>
+        <p:txBody>
+          <a:bodyPr>
+            <a:normAutofit/>
+          </a:bodyPr>
+          <a:lstStyle/>
+          <a:p>
+            <a:pPr marL="742950" indent="-742950">
+              <a:buFont typeface="+mj-lt"/>
+              <a:buAutoNum type="arabicPeriod"/>
+            </a:pPr>
+            <a:r>
+              <a:rPr lang="en-US" sz="2800" dirty="0"/>
+              <a:t>Anyone can contribute a new hack</a:t>
+            </a:r>
+          </a:p>
+          <a:p>
+            <a:pPr marL="742950" indent="-742950">
+              <a:buFont typeface="+mj-lt"/>
+              <a:buAutoNum type="arabicPeriod"/>
+            </a:pPr>
+            <a:r>
+              <a:rPr lang="en-US" sz="2800" dirty="0"/>
+              <a:t>All content is available for sharing broadly to enable cloud architects and partners to re-deliver to their customers</a:t>
+            </a:r>
+          </a:p>
+          <a:p>
+            <a:pPr marL="742950" indent="-742950">
+              <a:buFont typeface="+mj-lt"/>
+              <a:buAutoNum type="arabicPeriod"/>
+            </a:pPr>
+            <a:r>
+              <a:rPr lang="en-US" sz="2800" dirty="0"/>
+              <a:t>Built from the ground up to be delivered virtually with Microsoft Teams</a:t>
+            </a:r>
+          </a:p>
+        </p:txBody>
+      </p:sp>
+      <p:pic>
+        <p:nvPicPr>
+          <p:cNvPr id="4" name="Picture 3" descr="Logo&#10;&#10;Description automatically generated">
+            <a:extLst>
+              <a:ext uri="{FF2B5EF4-FFF2-40B4-BE49-F238E27FC236}">
+                <a16:creationId xmlns:a16="http://schemas.microsoft.com/office/drawing/2014/main" id="{2FE331D8-1CDA-F4BE-C367-68F42FE276AD}"/>
+              </a:ext>
+            </a:extLst>
+          </p:cNvPr>
+          <p:cNvPicPr>
+            <a:picLocks noChangeAspect="1"/>
+          </p:cNvPicPr>
+          <p:nvPr/>
+        </p:nvPicPr>
+        <p:blipFill>
+          <a:blip r:embed="rId3" cstate="print">
+            <a:extLst>
+              <a:ext uri="{28A0092B-C50C-407E-A947-70E740481C1C}">
+                <a14:useLocalDpi xmlns:a14="http://schemas.microsoft.com/office/drawing/2010/main" val="0"/>
+              </a:ext>
+            </a:extLst>
+          </a:blip>
+          <a:stretch>
+            <a:fillRect/>
+          </a:stretch>
+        </p:blipFill>
+        <p:spPr>
+          <a:xfrm>
+            <a:off x="10363200" y="0"/>
+            <a:ext cx="1828800" cy="1828800"/>
+          </a:xfrm>
+          <a:prstGeom prst="rect">
+            <a:avLst/>
+          </a:prstGeom>
+        </p:spPr>
+      </p:pic>
+    </p:spTree>
+    <p:extLst>
+      <p:ext uri="{BB962C8B-B14F-4D97-AF65-F5344CB8AC3E}">
+        <p14:creationId xmlns:p14="http://schemas.microsoft.com/office/powerpoint/2010/main" val="1564498017"/>
+      </p:ext>
+    </p:extLst>
+  </p:cSld>
+  <p:clrMapOvr>
+    <a:masterClrMapping/>
+  </p:clrMapOvr>
+  <p:timing>
+    <p:tnLst>
+      <p:par>
+        <p:cTn id="1" dur="indefinite" restart="never" nodeType="tmRoot">
+          <p:childTnLst>
+            <p:seq concurrent="1" nextAc="seek">
+              <p:cTn id="2" dur="indefinite" nodeType="mainSeq">
+                <p:childTnLst>
+                  <p:par>
+                    <p:cTn id="3" fill="hold">
+                      <p:stCondLst>
+                        <p:cond delay="indefinite"/>
+                        <p:cond evt="onBegin" delay="0">
+                          <p:tn val="2"/>
+                        </p:cond>
+                      </p:stCondLst>
+                      <p:childTnLst>
+                        <p:par>
+                          <p:cTn id="4" fill="hold">
+                            <p:stCondLst>
+                              <p:cond delay="0"/>
+                            </p:stCondLst>
+                            <p:childTnLst>
+                              <p:par>
+                                <p:cTn id="5" presetID="1" presetClass="entr" presetSubtype="0" fill="hold" nodeType="afterEffect">
+                                  <p:stCondLst>
+                                    <p:cond delay="250"/>
+                                  </p:stCondLst>
+                                  <p:childTnLst>
+                                    <p:set>
+                                      <p:cBhvr>
+                                        <p:cTn id="6" dur="1" fill="hold">
+                                          <p:stCondLst>
+                                            <p:cond delay="0"/>
+                                          </p:stCondLst>
+                                        </p:cTn>
+                                        <p:tgtEl>
+                                          <p:spTgt spid="3">
+                                            <p:txEl>
+                                              <p:pRg st="0" end="0"/>
+                                            </p:txEl>
+                                          </p:spTgt>
+                                        </p:tgtEl>
+                                        <p:attrNameLst>
+                                          <p:attrName>style.visibility</p:attrName>
+                                        </p:attrNameLst>
+                                      </p:cBhvr>
+                                      <p:to>
+                                        <p:strVal val="visible"/>
+                                      </p:to>
+                                    </p:set>
+                                  </p:childTnLst>
+                                </p:cTn>
+                              </p:par>
+                            </p:childTnLst>
+                          </p:cTn>
+                        </p:par>
+                        <p:par>
+                          <p:cTn id="7" fill="hold">
+                            <p:stCondLst>
+                              <p:cond delay="250"/>
+                            </p:stCondLst>
+                            <p:childTnLst>
+                              <p:par>
+                                <p:cTn id="8" presetID="1" presetClass="entr" presetSubtype="0" fill="hold" nodeType="afterEffect">
+                                  <p:stCondLst>
+                                    <p:cond delay="250"/>
+                                  </p:stCondLst>
+                                  <p:childTnLst>
+                                    <p:set>
+                                      <p:cBhvr>
+                                        <p:cTn id="9" dur="1" fill="hold">
+                                          <p:stCondLst>
+                                            <p:cond delay="0"/>
+                                          </p:stCondLst>
+                                        </p:cTn>
+                                        <p:tgtEl>
+                                          <p:spTgt spid="3">
+                                            <p:txEl>
+                                              <p:pRg st="1" end="1"/>
+                                            </p:txEl>
+                                          </p:spTgt>
+                                        </p:tgtEl>
+                                        <p:attrNameLst>
+                                          <p:attrName>style.visibility</p:attrName>
+                                        </p:attrNameLst>
+                                      </p:cBhvr>
+                                      <p:to>
+                                        <p:strVal val="visible"/>
+                                      </p:to>
+                                    </p:set>
+                                  </p:childTnLst>
+                                </p:cTn>
+                              </p:par>
+                            </p:childTnLst>
+                          </p:cTn>
+                        </p:par>
+                        <p:par>
+                          <p:cTn id="10" fill="hold">
+                            <p:stCondLst>
+                              <p:cond delay="500"/>
+                            </p:stCondLst>
+                            <p:childTnLst>
+                              <p:par>
+                                <p:cTn id="11" presetID="1" presetClass="entr" presetSubtype="0" fill="hold" nodeType="afterEffect">
+                                  <p:stCondLst>
+                                    <p:cond delay="250"/>
+                                  </p:stCondLst>
+                                  <p:childTnLst>
+                                    <p:set>
+                                      <p:cBhvr>
+                                        <p:cTn id="12" dur="1" fill="hold">
+                                          <p:stCondLst>
+                                            <p:cond delay="0"/>
+                                          </p:stCondLst>
+                                        </p:cTn>
+                                        <p:tgtEl>
+                                          <p:spTgt spid="3">
+                                            <p:txEl>
+                                              <p:pRg st="2" end="2"/>
+                                            </p:txEl>
+                                          </p:spTgt>
+                                        </p:tgtEl>
+                                        <p:attrNameLst>
+                                          <p:attrName>style.visibility</p:attrName>
+                                        </p:attrNameLst>
+                                      </p:cBhvr>
+                                      <p:to>
+                                        <p:strVal val="visible"/>
+                                      </p:to>
+                                    </p:set>
+                                  </p:childTnLst>
+                                </p:cTn>
+                              </p:par>
+                            </p:childTnLst>
+                          </p:cTn>
+                        </p:par>
+                      </p:childTnLst>
+                    </p:cTn>
+                  </p:par>
+                </p:childTnLst>
+              </p:cTn>
+              <p:prevCondLst>
+                <p:cond evt="onPrev" delay="0">
+                  <p:tgtEl>
+                    <p:sldTgt/>
+                  </p:tgtEl>
+                </p:cond>
+              </p:prevCondLst>
+              <p:nextCondLst>
+                <p:cond evt="onNext" delay="0">
+                  <p:tgtEl>
+                    <p:sldTgt/>
+                  </p:tgtEl>
+                </p:cond>
+              </p:nextCondLst>
+            </p:seq>
+          </p:childTnLst>
+        </p:cTn>
+      </p:par>
+    </p:tnLst>
+  </p:timing>
+</p:sld>
+</file>
+
+<file path=ppt/slides/slide30.xml><?xml version="1.0" encoding="utf-8"?>
 <p:sld xmlns:a="http://schemas.openxmlformats.org/drawingml/2006/main" xmlns:r="http://schemas.openxmlformats.org/officeDocument/2006/relationships" xmlns:p="http://schemas.openxmlformats.org/presentationml/2006/main">
   <p:cSld>
     <p:spTree>
@@ -14773,335 +15303,7 @@
 </p:sld>
 </file>
 
-<file path=ppt/slides/slide3.xml><?xml version="1.0" encoding="utf-8"?>
-<p:sld xmlns:a="http://schemas.openxmlformats.org/drawingml/2006/main" xmlns:r="http://schemas.openxmlformats.org/officeDocument/2006/relationships" xmlns:p="http://schemas.openxmlformats.org/presentationml/2006/main">
-  <p:cSld>
-    <p:spTree>
-      <p:nvGrpSpPr>
-        <p:cNvPr id="1" name=""/>
-        <p:cNvGrpSpPr/>
-        <p:nvPr/>
-      </p:nvGrpSpPr>
-      <p:grpSpPr>
-        <a:xfrm>
-          <a:off x="0" y="0"/>
-          <a:ext cx="0" cy="0"/>
-          <a:chOff x="0" y="0"/>
-          <a:chExt cx="0" cy="0"/>
-        </a:xfrm>
-      </p:grpSpPr>
-      <p:sp>
-        <p:nvSpPr>
-          <p:cNvPr id="2" name="Title 1">
-            <a:extLst>
-              <a:ext uri="{FF2B5EF4-FFF2-40B4-BE49-F238E27FC236}">
-                <a16:creationId xmlns:a16="http://schemas.microsoft.com/office/drawing/2014/main" id="{8A6982F1-A259-4347-AD95-BD441A868949}"/>
-              </a:ext>
-            </a:extLst>
-          </p:cNvPr>
-          <p:cNvSpPr>
-            <a:spLocks noGrp="1"/>
-          </p:cNvSpPr>
-          <p:nvPr>
-            <p:ph type="title"/>
-          </p:nvPr>
-        </p:nvSpPr>
-        <p:spPr>
-          <a:xfrm>
-            <a:off x="838200" y="506871"/>
-            <a:ext cx="10515600" cy="1026795"/>
-          </a:xfrm>
-        </p:spPr>
-        <p:txBody>
-          <a:bodyPr>
-            <a:normAutofit/>
-          </a:bodyPr>
-          <a:lstStyle/>
-          <a:p>
-            <a:r>
-              <a:rPr lang="en-US" sz="4000" dirty="0">
-                <a:solidFill>
-                  <a:srgbClr val="92D050"/>
-                </a:solidFill>
-                <a:latin typeface="Consolas" panose="020B0609020204030204" pitchFamily="49" charset="0"/>
-                <a:cs typeface="Segoe UI" panose="020B0502040204020203" pitchFamily="34" charset="0"/>
-              </a:rPr>
-              <a:t>Community Driven</a:t>
-            </a:r>
-          </a:p>
-        </p:txBody>
-      </p:sp>
-      <p:sp>
-        <p:nvSpPr>
-          <p:cNvPr id="3" name="Content Placeholder 2">
-            <a:extLst>
-              <a:ext uri="{FF2B5EF4-FFF2-40B4-BE49-F238E27FC236}">
-                <a16:creationId xmlns:a16="http://schemas.microsoft.com/office/drawing/2014/main" id="{43584DE6-6E66-4542-8AA3-A684349C250B}"/>
-              </a:ext>
-            </a:extLst>
-          </p:cNvPr>
-          <p:cNvSpPr>
-            <a:spLocks noGrp="1"/>
-          </p:cNvSpPr>
-          <p:nvPr>
-            <p:ph idx="1"/>
-          </p:nvPr>
-        </p:nvSpPr>
-        <p:spPr>
-          <a:xfrm>
-            <a:off x="838200" y="1849121"/>
-            <a:ext cx="10515600" cy="4368799"/>
-          </a:xfrm>
-        </p:spPr>
-        <p:txBody>
-          <a:bodyPr>
-            <a:normAutofit/>
-          </a:bodyPr>
-          <a:lstStyle/>
-          <a:p>
-            <a:pPr marL="742950" indent="-742950">
-              <a:buFont typeface="+mj-lt"/>
-              <a:buAutoNum type="arabicPeriod"/>
-            </a:pPr>
-            <a:r>
-              <a:rPr lang="en-US" sz="2800" dirty="0"/>
-              <a:t>Anyone can contribute a new hack</a:t>
-            </a:r>
-          </a:p>
-          <a:p>
-            <a:pPr marL="742950" indent="-742950">
-              <a:buFont typeface="+mj-lt"/>
-              <a:buAutoNum type="arabicPeriod"/>
-            </a:pPr>
-            <a:r>
-              <a:rPr lang="en-US" sz="2800" dirty="0"/>
-              <a:t>All content is available for sharing broadly to enable cloud architects and partners to re-deliver to their customers</a:t>
-            </a:r>
-          </a:p>
-          <a:p>
-            <a:pPr marL="742950" indent="-742950">
-              <a:buFont typeface="+mj-lt"/>
-              <a:buAutoNum type="arabicPeriod"/>
-            </a:pPr>
-            <a:r>
-              <a:rPr lang="en-US" sz="2800" dirty="0"/>
-              <a:t>Built from the ground up to be delivered virtually with Microsoft Teams</a:t>
-            </a:r>
-          </a:p>
-        </p:txBody>
-      </p:sp>
-      <p:pic>
-        <p:nvPicPr>
-          <p:cNvPr id="4" name="Picture 3" descr="Logo&#10;&#10;Description automatically generated">
-            <a:extLst>
-              <a:ext uri="{FF2B5EF4-FFF2-40B4-BE49-F238E27FC236}">
-                <a16:creationId xmlns:a16="http://schemas.microsoft.com/office/drawing/2014/main" id="{2FE331D8-1CDA-F4BE-C367-68F42FE276AD}"/>
-              </a:ext>
-            </a:extLst>
-          </p:cNvPr>
-          <p:cNvPicPr>
-            <a:picLocks noChangeAspect="1"/>
-          </p:cNvPicPr>
-          <p:nvPr/>
-        </p:nvPicPr>
-        <p:blipFill>
-          <a:blip r:embed="rId3" cstate="print">
-            <a:extLst>
-              <a:ext uri="{28A0092B-C50C-407E-A947-70E740481C1C}">
-                <a14:useLocalDpi xmlns:a14="http://schemas.microsoft.com/office/drawing/2010/main" val="0"/>
-              </a:ext>
-            </a:extLst>
-          </a:blip>
-          <a:stretch>
-            <a:fillRect/>
-          </a:stretch>
-        </p:blipFill>
-        <p:spPr>
-          <a:xfrm>
-            <a:off x="10363200" y="0"/>
-            <a:ext cx="1828800" cy="1828800"/>
-          </a:xfrm>
-          <a:prstGeom prst="rect">
-            <a:avLst/>
-          </a:prstGeom>
-        </p:spPr>
-      </p:pic>
-    </p:spTree>
-    <p:extLst>
-      <p:ext uri="{BB962C8B-B14F-4D97-AF65-F5344CB8AC3E}">
-        <p14:creationId xmlns:p14="http://schemas.microsoft.com/office/powerpoint/2010/main" val="1564498017"/>
-      </p:ext>
-    </p:extLst>
-  </p:cSld>
-  <p:clrMapOvr>
-    <a:masterClrMapping/>
-  </p:clrMapOvr>
-  <p:timing>
-    <p:tnLst>
-      <p:par>
-        <p:cTn id="1" dur="indefinite" restart="never" nodeType="tmRoot">
-          <p:childTnLst>
-            <p:seq concurrent="1" nextAc="seek">
-              <p:cTn id="2" dur="indefinite" nodeType="mainSeq">
-                <p:childTnLst>
-                  <p:par>
-                    <p:cTn id="3" fill="hold">
-                      <p:stCondLst>
-                        <p:cond delay="indefinite"/>
-                        <p:cond evt="onBegin" delay="0">
-                          <p:tn val="2"/>
-                        </p:cond>
-                      </p:stCondLst>
-                      <p:childTnLst>
-                        <p:par>
-                          <p:cTn id="4" fill="hold">
-                            <p:stCondLst>
-                              <p:cond delay="0"/>
-                            </p:stCondLst>
-                            <p:childTnLst>
-                              <p:par>
-                                <p:cTn id="5" presetID="1" presetClass="entr" presetSubtype="0" fill="hold" nodeType="afterEffect">
-                                  <p:stCondLst>
-                                    <p:cond delay="250"/>
-                                  </p:stCondLst>
-                                  <p:childTnLst>
-                                    <p:set>
-                                      <p:cBhvr>
-                                        <p:cTn id="6" dur="1" fill="hold">
-                                          <p:stCondLst>
-                                            <p:cond delay="0"/>
-                                          </p:stCondLst>
-                                        </p:cTn>
-                                        <p:tgtEl>
-                                          <p:spTgt spid="3">
-                                            <p:txEl>
-                                              <p:pRg st="0" end="0"/>
-                                            </p:txEl>
-                                          </p:spTgt>
-                                        </p:tgtEl>
-                                        <p:attrNameLst>
-                                          <p:attrName>style.visibility</p:attrName>
-                                        </p:attrNameLst>
-                                      </p:cBhvr>
-                                      <p:to>
-                                        <p:strVal val="visible"/>
-                                      </p:to>
-                                    </p:set>
-                                  </p:childTnLst>
-                                </p:cTn>
-                              </p:par>
-                            </p:childTnLst>
-                          </p:cTn>
-                        </p:par>
-                        <p:par>
-                          <p:cTn id="7" fill="hold">
-                            <p:stCondLst>
-                              <p:cond delay="250"/>
-                            </p:stCondLst>
-                            <p:childTnLst>
-                              <p:par>
-                                <p:cTn id="8" presetID="1" presetClass="entr" presetSubtype="0" fill="hold" nodeType="afterEffect">
-                                  <p:stCondLst>
-                                    <p:cond delay="250"/>
-                                  </p:stCondLst>
-                                  <p:childTnLst>
-                                    <p:set>
-                                      <p:cBhvr>
-                                        <p:cTn id="9" dur="1" fill="hold">
-                                          <p:stCondLst>
-                                            <p:cond delay="0"/>
-                                          </p:stCondLst>
-                                        </p:cTn>
-                                        <p:tgtEl>
-                                          <p:spTgt spid="3">
-                                            <p:txEl>
-                                              <p:pRg st="1" end="1"/>
-                                            </p:txEl>
-                                          </p:spTgt>
-                                        </p:tgtEl>
-                                        <p:attrNameLst>
-                                          <p:attrName>style.visibility</p:attrName>
-                                        </p:attrNameLst>
-                                      </p:cBhvr>
-                                      <p:to>
-                                        <p:strVal val="visible"/>
-                                      </p:to>
-                                    </p:set>
-                                  </p:childTnLst>
-                                </p:cTn>
-                              </p:par>
-                            </p:childTnLst>
-                          </p:cTn>
-                        </p:par>
-                        <p:par>
-                          <p:cTn id="10" fill="hold">
-                            <p:stCondLst>
-                              <p:cond delay="500"/>
-                            </p:stCondLst>
-                            <p:childTnLst>
-                              <p:par>
-                                <p:cTn id="11" presetID="1" presetClass="entr" presetSubtype="0" fill="hold" nodeType="afterEffect">
-                                  <p:stCondLst>
-                                    <p:cond delay="250"/>
-                                  </p:stCondLst>
-                                  <p:childTnLst>
-                                    <p:set>
-                                      <p:cBhvr>
-                                        <p:cTn id="12" dur="1" fill="hold">
-                                          <p:stCondLst>
-                                            <p:cond delay="0"/>
-                                          </p:stCondLst>
-                                        </p:cTn>
-                                        <p:tgtEl>
-                                          <p:spTgt spid="3">
-                                            <p:txEl>
-                                              <p:pRg st="2" end="2"/>
-                                            </p:txEl>
-                                          </p:spTgt>
-                                        </p:tgtEl>
-                                        <p:attrNameLst>
-                                          <p:attrName>style.visibility</p:attrName>
-                                        </p:attrNameLst>
-                                      </p:cBhvr>
-                                      <p:to>
-                                        <p:strVal val="visible"/>
-                                      </p:to>
-                                    </p:set>
-                                  </p:childTnLst>
-                                </p:cTn>
-                              </p:par>
-                            </p:childTnLst>
-                          </p:cTn>
-                        </p:par>
-                      </p:childTnLst>
-                    </p:cTn>
-                  </p:par>
-                </p:childTnLst>
-              </p:cTn>
-              <p:prevCondLst>
-                <p:cond evt="onPrev" delay="0">
-                  <p:tgtEl>
-                    <p:sldTgt/>
-                  </p:tgtEl>
-                </p:cond>
-              </p:prevCondLst>
-              <p:nextCondLst>
-                <p:cond evt="onNext" delay="0">
-                  <p:tgtEl>
-                    <p:sldTgt/>
-                  </p:tgtEl>
-                </p:cond>
-              </p:nextCondLst>
-            </p:seq>
-          </p:childTnLst>
-        </p:cTn>
-      </p:par>
-    </p:tnLst>
-  </p:timing>
-</p:sld>
-</file>
-
-<file path=ppt/slides/slide30.xml><?xml version="1.0" encoding="utf-8"?>
+<file path=ppt/slides/slide31.xml><?xml version="1.0" encoding="utf-8"?>
 <p:sld xmlns:a="http://schemas.openxmlformats.org/drawingml/2006/main" xmlns:r="http://schemas.openxmlformats.org/officeDocument/2006/relationships" xmlns:p="http://schemas.openxmlformats.org/presentationml/2006/main">
   <p:cSld>
     <p:spTree>

--- a/xxx-SynapseAndDatabricks/Coach/Bronze-Silver-Gold.pptx
+++ b/xxx-SynapseAndDatabricks/Coach/Bronze-Silver-Gold.pptx
@@ -244,7 +244,7 @@
           <a:p>
             <a:fld id="{762B48F5-BACC-47D6-A0F7-82FBF9C6BC85}" type="datetimeFigureOut">
               <a:rPr lang="en-US"/>
-              <a:t>12/9/2022</a:t>
+              <a:t>12/15/2022</a:t>
             </a:fld>
             <a:endParaRPr/>
           </a:p>
@@ -409,7 +409,7 @@
           <a:p>
             <a:fld id="{0CB1CD00-5424-4675-AB18-2C419B060449}" type="datetimeFigureOut">
               <a:rPr lang="en-US"/>
-              <a:t>12/9/2022</a:t>
+              <a:t>12/15/2022</a:t>
             </a:fld>
             <a:endParaRPr/>
           </a:p>
@@ -2831,7 +2831,7 @@
           <a:p>
             <a:fld id="{37CC0096-1860-4642-9CD2-0079EA5E7CD1}" type="datetimeFigureOut">
               <a:rPr lang="en-US" smtClean="0"/>
-              <a:t>12/9/2022</a:t>
+              <a:t>12/15/2022</a:t>
             </a:fld>
             <a:endParaRPr lang="en-US"/>
           </a:p>
@@ -3010,7 +3010,7 @@
           <a:p>
             <a:fld id="{37CC0096-1860-4642-9CD2-0079EA5E7CD1}" type="datetimeFigureOut">
               <a:rPr lang="en-US" smtClean="0"/>
-              <a:t>12/9/2022</a:t>
+              <a:t>12/15/2022</a:t>
             </a:fld>
             <a:endParaRPr lang="en-US"/>
           </a:p>
@@ -3967,7 +3967,7 @@
           <a:p>
             <a:fld id="{37CC0096-1860-4642-9CD2-0079EA5E7CD1}" type="datetimeFigureOut">
               <a:rPr lang="en-US" smtClean="0"/>
-              <a:t>12/9/2022</a:t>
+              <a:t>12/15/2022</a:t>
             </a:fld>
             <a:endParaRPr lang="en-US"/>
           </a:p>
@@ -4400,7 +4400,7 @@
           <a:p>
             <a:fld id="{37CC0096-1860-4642-9CD2-0079EA5E7CD1}" type="datetimeFigureOut">
               <a:rPr lang="en-US" smtClean="0"/>
-              <a:t>12/9/2022</a:t>
+              <a:t>12/15/2022</a:t>
             </a:fld>
             <a:endParaRPr lang="en-US"/>
           </a:p>
@@ -4839,7 +4839,7 @@
           <a:p>
             <a:fld id="{37CC0096-1860-4642-9CD2-0079EA5E7CD1}" type="datetimeFigureOut">
               <a:rPr lang="en-US" smtClean="0"/>
-              <a:t>12/9/2022</a:t>
+              <a:t>12/15/2022</a:t>
             </a:fld>
             <a:endParaRPr lang="en-US"/>
           </a:p>
@@ -4956,7 +4956,7 @@
           <a:p>
             <a:fld id="{37CC0096-1860-4642-9CD2-0079EA5E7CD1}" type="datetimeFigureOut">
               <a:rPr lang="en-US" smtClean="0"/>
-              <a:t>12/9/2022</a:t>
+              <a:t>12/15/2022</a:t>
             </a:fld>
             <a:endParaRPr lang="en-US"/>
           </a:p>
@@ -5051,7 +5051,7 @@
           <a:p>
             <a:fld id="{37CC0096-1860-4642-9CD2-0079EA5E7CD1}" type="datetimeFigureOut">
               <a:rPr lang="en-US" smtClean="0"/>
-              <a:t>12/9/2022</a:t>
+              <a:t>12/15/2022</a:t>
             </a:fld>
             <a:endParaRPr lang="en-US"/>
           </a:p>
@@ -5335,7 +5335,7 @@
           <a:p>
             <a:fld id="{37CC0096-1860-4642-9CD2-0079EA5E7CD1}" type="datetimeFigureOut">
               <a:rPr lang="en-US" smtClean="0"/>
-              <a:t>12/9/2022</a:t>
+              <a:t>12/15/2022</a:t>
             </a:fld>
             <a:endParaRPr lang="en-US"/>
           </a:p>
@@ -5646,7 +5646,7 @@
           <a:p>
             <a:fld id="{37CC0096-1860-4642-9CD2-0079EA5E7CD1}" type="datetimeFigureOut">
               <a:rPr lang="en-US" smtClean="0"/>
-              <a:t>12/9/2022</a:t>
+              <a:t>12/15/2022</a:t>
             </a:fld>
             <a:endParaRPr lang="en-US"/>
           </a:p>
@@ -5878,7 +5878,7 @@
             <a:fld id="{37CC0096-1860-4642-9CD2-0079EA5E7CD1}" type="datetimeFigureOut">
               <a:rPr lang="en-US" smtClean="0"/>
               <a:pPr/>
-              <a:t>12/9/2022</a:t>
+              <a:t>12/15/2022</a:t>
             </a:fld>
             <a:endParaRPr lang="en-US"/>
           </a:p>
@@ -14012,14 +14012,14 @@
           <p:nvPr>
             <p:extLst>
               <p:ext uri="{D42A27DB-BD31-4B8C-83A1-F6EECF244321}">
-                <p14:modId xmlns:p14="http://schemas.microsoft.com/office/powerpoint/2010/main" val="4019800011"/>
+                <p14:modId xmlns:p14="http://schemas.microsoft.com/office/powerpoint/2010/main" val="3251917788"/>
               </p:ext>
             </p:extLst>
           </p:nvPr>
         </p:nvGraphicFramePr>
         <p:xfrm>
           <a:off x="1828800" y="2286000"/>
-          <a:ext cx="9296400" cy="4215766"/>
+          <a:ext cx="9296400" cy="4436746"/>
         </p:xfrm>
         <a:graphic>
           <a:graphicData uri="http://schemas.openxmlformats.org/drawingml/2006/table">
@@ -14108,7 +14108,7 @@
                       <a:pPr algn="ctr"/>
                       <a:r>
                         <a:rPr lang="en-US" dirty="0"/>
-                        <a:t>3</a:t>
+                        <a:t>3 – Now on Squad 1</a:t>
                       </a:r>
                     </a:p>
                   </a:txBody>

--- a/xxx-SynapseAndDatabricks/Coach/Bronze-Silver-Gold.pptx
+++ b/xxx-SynapseAndDatabricks/Coach/Bronze-Silver-Gold.pptx
@@ -244,7 +244,7 @@
           <a:p>
             <a:fld id="{762B48F5-BACC-47D6-A0F7-82FBF9C6BC85}" type="datetimeFigureOut">
               <a:rPr lang="en-US"/>
-              <a:t>12/15/2022</a:t>
+              <a:t>12/21/2022</a:t>
             </a:fld>
             <a:endParaRPr/>
           </a:p>
@@ -409,7 +409,7 @@
           <a:p>
             <a:fld id="{0CB1CD00-5424-4675-AB18-2C419B060449}" type="datetimeFigureOut">
               <a:rPr lang="en-US"/>
-              <a:t>12/15/2022</a:t>
+              <a:t>12/21/2022</a:t>
             </a:fld>
             <a:endParaRPr/>
           </a:p>
@@ -2831,7 +2831,7 @@
           <a:p>
             <a:fld id="{37CC0096-1860-4642-9CD2-0079EA5E7CD1}" type="datetimeFigureOut">
               <a:rPr lang="en-US" smtClean="0"/>
-              <a:t>12/15/2022</a:t>
+              <a:t>12/21/2022</a:t>
             </a:fld>
             <a:endParaRPr lang="en-US"/>
           </a:p>
@@ -3010,7 +3010,7 @@
           <a:p>
             <a:fld id="{37CC0096-1860-4642-9CD2-0079EA5E7CD1}" type="datetimeFigureOut">
               <a:rPr lang="en-US" smtClean="0"/>
-              <a:t>12/15/2022</a:t>
+              <a:t>12/21/2022</a:t>
             </a:fld>
             <a:endParaRPr lang="en-US"/>
           </a:p>
@@ -3967,7 +3967,7 @@
           <a:p>
             <a:fld id="{37CC0096-1860-4642-9CD2-0079EA5E7CD1}" type="datetimeFigureOut">
               <a:rPr lang="en-US" smtClean="0"/>
-              <a:t>12/15/2022</a:t>
+              <a:t>12/21/2022</a:t>
             </a:fld>
             <a:endParaRPr lang="en-US"/>
           </a:p>
@@ -4400,7 +4400,7 @@
           <a:p>
             <a:fld id="{37CC0096-1860-4642-9CD2-0079EA5E7CD1}" type="datetimeFigureOut">
               <a:rPr lang="en-US" smtClean="0"/>
-              <a:t>12/15/2022</a:t>
+              <a:t>12/21/2022</a:t>
             </a:fld>
             <a:endParaRPr lang="en-US"/>
           </a:p>
@@ -4839,7 +4839,7 @@
           <a:p>
             <a:fld id="{37CC0096-1860-4642-9CD2-0079EA5E7CD1}" type="datetimeFigureOut">
               <a:rPr lang="en-US" smtClean="0"/>
-              <a:t>12/15/2022</a:t>
+              <a:t>12/21/2022</a:t>
             </a:fld>
             <a:endParaRPr lang="en-US"/>
           </a:p>
@@ -4956,7 +4956,7 @@
           <a:p>
             <a:fld id="{37CC0096-1860-4642-9CD2-0079EA5E7CD1}" type="datetimeFigureOut">
               <a:rPr lang="en-US" smtClean="0"/>
-              <a:t>12/15/2022</a:t>
+              <a:t>12/21/2022</a:t>
             </a:fld>
             <a:endParaRPr lang="en-US"/>
           </a:p>
@@ -5051,7 +5051,7 @@
           <a:p>
             <a:fld id="{37CC0096-1860-4642-9CD2-0079EA5E7CD1}" type="datetimeFigureOut">
               <a:rPr lang="en-US" smtClean="0"/>
-              <a:t>12/15/2022</a:t>
+              <a:t>12/21/2022</a:t>
             </a:fld>
             <a:endParaRPr lang="en-US"/>
           </a:p>
@@ -5335,7 +5335,7 @@
           <a:p>
             <a:fld id="{37CC0096-1860-4642-9CD2-0079EA5E7CD1}" type="datetimeFigureOut">
               <a:rPr lang="en-US" smtClean="0"/>
-              <a:t>12/15/2022</a:t>
+              <a:t>12/21/2022</a:t>
             </a:fld>
             <a:endParaRPr lang="en-US"/>
           </a:p>
@@ -5646,7 +5646,7 @@
           <a:p>
             <a:fld id="{37CC0096-1860-4642-9CD2-0079EA5E7CD1}" type="datetimeFigureOut">
               <a:rPr lang="en-US" smtClean="0"/>
-              <a:t>12/15/2022</a:t>
+              <a:t>12/21/2022</a:t>
             </a:fld>
             <a:endParaRPr lang="en-US"/>
           </a:p>
@@ -5878,7 +5878,7 @@
             <a:fld id="{37CC0096-1860-4642-9CD2-0079EA5E7CD1}" type="datetimeFigureOut">
               <a:rPr lang="en-US" smtClean="0"/>
               <a:pPr/>
-              <a:t>12/15/2022</a:t>
+              <a:t>12/21/2022</a:t>
             </a:fld>
             <a:endParaRPr lang="en-US"/>
           </a:p>
@@ -14012,14 +14012,14 @@
           <p:nvPr>
             <p:extLst>
               <p:ext uri="{D42A27DB-BD31-4B8C-83A1-F6EECF244321}">
-                <p14:modId xmlns:p14="http://schemas.microsoft.com/office/powerpoint/2010/main" val="3251917788"/>
+                <p14:modId xmlns:p14="http://schemas.microsoft.com/office/powerpoint/2010/main" val="3965791497"/>
               </p:ext>
             </p:extLst>
           </p:nvPr>
         </p:nvGraphicFramePr>
         <p:xfrm>
           <a:off x="1828800" y="2286000"/>
-          <a:ext cx="9296400" cy="4436746"/>
+          <a:ext cx="9296400" cy="2933700"/>
         </p:xfrm>
         <a:graphic>
           <a:graphicData uri="http://schemas.openxmlformats.org/drawingml/2006/table">
@@ -14108,7 +14108,7 @@
                       <a:pPr algn="ctr"/>
                       <a:r>
                         <a:rPr lang="en-US" dirty="0"/>
-                        <a:t>3 – Now on Squad 1</a:t>
+                        <a:t>3</a:t>
                       </a:r>
                     </a:p>
                   </a:txBody>
@@ -14177,7 +14177,7 @@
                           <a:effectLst/>
                           <a:latin typeface="+mn-lt"/>
                         </a:rPr>
-                        <a:t>Dave Wentzel</a:t>
+                        <a:t>Coach</a:t>
                       </a:r>
                     </a:p>
                   </a:txBody>
@@ -14197,7 +14197,7 @@
                           <a:effectLst/>
                           <a:latin typeface="+mn-lt"/>
                         </a:rPr>
-                        <a:t>Rowland Gosling</a:t>
+                        <a:t>Coach</a:t>
                       </a:r>
                     </a:p>
                   </a:txBody>
@@ -14217,7 +14217,43 @@
                           <a:effectLst/>
                           <a:latin typeface="+mn-lt"/>
                         </a:rPr>
-                        <a:t>Mark Badger</a:t>
+                        <a:t>Coach</a:t>
+                      </a:r>
+                    </a:p>
+                  </a:txBody>
+                  <a:tcPr marL="4763" marR="4763" marT="4763" marB="0" anchor="ctr"/>
+                </a:tc>
+                <a:tc>
+                  <a:txBody>
+                    <a:bodyPr/>
+                    <a:lstStyle/>
+                    <a:p>
+                      <a:pPr marL="0" marR="0" lvl="0" indent="0" algn="ctr" defTabSz="914400" rtl="0" eaLnBrk="1" fontAlgn="b" latinLnBrk="0" hangingPunct="1">
+                        <a:lnSpc>
+                          <a:spcPct val="100000"/>
+                        </a:lnSpc>
+                        <a:spcBef>
+                          <a:spcPts val="0"/>
+                        </a:spcBef>
+                        <a:spcAft>
+                          <a:spcPts val="0"/>
+                        </a:spcAft>
+                        <a:buClrTx/>
+                        <a:buSzTx/>
+                        <a:buFontTx/>
+                        <a:buNone/>
+                        <a:tabLst/>
+                        <a:defRPr/>
+                      </a:pPr>
+                      <a:r>
+                        <a:rPr lang="en-US" sz="1400" b="1" i="0" u="none" strike="noStrike" dirty="0">
+                          <a:solidFill>
+                            <a:srgbClr val="000000"/>
+                          </a:solidFill>
+                          <a:effectLst/>
+                          <a:latin typeface="+mn-lt"/>
+                        </a:rPr>
+                        <a:t>Coach</a:t>
                       </a:r>
                     </a:p>
                   </a:txBody>
@@ -14237,7 +14273,7 @@
                           <a:effectLst/>
                           <a:latin typeface="+mn-lt"/>
                         </a:rPr>
-                        <a:t>James Xu</a:t>
+                        <a:t>Coach</a:t>
                       </a:r>
                     </a:p>
                   </a:txBody>
@@ -14257,45 +14293,8 @@
                           <a:effectLst/>
                           <a:latin typeface="+mn-lt"/>
                         </a:rPr>
-                        <a:t>Nilendra Singh / Jack Bender</a:t>
+                        <a:t>Coach</a:t>
                       </a:r>
-                    </a:p>
-                  </a:txBody>
-                  <a:tcPr marL="4763" marR="4763" marT="4763" marB="0" anchor="ctr"/>
-                </a:tc>
-                <a:tc>
-                  <a:txBody>
-                    <a:bodyPr/>
-                    <a:lstStyle/>
-                    <a:p>
-                      <a:pPr algn="ctr" fontAlgn="b"/>
-                      <a:r>
-                        <a:rPr lang="en-US" sz="1400" b="1" i="0" u="none" strike="noStrike" dirty="0">
-                          <a:solidFill>
-                            <a:srgbClr val="000000"/>
-                          </a:solidFill>
-                          <a:effectLst/>
-                          <a:latin typeface="+mn-lt"/>
-                        </a:rPr>
-                        <a:t>Farhan </a:t>
-                      </a:r>
-                      <a:r>
-                        <a:rPr lang="en-US" sz="1400" b="1" i="0" u="none" strike="noStrike" dirty="0" err="1">
-                          <a:solidFill>
-                            <a:srgbClr val="000000"/>
-                          </a:solidFill>
-                          <a:effectLst/>
-                          <a:latin typeface="+mn-lt"/>
-                        </a:rPr>
-                        <a:t>Arif</a:t>
-                      </a:r>
-                      <a:endParaRPr lang="en-US" sz="1400" b="1" i="0" u="none" strike="noStrike" dirty="0">
-                        <a:solidFill>
-                          <a:srgbClr val="000000"/>
-                        </a:solidFill>
-                        <a:effectLst/>
-                        <a:latin typeface="+mn-lt"/>
-                      </a:endParaRPr>
                     </a:p>
                   </a:txBody>
                   <a:tcPr marL="4763" marR="4763" marT="4763" marB="0" anchor="ctr"/>
@@ -14314,14 +14313,14 @@
                     <a:p>
                       <a:pPr algn="ctr" fontAlgn="b"/>
                       <a:r>
-                        <a:rPr lang="en-US" sz="1400" b="0" i="0" u="none" strike="noStrike">
+                        <a:rPr lang="en-US" sz="1400" b="0" i="0" u="none" strike="noStrike" dirty="0">
                           <a:solidFill>
                             <a:srgbClr val="000000"/>
                           </a:solidFill>
                           <a:effectLst/>
                           <a:latin typeface="+mn-lt"/>
                         </a:rPr>
-                        <a:t>Amish Sinha</a:t>
+                        <a:t>Attendee</a:t>
                       </a:r>
                     </a:p>
                   </a:txBody>
@@ -14332,17 +14331,54 @@
                     <a:bodyPr/>
                     <a:lstStyle/>
                     <a:p>
-                      <a:pPr algn="ctr" fontAlgn="b"/>
+                      <a:pPr marL="0" marR="0" lvl="0" indent="0" algn="ctr" defTabSz="914400" rtl="0" eaLnBrk="1" fontAlgn="b" latinLnBrk="0" hangingPunct="1">
+                        <a:lnSpc>
+                          <a:spcPct val="100000"/>
+                        </a:lnSpc>
+                        <a:spcBef>
+                          <a:spcPts val="0"/>
+                        </a:spcBef>
+                        <a:spcAft>
+                          <a:spcPts val="0"/>
+                        </a:spcAft>
+                        <a:buClrTx/>
+                        <a:buSzTx/>
+                        <a:buFontTx/>
+                        <a:buNone/>
+                        <a:tabLst/>
+                        <a:defRPr/>
+                      </a:pPr>
                       <a:r>
-                        <a:rPr lang="en-US" sz="1400" b="0" i="0" u="none" strike="noStrike">
+                        <a:rPr kumimoji="0" lang="en-US" sz="1400" b="0" i="0" u="none" strike="noStrike" kern="1200" cap="none" spc="0" normalizeH="0" baseline="0" noProof="0">
+                          <a:ln>
+                            <a:noFill/>
+                          </a:ln>
                           <a:solidFill>
                             <a:srgbClr val="000000"/>
                           </a:solidFill>
                           <a:effectLst/>
-                          <a:latin typeface="Candara" panose="020E0502030303020204" pitchFamily="34" charset="0"/>
+                          <a:uLnTx/>
+                          <a:uFillTx/>
+                          <a:latin typeface="Candara"/>
+                          <a:ea typeface="+mn-ea"/>
+                          <a:cs typeface="+mn-cs"/>
                         </a:rPr>
-                        <a:t>Alan Kleinert</a:t>
+                        <a:t>Attendee</a:t>
                       </a:r>
+                      <a:endParaRPr kumimoji="0" lang="en-US" sz="1400" b="0" i="0" u="none" strike="noStrike" kern="1200" cap="none" spc="0" normalizeH="0" baseline="0" noProof="0" dirty="0">
+                        <a:ln>
+                          <a:noFill/>
+                        </a:ln>
+                        <a:solidFill>
+                          <a:srgbClr val="000000"/>
+                        </a:solidFill>
+                        <a:effectLst/>
+                        <a:uLnTx/>
+                        <a:uFillTx/>
+                        <a:latin typeface="Candara"/>
+                        <a:ea typeface="+mn-ea"/>
+                        <a:cs typeface="+mn-cs"/>
+                      </a:endParaRPr>
                     </a:p>
                   </a:txBody>
                   <a:tcPr marL="4763" marR="4763" marT="4763" marB="0" anchor="b"/>
@@ -14352,27 +14388,54 @@
                     <a:bodyPr/>
                     <a:lstStyle/>
                     <a:p>
-                      <a:pPr algn="ctr" fontAlgn="b"/>
+                      <a:pPr marL="0" marR="0" lvl="0" indent="0" algn="ctr" defTabSz="914400" rtl="0" eaLnBrk="1" fontAlgn="b" latinLnBrk="0" hangingPunct="1">
+                        <a:lnSpc>
+                          <a:spcPct val="100000"/>
+                        </a:lnSpc>
+                        <a:spcBef>
+                          <a:spcPts val="0"/>
+                        </a:spcBef>
+                        <a:spcAft>
+                          <a:spcPts val="0"/>
+                        </a:spcAft>
+                        <a:buClrTx/>
+                        <a:buSzTx/>
+                        <a:buFontTx/>
+                        <a:buNone/>
+                        <a:tabLst/>
+                        <a:defRPr/>
+                      </a:pPr>
                       <a:r>
-                        <a:rPr lang="en-US" sz="1400" b="0" i="0" u="none" strike="noStrike" dirty="0" err="1">
+                        <a:rPr kumimoji="0" lang="en-US" sz="1400" b="0" i="0" u="none" strike="noStrike" kern="1200" cap="none" spc="0" normalizeH="0" baseline="0" noProof="0">
+                          <a:ln>
+                            <a:noFill/>
+                          </a:ln>
                           <a:solidFill>
                             <a:srgbClr val="000000"/>
                           </a:solidFill>
                           <a:effectLst/>
-                          <a:latin typeface="Candara" panose="020E0502030303020204" pitchFamily="34" charset="0"/>
+                          <a:uLnTx/>
+                          <a:uFillTx/>
+                          <a:latin typeface="Candara"/>
+                          <a:ea typeface="+mn-ea"/>
+                          <a:cs typeface="+mn-cs"/>
                         </a:rPr>
-                        <a:t>Dhanaji</a:t>
+                        <a:t>Attendee</a:t>
                       </a:r>
-                      <a:r>
-                        <a:rPr lang="en-US" sz="1400" b="0" i="0" u="none" strike="noStrike" dirty="0">
-                          <a:solidFill>
-                            <a:srgbClr val="000000"/>
-                          </a:solidFill>
-                          <a:effectLst/>
-                          <a:latin typeface="Candara" panose="020E0502030303020204" pitchFamily="34" charset="0"/>
-                        </a:rPr>
-                        <a:t> More</a:t>
-                      </a:r>
+                      <a:endParaRPr kumimoji="0" lang="en-US" sz="1400" b="0" i="0" u="none" strike="noStrike" kern="1200" cap="none" spc="0" normalizeH="0" baseline="0" noProof="0" dirty="0">
+                        <a:ln>
+                          <a:noFill/>
+                        </a:ln>
+                        <a:solidFill>
+                          <a:srgbClr val="000000"/>
+                        </a:solidFill>
+                        <a:effectLst/>
+                        <a:uLnTx/>
+                        <a:uFillTx/>
+                        <a:latin typeface="Candara"/>
+                        <a:ea typeface="+mn-ea"/>
+                        <a:cs typeface="+mn-cs"/>
+                      </a:endParaRPr>
                     </a:p>
                   </a:txBody>
                   <a:tcPr marL="4763" marR="4763" marT="4763" marB="0" anchor="b"/>
@@ -14382,17 +14445,54 @@
                     <a:bodyPr/>
                     <a:lstStyle/>
                     <a:p>
-                      <a:pPr algn="ctr" fontAlgn="b"/>
+                      <a:pPr marL="0" marR="0" lvl="0" indent="0" algn="ctr" defTabSz="914400" rtl="0" eaLnBrk="1" fontAlgn="b" latinLnBrk="0" hangingPunct="1">
+                        <a:lnSpc>
+                          <a:spcPct val="100000"/>
+                        </a:lnSpc>
+                        <a:spcBef>
+                          <a:spcPts val="0"/>
+                        </a:spcBef>
+                        <a:spcAft>
+                          <a:spcPts val="0"/>
+                        </a:spcAft>
+                        <a:buClrTx/>
+                        <a:buSzTx/>
+                        <a:buFontTx/>
+                        <a:buNone/>
+                        <a:tabLst/>
+                        <a:defRPr/>
+                      </a:pPr>
                       <a:r>
-                        <a:rPr lang="en-US" sz="1400" b="0" i="0" u="none" strike="noStrike">
+                        <a:rPr kumimoji="0" lang="en-US" sz="1400" b="0" i="0" u="none" strike="noStrike" kern="1200" cap="none" spc="0" normalizeH="0" baseline="0" noProof="0">
+                          <a:ln>
+                            <a:noFill/>
+                          </a:ln>
                           <a:solidFill>
                             <a:srgbClr val="000000"/>
                           </a:solidFill>
                           <a:effectLst/>
-                          <a:latin typeface="Candara" panose="020E0502030303020204" pitchFamily="34" charset="0"/>
+                          <a:uLnTx/>
+                          <a:uFillTx/>
+                          <a:latin typeface="Candara"/>
+                          <a:ea typeface="+mn-ea"/>
+                          <a:cs typeface="+mn-cs"/>
                         </a:rPr>
-                        <a:t>Morgan Chesnicka</a:t>
+                        <a:t>Attendee</a:t>
                       </a:r>
+                      <a:endParaRPr kumimoji="0" lang="en-US" sz="1400" b="0" i="0" u="none" strike="noStrike" kern="1200" cap="none" spc="0" normalizeH="0" baseline="0" noProof="0" dirty="0">
+                        <a:ln>
+                          <a:noFill/>
+                        </a:ln>
+                        <a:solidFill>
+                          <a:srgbClr val="000000"/>
+                        </a:solidFill>
+                        <a:effectLst/>
+                        <a:uLnTx/>
+                        <a:uFillTx/>
+                        <a:latin typeface="Candara"/>
+                        <a:ea typeface="+mn-ea"/>
+                        <a:cs typeface="+mn-cs"/>
+                      </a:endParaRPr>
                     </a:p>
                   </a:txBody>
                   <a:tcPr marL="4763" marR="4763" marT="4763" marB="0" anchor="b"/>
@@ -14402,17 +14502,54 @@
                     <a:bodyPr/>
                     <a:lstStyle/>
                     <a:p>
-                      <a:pPr algn="ctr" fontAlgn="b"/>
+                      <a:pPr marL="0" marR="0" lvl="0" indent="0" algn="ctr" defTabSz="914400" rtl="0" eaLnBrk="1" fontAlgn="b" latinLnBrk="0" hangingPunct="1">
+                        <a:lnSpc>
+                          <a:spcPct val="100000"/>
+                        </a:lnSpc>
+                        <a:spcBef>
+                          <a:spcPts val="0"/>
+                        </a:spcBef>
+                        <a:spcAft>
+                          <a:spcPts val="0"/>
+                        </a:spcAft>
+                        <a:buClrTx/>
+                        <a:buSzTx/>
+                        <a:buFontTx/>
+                        <a:buNone/>
+                        <a:tabLst/>
+                        <a:defRPr/>
+                      </a:pPr>
                       <a:r>
-                        <a:rPr lang="en-US" sz="1400" b="0" i="0" u="none" strike="noStrike">
+                        <a:rPr kumimoji="0" lang="en-US" sz="1400" b="0" i="0" u="none" strike="noStrike" kern="1200" cap="none" spc="0" normalizeH="0" baseline="0" noProof="0">
+                          <a:ln>
+                            <a:noFill/>
+                          </a:ln>
                           <a:solidFill>
                             <a:srgbClr val="000000"/>
                           </a:solidFill>
                           <a:effectLst/>
-                          <a:latin typeface="Candara" panose="020E0502030303020204" pitchFamily="34" charset="0"/>
+                          <a:uLnTx/>
+                          <a:uFillTx/>
+                          <a:latin typeface="Candara"/>
+                          <a:ea typeface="+mn-ea"/>
+                          <a:cs typeface="+mn-cs"/>
                         </a:rPr>
-                        <a:t>Angela Kunanbaeva</a:t>
+                        <a:t>Attendee</a:t>
                       </a:r>
+                      <a:endParaRPr kumimoji="0" lang="en-US" sz="1400" b="0" i="0" u="none" strike="noStrike" kern="1200" cap="none" spc="0" normalizeH="0" baseline="0" noProof="0" dirty="0">
+                        <a:ln>
+                          <a:noFill/>
+                        </a:ln>
+                        <a:solidFill>
+                          <a:srgbClr val="000000"/>
+                        </a:solidFill>
+                        <a:effectLst/>
+                        <a:uLnTx/>
+                        <a:uFillTx/>
+                        <a:latin typeface="Candara"/>
+                        <a:ea typeface="+mn-ea"/>
+                        <a:cs typeface="+mn-cs"/>
+                      </a:endParaRPr>
                     </a:p>
                   </a:txBody>
                   <a:tcPr marL="4763" marR="4763" marT="4763" marB="0" anchor="b"/>
@@ -14422,17 +14559,54 @@
                     <a:bodyPr/>
                     <a:lstStyle/>
                     <a:p>
-                      <a:pPr algn="l" fontAlgn="b"/>
+                      <a:pPr marL="0" marR="0" lvl="0" indent="0" algn="ctr" defTabSz="914400" rtl="0" eaLnBrk="1" fontAlgn="b" latinLnBrk="0" hangingPunct="1">
+                        <a:lnSpc>
+                          <a:spcPct val="100000"/>
+                        </a:lnSpc>
+                        <a:spcBef>
+                          <a:spcPts val="0"/>
+                        </a:spcBef>
+                        <a:spcAft>
+                          <a:spcPts val="0"/>
+                        </a:spcAft>
+                        <a:buClrTx/>
+                        <a:buSzTx/>
+                        <a:buFontTx/>
+                        <a:buNone/>
+                        <a:tabLst/>
+                        <a:defRPr/>
+                      </a:pPr>
                       <a:r>
-                        <a:rPr lang="en-US" sz="1400" b="0" i="0" u="none" strike="noStrike">
+                        <a:rPr kumimoji="0" lang="en-US" sz="1400" b="0" i="0" u="none" strike="noStrike" kern="1200" cap="none" spc="0" normalizeH="0" baseline="0" noProof="0">
+                          <a:ln>
+                            <a:noFill/>
+                          </a:ln>
                           <a:solidFill>
                             <a:srgbClr val="000000"/>
                           </a:solidFill>
                           <a:effectLst/>
-                          <a:latin typeface="+mn-lt"/>
+                          <a:uLnTx/>
+                          <a:uFillTx/>
+                          <a:latin typeface="Candara"/>
+                          <a:ea typeface="+mn-ea"/>
+                          <a:cs typeface="+mn-cs"/>
                         </a:rPr>
-                        <a:t>Armando Marrero</a:t>
+                        <a:t>Attendee</a:t>
                       </a:r>
+                      <a:endParaRPr kumimoji="0" lang="en-US" sz="1400" b="0" i="0" u="none" strike="noStrike" kern="1200" cap="none" spc="0" normalizeH="0" baseline="0" noProof="0" dirty="0">
+                        <a:ln>
+                          <a:noFill/>
+                        </a:ln>
+                        <a:solidFill>
+                          <a:srgbClr val="000000"/>
+                        </a:solidFill>
+                        <a:effectLst/>
+                        <a:uLnTx/>
+                        <a:uFillTx/>
+                        <a:latin typeface="Candara"/>
+                        <a:ea typeface="+mn-ea"/>
+                        <a:cs typeface="+mn-cs"/>
+                      </a:endParaRPr>
                     </a:p>
                   </a:txBody>
                   <a:tcPr marL="4763" marR="4763" marT="4763" marB="0" anchor="b"/>
@@ -14449,17 +14623,54 @@
                     <a:bodyPr/>
                     <a:lstStyle/>
                     <a:p>
-                      <a:pPr algn="ctr" fontAlgn="b"/>
+                      <a:pPr marL="0" marR="0" lvl="0" indent="0" algn="ctr" defTabSz="914400" rtl="0" eaLnBrk="1" fontAlgn="b" latinLnBrk="0" hangingPunct="1">
+                        <a:lnSpc>
+                          <a:spcPct val="100000"/>
+                        </a:lnSpc>
+                        <a:spcBef>
+                          <a:spcPts val="0"/>
+                        </a:spcBef>
+                        <a:spcAft>
+                          <a:spcPts val="0"/>
+                        </a:spcAft>
+                        <a:buClrTx/>
+                        <a:buSzTx/>
+                        <a:buFontTx/>
+                        <a:buNone/>
+                        <a:tabLst/>
+                        <a:defRPr/>
+                      </a:pPr>
                       <a:r>
-                        <a:rPr lang="en-US" sz="1400" b="0" i="0" u="none" strike="noStrike">
+                        <a:rPr kumimoji="0" lang="en-US" sz="1400" b="0" i="0" u="none" strike="noStrike" kern="1200" cap="none" spc="0" normalizeH="0" baseline="0" noProof="0">
+                          <a:ln>
+                            <a:noFill/>
+                          </a:ln>
                           <a:solidFill>
                             <a:srgbClr val="000000"/>
                           </a:solidFill>
                           <a:effectLst/>
-                          <a:latin typeface="+mn-lt"/>
+                          <a:uLnTx/>
+                          <a:uFillTx/>
+                          <a:latin typeface="Candara"/>
+                          <a:ea typeface="+mn-ea"/>
+                          <a:cs typeface="+mn-cs"/>
                         </a:rPr>
-                        <a:t>David Azofeifa</a:t>
+                        <a:t>Attendee</a:t>
                       </a:r>
+                      <a:endParaRPr kumimoji="0" lang="en-US" sz="1400" b="0" i="0" u="none" strike="noStrike" kern="1200" cap="none" spc="0" normalizeH="0" baseline="0" noProof="0" dirty="0">
+                        <a:ln>
+                          <a:noFill/>
+                        </a:ln>
+                        <a:solidFill>
+                          <a:srgbClr val="000000"/>
+                        </a:solidFill>
+                        <a:effectLst/>
+                        <a:uLnTx/>
+                        <a:uFillTx/>
+                        <a:latin typeface="Candara"/>
+                        <a:ea typeface="+mn-ea"/>
+                        <a:cs typeface="+mn-cs"/>
+                      </a:endParaRPr>
                     </a:p>
                   </a:txBody>
                   <a:tcPr marL="4763" marR="4763" marT="4763" marB="0" anchor="b"/>
@@ -14469,17 +14680,54 @@
                     <a:bodyPr/>
                     <a:lstStyle/>
                     <a:p>
-                      <a:pPr algn="ctr" fontAlgn="b"/>
+                      <a:pPr marL="0" marR="0" lvl="0" indent="0" algn="ctr" defTabSz="914400" rtl="0" eaLnBrk="1" fontAlgn="b" latinLnBrk="0" hangingPunct="1">
+                        <a:lnSpc>
+                          <a:spcPct val="100000"/>
+                        </a:lnSpc>
+                        <a:spcBef>
+                          <a:spcPts val="0"/>
+                        </a:spcBef>
+                        <a:spcAft>
+                          <a:spcPts val="0"/>
+                        </a:spcAft>
+                        <a:buClrTx/>
+                        <a:buSzTx/>
+                        <a:buFontTx/>
+                        <a:buNone/>
+                        <a:tabLst/>
+                        <a:defRPr/>
+                      </a:pPr>
                       <a:r>
-                        <a:rPr lang="en-US" sz="1400" b="0" i="0" u="none" strike="noStrike">
+                        <a:rPr kumimoji="0" lang="en-US" sz="1400" b="0" i="0" u="none" strike="noStrike" kern="1200" cap="none" spc="0" normalizeH="0" baseline="0" noProof="0">
+                          <a:ln>
+                            <a:noFill/>
+                          </a:ln>
                           <a:solidFill>
                             <a:srgbClr val="000000"/>
                           </a:solidFill>
                           <a:effectLst/>
-                          <a:latin typeface="Candara" panose="020E0502030303020204" pitchFamily="34" charset="0"/>
+                          <a:uLnTx/>
+                          <a:uFillTx/>
+                          <a:latin typeface="Candara"/>
+                          <a:ea typeface="+mn-ea"/>
+                          <a:cs typeface="+mn-cs"/>
                         </a:rPr>
-                        <a:t>Bishnu Agrawal</a:t>
+                        <a:t>Attendee</a:t>
                       </a:r>
+                      <a:endParaRPr kumimoji="0" lang="en-US" sz="1400" b="0" i="0" u="none" strike="noStrike" kern="1200" cap="none" spc="0" normalizeH="0" baseline="0" noProof="0" dirty="0">
+                        <a:ln>
+                          <a:noFill/>
+                        </a:ln>
+                        <a:solidFill>
+                          <a:srgbClr val="000000"/>
+                        </a:solidFill>
+                        <a:effectLst/>
+                        <a:uLnTx/>
+                        <a:uFillTx/>
+                        <a:latin typeface="Candara"/>
+                        <a:ea typeface="+mn-ea"/>
+                        <a:cs typeface="+mn-cs"/>
+                      </a:endParaRPr>
                     </a:p>
                   </a:txBody>
                   <a:tcPr marL="4763" marR="4763" marT="4763" marB="0" anchor="b"/>
@@ -14489,17 +14737,54 @@
                     <a:bodyPr/>
                     <a:lstStyle/>
                     <a:p>
-                      <a:pPr algn="ctr" fontAlgn="b"/>
+                      <a:pPr marL="0" marR="0" lvl="0" indent="0" algn="ctr" defTabSz="914400" rtl="0" eaLnBrk="1" fontAlgn="b" latinLnBrk="0" hangingPunct="1">
+                        <a:lnSpc>
+                          <a:spcPct val="100000"/>
+                        </a:lnSpc>
+                        <a:spcBef>
+                          <a:spcPts val="0"/>
+                        </a:spcBef>
+                        <a:spcAft>
+                          <a:spcPts val="0"/>
+                        </a:spcAft>
+                        <a:buClrTx/>
+                        <a:buSzTx/>
+                        <a:buFontTx/>
+                        <a:buNone/>
+                        <a:tabLst/>
+                        <a:defRPr/>
+                      </a:pPr>
                       <a:r>
-                        <a:rPr lang="en-US" sz="1400" b="0" i="0" u="none" strike="noStrike" dirty="0">
+                        <a:rPr kumimoji="0" lang="en-US" sz="1400" b="0" i="0" u="none" strike="noStrike" kern="1200" cap="none" spc="0" normalizeH="0" baseline="0" noProof="0">
+                          <a:ln>
+                            <a:noFill/>
+                          </a:ln>
                           <a:solidFill>
                             <a:srgbClr val="000000"/>
                           </a:solidFill>
                           <a:effectLst/>
-                          <a:latin typeface="Candara" panose="020E0502030303020204" pitchFamily="34" charset="0"/>
+                          <a:uLnTx/>
+                          <a:uFillTx/>
+                          <a:latin typeface="Candara"/>
+                          <a:ea typeface="+mn-ea"/>
+                          <a:cs typeface="+mn-cs"/>
                         </a:rPr>
-                        <a:t>Emily Holloway</a:t>
+                        <a:t>Attendee</a:t>
                       </a:r>
+                      <a:endParaRPr kumimoji="0" lang="en-US" sz="1400" b="0" i="0" u="none" strike="noStrike" kern="1200" cap="none" spc="0" normalizeH="0" baseline="0" noProof="0" dirty="0">
+                        <a:ln>
+                          <a:noFill/>
+                        </a:ln>
+                        <a:solidFill>
+                          <a:srgbClr val="000000"/>
+                        </a:solidFill>
+                        <a:effectLst/>
+                        <a:uLnTx/>
+                        <a:uFillTx/>
+                        <a:latin typeface="Candara"/>
+                        <a:ea typeface="+mn-ea"/>
+                        <a:cs typeface="+mn-cs"/>
+                      </a:endParaRPr>
                     </a:p>
                   </a:txBody>
                   <a:tcPr marL="4763" marR="4763" marT="4763" marB="0" anchor="b"/>
@@ -14509,17 +14794,54 @@
                     <a:bodyPr/>
                     <a:lstStyle/>
                     <a:p>
-                      <a:pPr algn="ctr" fontAlgn="b"/>
+                      <a:pPr marL="0" marR="0" lvl="0" indent="0" algn="ctr" defTabSz="914400" rtl="0" eaLnBrk="1" fontAlgn="b" latinLnBrk="0" hangingPunct="1">
+                        <a:lnSpc>
+                          <a:spcPct val="100000"/>
+                        </a:lnSpc>
+                        <a:spcBef>
+                          <a:spcPts val="0"/>
+                        </a:spcBef>
+                        <a:spcAft>
+                          <a:spcPts val="0"/>
+                        </a:spcAft>
+                        <a:buClrTx/>
+                        <a:buSzTx/>
+                        <a:buFontTx/>
+                        <a:buNone/>
+                        <a:tabLst/>
+                        <a:defRPr/>
+                      </a:pPr>
                       <a:r>
-                        <a:rPr lang="en-US" sz="1400" b="0" i="0" u="none" strike="noStrike" dirty="0">
+                        <a:rPr kumimoji="0" lang="en-US" sz="1400" b="0" i="0" u="none" strike="noStrike" kern="1200" cap="none" spc="0" normalizeH="0" baseline="0" noProof="0">
+                          <a:ln>
+                            <a:noFill/>
+                          </a:ln>
                           <a:solidFill>
                             <a:srgbClr val="000000"/>
                           </a:solidFill>
                           <a:effectLst/>
-                          <a:latin typeface="Candara" panose="020E0502030303020204" pitchFamily="34" charset="0"/>
+                          <a:uLnTx/>
+                          <a:uFillTx/>
+                          <a:latin typeface="Candara"/>
+                          <a:ea typeface="+mn-ea"/>
+                          <a:cs typeface="+mn-cs"/>
                         </a:rPr>
-                        <a:t>Peter Tassmer</a:t>
+                        <a:t>Attendee</a:t>
                       </a:r>
+                      <a:endParaRPr kumimoji="0" lang="en-US" sz="1400" b="0" i="0" u="none" strike="noStrike" kern="1200" cap="none" spc="0" normalizeH="0" baseline="0" noProof="0" dirty="0">
+                        <a:ln>
+                          <a:noFill/>
+                        </a:ln>
+                        <a:solidFill>
+                          <a:srgbClr val="000000"/>
+                        </a:solidFill>
+                        <a:effectLst/>
+                        <a:uLnTx/>
+                        <a:uFillTx/>
+                        <a:latin typeface="Candara"/>
+                        <a:ea typeface="+mn-ea"/>
+                        <a:cs typeface="+mn-cs"/>
+                      </a:endParaRPr>
                     </a:p>
                   </a:txBody>
                   <a:tcPr marL="4763" marR="4763" marT="4763" marB="0" anchor="b"/>
@@ -14529,17 +14851,54 @@
                     <a:bodyPr/>
                     <a:lstStyle/>
                     <a:p>
-                      <a:pPr algn="ctr" fontAlgn="b"/>
+                      <a:pPr marL="0" marR="0" lvl="0" indent="0" algn="ctr" defTabSz="914400" rtl="0" eaLnBrk="1" fontAlgn="b" latinLnBrk="0" hangingPunct="1">
+                        <a:lnSpc>
+                          <a:spcPct val="100000"/>
+                        </a:lnSpc>
+                        <a:spcBef>
+                          <a:spcPts val="0"/>
+                        </a:spcBef>
+                        <a:spcAft>
+                          <a:spcPts val="0"/>
+                        </a:spcAft>
+                        <a:buClrTx/>
+                        <a:buSzTx/>
+                        <a:buFontTx/>
+                        <a:buNone/>
+                        <a:tabLst/>
+                        <a:defRPr/>
+                      </a:pPr>
                       <a:r>
-                        <a:rPr lang="en-US" sz="1400" b="0" i="0" u="none" strike="noStrike" dirty="0">
+                        <a:rPr kumimoji="0" lang="en-US" sz="1400" b="0" i="0" u="none" strike="noStrike" kern="1200" cap="none" spc="0" normalizeH="0" baseline="0" noProof="0">
+                          <a:ln>
+                            <a:noFill/>
+                          </a:ln>
                           <a:solidFill>
                             <a:srgbClr val="000000"/>
                           </a:solidFill>
                           <a:effectLst/>
-                          <a:latin typeface="Candara" panose="020E0502030303020204" pitchFamily="34" charset="0"/>
+                          <a:uLnTx/>
+                          <a:uFillTx/>
+                          <a:latin typeface="Candara"/>
+                          <a:ea typeface="+mn-ea"/>
+                          <a:cs typeface="+mn-cs"/>
                         </a:rPr>
-                        <a:t>Cameron Kahrs</a:t>
+                        <a:t>Attendee</a:t>
                       </a:r>
+                      <a:endParaRPr kumimoji="0" lang="en-US" sz="1400" b="0" i="0" u="none" strike="noStrike" kern="1200" cap="none" spc="0" normalizeH="0" baseline="0" noProof="0" dirty="0">
+                        <a:ln>
+                          <a:noFill/>
+                        </a:ln>
+                        <a:solidFill>
+                          <a:srgbClr val="000000"/>
+                        </a:solidFill>
+                        <a:effectLst/>
+                        <a:uLnTx/>
+                        <a:uFillTx/>
+                        <a:latin typeface="Candara"/>
+                        <a:ea typeface="+mn-ea"/>
+                        <a:cs typeface="+mn-cs"/>
+                      </a:endParaRPr>
                     </a:p>
                   </a:txBody>
                   <a:tcPr marL="4763" marR="4763" marT="4763" marB="0" anchor="b"/>
@@ -14549,17 +14908,54 @@
                     <a:bodyPr/>
                     <a:lstStyle/>
                     <a:p>
-                      <a:pPr algn="l" fontAlgn="b"/>
+                      <a:pPr marL="0" marR="0" lvl="0" indent="0" algn="ctr" defTabSz="914400" rtl="0" eaLnBrk="1" fontAlgn="b" latinLnBrk="0" hangingPunct="1">
+                        <a:lnSpc>
+                          <a:spcPct val="100000"/>
+                        </a:lnSpc>
+                        <a:spcBef>
+                          <a:spcPts val="0"/>
+                        </a:spcBef>
+                        <a:spcAft>
+                          <a:spcPts val="0"/>
+                        </a:spcAft>
+                        <a:buClrTx/>
+                        <a:buSzTx/>
+                        <a:buFontTx/>
+                        <a:buNone/>
+                        <a:tabLst/>
+                        <a:defRPr/>
+                      </a:pPr>
                       <a:r>
-                        <a:rPr lang="en-US" sz="1400" b="0" i="0" u="none" strike="noStrike">
+                        <a:rPr kumimoji="0" lang="en-US" sz="1400" b="0" i="0" u="none" strike="noStrike" kern="1200" cap="none" spc="0" normalizeH="0" baseline="0" noProof="0">
+                          <a:ln>
+                            <a:noFill/>
+                          </a:ln>
                           <a:solidFill>
                             <a:srgbClr val="000000"/>
                           </a:solidFill>
                           <a:effectLst/>
-                          <a:latin typeface="+mn-lt"/>
+                          <a:uLnTx/>
+                          <a:uFillTx/>
+                          <a:latin typeface="Candara"/>
+                          <a:ea typeface="+mn-ea"/>
+                          <a:cs typeface="+mn-cs"/>
                         </a:rPr>
-                        <a:t>Bryce Williams</a:t>
+                        <a:t>Attendee</a:t>
                       </a:r>
+                      <a:endParaRPr kumimoji="0" lang="en-US" sz="1400" b="0" i="0" u="none" strike="noStrike" kern="1200" cap="none" spc="0" normalizeH="0" baseline="0" noProof="0" dirty="0">
+                        <a:ln>
+                          <a:noFill/>
+                        </a:ln>
+                        <a:solidFill>
+                          <a:srgbClr val="000000"/>
+                        </a:solidFill>
+                        <a:effectLst/>
+                        <a:uLnTx/>
+                        <a:uFillTx/>
+                        <a:latin typeface="Candara"/>
+                        <a:ea typeface="+mn-ea"/>
+                        <a:cs typeface="+mn-cs"/>
+                      </a:endParaRPr>
                     </a:p>
                   </a:txBody>
                   <a:tcPr marL="4763" marR="4763" marT="4763" marB="0" anchor="b"/>
@@ -14576,17 +14972,54 @@
                     <a:bodyPr/>
                     <a:lstStyle/>
                     <a:p>
-                      <a:pPr algn="ctr" fontAlgn="b"/>
+                      <a:pPr marL="0" marR="0" lvl="0" indent="0" algn="ctr" defTabSz="914400" rtl="0" eaLnBrk="1" fontAlgn="b" latinLnBrk="0" hangingPunct="1">
+                        <a:lnSpc>
+                          <a:spcPct val="100000"/>
+                        </a:lnSpc>
+                        <a:spcBef>
+                          <a:spcPts val="0"/>
+                        </a:spcBef>
+                        <a:spcAft>
+                          <a:spcPts val="0"/>
+                        </a:spcAft>
+                        <a:buClrTx/>
+                        <a:buSzTx/>
+                        <a:buFontTx/>
+                        <a:buNone/>
+                        <a:tabLst/>
+                        <a:defRPr/>
+                      </a:pPr>
                       <a:r>
-                        <a:rPr lang="en-US" sz="1400" b="0" i="0" u="none" strike="noStrike">
+                        <a:rPr kumimoji="0" lang="en-US" sz="1400" b="0" i="0" u="none" strike="noStrike" kern="1200" cap="none" spc="0" normalizeH="0" baseline="0" noProof="0">
+                          <a:ln>
+                            <a:noFill/>
+                          </a:ln>
                           <a:solidFill>
                             <a:srgbClr val="000000"/>
                           </a:solidFill>
                           <a:effectLst/>
-                          <a:latin typeface="+mn-lt"/>
+                          <a:uLnTx/>
+                          <a:uFillTx/>
+                          <a:latin typeface="Candara"/>
+                          <a:ea typeface="+mn-ea"/>
+                          <a:cs typeface="+mn-cs"/>
                         </a:rPr>
-                        <a:t>Juichia Che</a:t>
+                        <a:t>Attendee</a:t>
                       </a:r>
+                      <a:endParaRPr kumimoji="0" lang="en-US" sz="1400" b="0" i="0" u="none" strike="noStrike" kern="1200" cap="none" spc="0" normalizeH="0" baseline="0" noProof="0" dirty="0">
+                        <a:ln>
+                          <a:noFill/>
+                        </a:ln>
+                        <a:solidFill>
+                          <a:srgbClr val="000000"/>
+                        </a:solidFill>
+                        <a:effectLst/>
+                        <a:uLnTx/>
+                        <a:uFillTx/>
+                        <a:latin typeface="Candara"/>
+                        <a:ea typeface="+mn-ea"/>
+                        <a:cs typeface="+mn-cs"/>
+                      </a:endParaRPr>
                     </a:p>
                   </a:txBody>
                   <a:tcPr marL="4763" marR="4763" marT="4763" marB="0" anchor="b"/>
@@ -14596,17 +15029,54 @@
                     <a:bodyPr/>
                     <a:lstStyle/>
                     <a:p>
-                      <a:pPr algn="ctr" fontAlgn="b"/>
+                      <a:pPr marL="0" marR="0" lvl="0" indent="0" algn="ctr" defTabSz="914400" rtl="0" eaLnBrk="1" fontAlgn="b" latinLnBrk="0" hangingPunct="1">
+                        <a:lnSpc>
+                          <a:spcPct val="100000"/>
+                        </a:lnSpc>
+                        <a:spcBef>
+                          <a:spcPts val="0"/>
+                        </a:spcBef>
+                        <a:spcAft>
+                          <a:spcPts val="0"/>
+                        </a:spcAft>
+                        <a:buClrTx/>
+                        <a:buSzTx/>
+                        <a:buFontTx/>
+                        <a:buNone/>
+                        <a:tabLst/>
+                        <a:defRPr/>
+                      </a:pPr>
                       <a:r>
-                        <a:rPr lang="en-US" sz="1400" b="0" i="0" u="none" strike="noStrike">
+                        <a:rPr kumimoji="0" lang="en-US" sz="1400" b="0" i="0" u="none" strike="noStrike" kern="1200" cap="none" spc="0" normalizeH="0" baseline="0" noProof="0">
+                          <a:ln>
+                            <a:noFill/>
+                          </a:ln>
                           <a:solidFill>
                             <a:srgbClr val="000000"/>
                           </a:solidFill>
                           <a:effectLst/>
-                          <a:latin typeface="Candara" panose="020E0502030303020204" pitchFamily="34" charset="0"/>
+                          <a:uLnTx/>
+                          <a:uFillTx/>
+                          <a:latin typeface="Candara"/>
+                          <a:ea typeface="+mn-ea"/>
+                          <a:cs typeface="+mn-cs"/>
                         </a:rPr>
-                        <a:t>Ivan Portilla</a:t>
+                        <a:t>Attendee</a:t>
                       </a:r>
+                      <a:endParaRPr kumimoji="0" lang="en-US" sz="1400" b="0" i="0" u="none" strike="noStrike" kern="1200" cap="none" spc="0" normalizeH="0" baseline="0" noProof="0" dirty="0">
+                        <a:ln>
+                          <a:noFill/>
+                        </a:ln>
+                        <a:solidFill>
+                          <a:srgbClr val="000000"/>
+                        </a:solidFill>
+                        <a:effectLst/>
+                        <a:uLnTx/>
+                        <a:uFillTx/>
+                        <a:latin typeface="Candara"/>
+                        <a:ea typeface="+mn-ea"/>
+                        <a:cs typeface="+mn-cs"/>
+                      </a:endParaRPr>
                     </a:p>
                   </a:txBody>
                   <a:tcPr marL="4763" marR="4763" marT="4763" marB="0" anchor="b"/>
@@ -14616,17 +15086,54 @@
                     <a:bodyPr/>
                     <a:lstStyle/>
                     <a:p>
-                      <a:pPr algn="ctr" fontAlgn="b"/>
+                      <a:pPr marL="0" marR="0" lvl="0" indent="0" algn="ctr" defTabSz="914400" rtl="0" eaLnBrk="1" fontAlgn="b" latinLnBrk="0" hangingPunct="1">
+                        <a:lnSpc>
+                          <a:spcPct val="100000"/>
+                        </a:lnSpc>
+                        <a:spcBef>
+                          <a:spcPts val="0"/>
+                        </a:spcBef>
+                        <a:spcAft>
+                          <a:spcPts val="0"/>
+                        </a:spcAft>
+                        <a:buClrTx/>
+                        <a:buSzTx/>
+                        <a:buFontTx/>
+                        <a:buNone/>
+                        <a:tabLst/>
+                        <a:defRPr/>
+                      </a:pPr>
                       <a:r>
-                        <a:rPr lang="en-US" sz="1400" b="0" i="0" u="none" strike="noStrike">
+                        <a:rPr kumimoji="0" lang="en-US" sz="1400" b="0" i="0" u="none" strike="noStrike" kern="1200" cap="none" spc="0" normalizeH="0" baseline="0" noProof="0">
+                          <a:ln>
+                            <a:noFill/>
+                          </a:ln>
                           <a:solidFill>
                             <a:srgbClr val="000000"/>
                           </a:solidFill>
                           <a:effectLst/>
-                          <a:latin typeface="Candara" panose="020E0502030303020204" pitchFamily="34" charset="0"/>
+                          <a:uLnTx/>
+                          <a:uFillTx/>
+                          <a:latin typeface="Candara"/>
+                          <a:ea typeface="+mn-ea"/>
+                          <a:cs typeface="+mn-cs"/>
                         </a:rPr>
-                        <a:t>Melody Yin</a:t>
+                        <a:t>Attendee</a:t>
                       </a:r>
+                      <a:endParaRPr kumimoji="0" lang="en-US" sz="1400" b="0" i="0" u="none" strike="noStrike" kern="1200" cap="none" spc="0" normalizeH="0" baseline="0" noProof="0" dirty="0">
+                        <a:ln>
+                          <a:noFill/>
+                        </a:ln>
+                        <a:solidFill>
+                          <a:srgbClr val="000000"/>
+                        </a:solidFill>
+                        <a:effectLst/>
+                        <a:uLnTx/>
+                        <a:uFillTx/>
+                        <a:latin typeface="Candara"/>
+                        <a:ea typeface="+mn-ea"/>
+                        <a:cs typeface="+mn-cs"/>
+                      </a:endParaRPr>
                     </a:p>
                   </a:txBody>
                   <a:tcPr marL="4763" marR="4763" marT="4763" marB="0" anchor="b"/>
@@ -14636,17 +15143,54 @@
                     <a:bodyPr/>
                     <a:lstStyle/>
                     <a:p>
-                      <a:pPr algn="ctr" fontAlgn="b"/>
+                      <a:pPr marL="0" marR="0" lvl="0" indent="0" algn="ctr" defTabSz="914400" rtl="0" eaLnBrk="1" fontAlgn="b" latinLnBrk="0" hangingPunct="1">
+                        <a:lnSpc>
+                          <a:spcPct val="100000"/>
+                        </a:lnSpc>
+                        <a:spcBef>
+                          <a:spcPts val="0"/>
+                        </a:spcBef>
+                        <a:spcAft>
+                          <a:spcPts val="0"/>
+                        </a:spcAft>
+                        <a:buClrTx/>
+                        <a:buSzTx/>
+                        <a:buFontTx/>
+                        <a:buNone/>
+                        <a:tabLst/>
+                        <a:defRPr/>
+                      </a:pPr>
                       <a:r>
-                        <a:rPr lang="en-US" sz="1400" b="0" i="0" u="none" strike="noStrike" dirty="0">
+                        <a:rPr kumimoji="0" lang="en-US" sz="1400" b="0" i="0" u="none" strike="noStrike" kern="1200" cap="none" spc="0" normalizeH="0" baseline="0" noProof="0">
+                          <a:ln>
+                            <a:noFill/>
+                          </a:ln>
                           <a:solidFill>
                             <a:srgbClr val="000000"/>
                           </a:solidFill>
                           <a:effectLst/>
-                          <a:latin typeface="Candara" panose="020E0502030303020204" pitchFamily="34" charset="0"/>
+                          <a:uLnTx/>
+                          <a:uFillTx/>
+                          <a:latin typeface="Candara"/>
+                          <a:ea typeface="+mn-ea"/>
+                          <a:cs typeface="+mn-cs"/>
                         </a:rPr>
-                        <a:t>Ricardo Marques</a:t>
+                        <a:t>Attendee</a:t>
                       </a:r>
+                      <a:endParaRPr kumimoji="0" lang="en-US" sz="1400" b="0" i="0" u="none" strike="noStrike" kern="1200" cap="none" spc="0" normalizeH="0" baseline="0" noProof="0" dirty="0">
+                        <a:ln>
+                          <a:noFill/>
+                        </a:ln>
+                        <a:solidFill>
+                          <a:srgbClr val="000000"/>
+                        </a:solidFill>
+                        <a:effectLst/>
+                        <a:uLnTx/>
+                        <a:uFillTx/>
+                        <a:latin typeface="Candara"/>
+                        <a:ea typeface="+mn-ea"/>
+                        <a:cs typeface="+mn-cs"/>
+                      </a:endParaRPr>
                     </a:p>
                   </a:txBody>
                   <a:tcPr marL="4763" marR="4763" marT="4763" marB="0" anchor="b"/>
@@ -14656,17 +15200,54 @@
                     <a:bodyPr/>
                     <a:lstStyle/>
                     <a:p>
-                      <a:pPr algn="ctr" fontAlgn="b"/>
+                      <a:pPr marL="0" marR="0" lvl="0" indent="0" algn="ctr" defTabSz="914400" rtl="0" eaLnBrk="1" fontAlgn="b" latinLnBrk="0" hangingPunct="1">
+                        <a:lnSpc>
+                          <a:spcPct val="100000"/>
+                        </a:lnSpc>
+                        <a:spcBef>
+                          <a:spcPts val="0"/>
+                        </a:spcBef>
+                        <a:spcAft>
+                          <a:spcPts val="0"/>
+                        </a:spcAft>
+                        <a:buClrTx/>
+                        <a:buSzTx/>
+                        <a:buFontTx/>
+                        <a:buNone/>
+                        <a:tabLst/>
+                        <a:defRPr/>
+                      </a:pPr>
                       <a:r>
-                        <a:rPr lang="en-US" sz="1400" b="0" i="0" u="none" strike="noStrike" dirty="0">
+                        <a:rPr kumimoji="0" lang="en-US" sz="1400" b="0" i="0" u="none" strike="noStrike" kern="1200" cap="none" spc="0" normalizeH="0" baseline="0" noProof="0">
+                          <a:ln>
+                            <a:noFill/>
+                          </a:ln>
                           <a:solidFill>
                             <a:srgbClr val="000000"/>
                           </a:solidFill>
                           <a:effectLst/>
-                          <a:latin typeface="Candara" panose="020E0502030303020204" pitchFamily="34" charset="0"/>
+                          <a:uLnTx/>
+                          <a:uFillTx/>
+                          <a:latin typeface="Candara"/>
+                          <a:ea typeface="+mn-ea"/>
+                          <a:cs typeface="+mn-cs"/>
                         </a:rPr>
-                        <a:t>Chris Donlan</a:t>
+                        <a:t>Attendee</a:t>
                       </a:r>
+                      <a:endParaRPr kumimoji="0" lang="en-US" sz="1400" b="0" i="0" u="none" strike="noStrike" kern="1200" cap="none" spc="0" normalizeH="0" baseline="0" noProof="0" dirty="0">
+                        <a:ln>
+                          <a:noFill/>
+                        </a:ln>
+                        <a:solidFill>
+                          <a:srgbClr val="000000"/>
+                        </a:solidFill>
+                        <a:effectLst/>
+                        <a:uLnTx/>
+                        <a:uFillTx/>
+                        <a:latin typeface="Candara"/>
+                        <a:ea typeface="+mn-ea"/>
+                        <a:cs typeface="+mn-cs"/>
+                      </a:endParaRPr>
                     </a:p>
                   </a:txBody>
                   <a:tcPr marL="4763" marR="4763" marT="4763" marB="0" anchor="b"/>
@@ -14676,17 +15257,54 @@
                     <a:bodyPr/>
                     <a:lstStyle/>
                     <a:p>
-                      <a:pPr algn="l" fontAlgn="b"/>
+                      <a:pPr marL="0" marR="0" lvl="0" indent="0" algn="ctr" defTabSz="914400" rtl="0" eaLnBrk="1" fontAlgn="b" latinLnBrk="0" hangingPunct="1">
+                        <a:lnSpc>
+                          <a:spcPct val="100000"/>
+                        </a:lnSpc>
+                        <a:spcBef>
+                          <a:spcPts val="0"/>
+                        </a:spcBef>
+                        <a:spcAft>
+                          <a:spcPts val="0"/>
+                        </a:spcAft>
+                        <a:buClrTx/>
+                        <a:buSzTx/>
+                        <a:buFontTx/>
+                        <a:buNone/>
+                        <a:tabLst/>
+                        <a:defRPr/>
+                      </a:pPr>
                       <a:r>
-                        <a:rPr lang="en-US" sz="1400" b="0" i="0" u="none" strike="noStrike" dirty="0">
+                        <a:rPr kumimoji="0" lang="en-US" sz="1400" b="0" i="0" u="none" strike="noStrike" kern="1200" cap="none" spc="0" normalizeH="0" baseline="0" noProof="0">
+                          <a:ln>
+                            <a:noFill/>
+                          </a:ln>
                           <a:solidFill>
                             <a:srgbClr val="000000"/>
                           </a:solidFill>
                           <a:effectLst/>
-                          <a:latin typeface="+mn-lt"/>
+                          <a:uLnTx/>
+                          <a:uFillTx/>
+                          <a:latin typeface="Candara"/>
+                          <a:ea typeface="+mn-ea"/>
+                          <a:cs typeface="+mn-cs"/>
                         </a:rPr>
-                        <a:t>Diana Betancourt</a:t>
+                        <a:t>Attendee</a:t>
                       </a:r>
+                      <a:endParaRPr kumimoji="0" lang="en-US" sz="1400" b="0" i="0" u="none" strike="noStrike" kern="1200" cap="none" spc="0" normalizeH="0" baseline="0" noProof="0" dirty="0">
+                        <a:ln>
+                          <a:noFill/>
+                        </a:ln>
+                        <a:solidFill>
+                          <a:srgbClr val="000000"/>
+                        </a:solidFill>
+                        <a:effectLst/>
+                        <a:uLnTx/>
+                        <a:uFillTx/>
+                        <a:latin typeface="Candara"/>
+                        <a:ea typeface="+mn-ea"/>
+                        <a:cs typeface="+mn-cs"/>
+                      </a:endParaRPr>
                     </a:p>
                   </a:txBody>
                   <a:tcPr marL="4763" marR="4763" marT="4763" marB="0" anchor="b"/>
@@ -14703,17 +15321,54 @@
                     <a:bodyPr/>
                     <a:lstStyle/>
                     <a:p>
-                      <a:pPr algn="ctr" fontAlgn="b"/>
+                      <a:pPr marL="0" marR="0" lvl="0" indent="0" algn="ctr" defTabSz="914400" rtl="0" eaLnBrk="1" fontAlgn="b" latinLnBrk="0" hangingPunct="1">
+                        <a:lnSpc>
+                          <a:spcPct val="100000"/>
+                        </a:lnSpc>
+                        <a:spcBef>
+                          <a:spcPts val="0"/>
+                        </a:spcBef>
+                        <a:spcAft>
+                          <a:spcPts val="0"/>
+                        </a:spcAft>
+                        <a:buClrTx/>
+                        <a:buSzTx/>
+                        <a:buFontTx/>
+                        <a:buNone/>
+                        <a:tabLst/>
+                        <a:defRPr/>
+                      </a:pPr>
                       <a:r>
-                        <a:rPr lang="en-US" sz="1400" b="0" i="0" u="none" strike="noStrike">
+                        <a:rPr kumimoji="0" lang="en-US" sz="1400" b="0" i="0" u="none" strike="noStrike" kern="1200" cap="none" spc="0" normalizeH="0" baseline="0" noProof="0">
+                          <a:ln>
+                            <a:noFill/>
+                          </a:ln>
                           <a:solidFill>
                             <a:srgbClr val="000000"/>
                           </a:solidFill>
                           <a:effectLst/>
-                          <a:latin typeface="+mn-lt"/>
+                          <a:uLnTx/>
+                          <a:uFillTx/>
+                          <a:latin typeface="Candara"/>
+                          <a:ea typeface="+mn-ea"/>
+                          <a:cs typeface="+mn-cs"/>
                         </a:rPr>
-                        <a:t>Kevin Orbaker</a:t>
+                        <a:t>Attendee</a:t>
                       </a:r>
+                      <a:endParaRPr kumimoji="0" lang="en-US" sz="1400" b="0" i="0" u="none" strike="noStrike" kern="1200" cap="none" spc="0" normalizeH="0" baseline="0" noProof="0" dirty="0">
+                        <a:ln>
+                          <a:noFill/>
+                        </a:ln>
+                        <a:solidFill>
+                          <a:srgbClr val="000000"/>
+                        </a:solidFill>
+                        <a:effectLst/>
+                        <a:uLnTx/>
+                        <a:uFillTx/>
+                        <a:latin typeface="Candara"/>
+                        <a:ea typeface="+mn-ea"/>
+                        <a:cs typeface="+mn-cs"/>
+                      </a:endParaRPr>
                     </a:p>
                   </a:txBody>
                   <a:tcPr marL="4763" marR="4763" marT="4763" marB="0" anchor="b"/>
@@ -14723,17 +15378,54 @@
                     <a:bodyPr/>
                     <a:lstStyle/>
                     <a:p>
-                      <a:pPr algn="ctr" fontAlgn="b"/>
+                      <a:pPr marL="0" marR="0" lvl="0" indent="0" algn="ctr" defTabSz="914400" rtl="0" eaLnBrk="1" fontAlgn="b" latinLnBrk="0" hangingPunct="1">
+                        <a:lnSpc>
+                          <a:spcPct val="100000"/>
+                        </a:lnSpc>
+                        <a:spcBef>
+                          <a:spcPts val="0"/>
+                        </a:spcBef>
+                        <a:spcAft>
+                          <a:spcPts val="0"/>
+                        </a:spcAft>
+                        <a:buClrTx/>
+                        <a:buSzTx/>
+                        <a:buFontTx/>
+                        <a:buNone/>
+                        <a:tabLst/>
+                        <a:defRPr/>
+                      </a:pPr>
                       <a:r>
-                        <a:rPr lang="en-US" sz="1400" b="0" i="0" u="none" strike="noStrike">
+                        <a:rPr kumimoji="0" lang="en-US" sz="1400" b="0" i="0" u="none" strike="noStrike" kern="1200" cap="none" spc="0" normalizeH="0" baseline="0" noProof="0">
+                          <a:ln>
+                            <a:noFill/>
+                          </a:ln>
                           <a:solidFill>
                             <a:srgbClr val="000000"/>
                           </a:solidFill>
                           <a:effectLst/>
-                          <a:latin typeface="Candara" panose="020E0502030303020204" pitchFamily="34" charset="0"/>
+                          <a:uLnTx/>
+                          <a:uFillTx/>
+                          <a:latin typeface="Candara"/>
+                          <a:ea typeface="+mn-ea"/>
+                          <a:cs typeface="+mn-cs"/>
                         </a:rPr>
-                        <a:t>Ram Madhurakavi</a:t>
+                        <a:t>Attendee</a:t>
                       </a:r>
+                      <a:endParaRPr kumimoji="0" lang="en-US" sz="1400" b="0" i="0" u="none" strike="noStrike" kern="1200" cap="none" spc="0" normalizeH="0" baseline="0" noProof="0" dirty="0">
+                        <a:ln>
+                          <a:noFill/>
+                        </a:ln>
+                        <a:solidFill>
+                          <a:srgbClr val="000000"/>
+                        </a:solidFill>
+                        <a:effectLst/>
+                        <a:uLnTx/>
+                        <a:uFillTx/>
+                        <a:latin typeface="Candara"/>
+                        <a:ea typeface="+mn-ea"/>
+                        <a:cs typeface="+mn-cs"/>
+                      </a:endParaRPr>
                     </a:p>
                   </a:txBody>
                   <a:tcPr marL="4763" marR="4763" marT="4763" marB="0" anchor="b"/>
@@ -14743,17 +15435,54 @@
                     <a:bodyPr/>
                     <a:lstStyle/>
                     <a:p>
-                      <a:pPr algn="ctr" fontAlgn="b"/>
+                      <a:pPr marL="0" marR="0" lvl="0" indent="0" algn="ctr" defTabSz="914400" rtl="0" eaLnBrk="1" fontAlgn="b" latinLnBrk="0" hangingPunct="1">
+                        <a:lnSpc>
+                          <a:spcPct val="100000"/>
+                        </a:lnSpc>
+                        <a:spcBef>
+                          <a:spcPts val="0"/>
+                        </a:spcBef>
+                        <a:spcAft>
+                          <a:spcPts val="0"/>
+                        </a:spcAft>
+                        <a:buClrTx/>
+                        <a:buSzTx/>
+                        <a:buFontTx/>
+                        <a:buNone/>
+                        <a:tabLst/>
+                        <a:defRPr/>
+                      </a:pPr>
                       <a:r>
-                        <a:rPr lang="en-US" sz="1400" b="0" i="0" u="none" strike="noStrike" dirty="0">
+                        <a:rPr kumimoji="0" lang="en-US" sz="1400" b="0" i="0" u="none" strike="noStrike" kern="1200" cap="none" spc="0" normalizeH="0" baseline="0" noProof="0">
+                          <a:ln>
+                            <a:noFill/>
+                          </a:ln>
                           <a:solidFill>
                             <a:srgbClr val="000000"/>
                           </a:solidFill>
                           <a:effectLst/>
-                          <a:latin typeface="Candara" panose="020E0502030303020204" pitchFamily="34" charset="0"/>
+                          <a:uLnTx/>
+                          <a:uFillTx/>
+                          <a:latin typeface="Candara"/>
+                          <a:ea typeface="+mn-ea"/>
+                          <a:cs typeface="+mn-cs"/>
                         </a:rPr>
-                        <a:t>Mike Rhoads</a:t>
+                        <a:t>Attendee</a:t>
                       </a:r>
+                      <a:endParaRPr kumimoji="0" lang="en-US" sz="1400" b="0" i="0" u="none" strike="noStrike" kern="1200" cap="none" spc="0" normalizeH="0" baseline="0" noProof="0" dirty="0">
+                        <a:ln>
+                          <a:noFill/>
+                        </a:ln>
+                        <a:solidFill>
+                          <a:srgbClr val="000000"/>
+                        </a:solidFill>
+                        <a:effectLst/>
+                        <a:uLnTx/>
+                        <a:uFillTx/>
+                        <a:latin typeface="Candara"/>
+                        <a:ea typeface="+mn-ea"/>
+                        <a:cs typeface="+mn-cs"/>
+                      </a:endParaRPr>
                     </a:p>
                   </a:txBody>
                   <a:tcPr marL="4763" marR="4763" marT="4763" marB="0" anchor="b"/>
@@ -14763,17 +15492,54 @@
                     <a:bodyPr/>
                     <a:lstStyle/>
                     <a:p>
-                      <a:pPr algn="ctr" fontAlgn="b"/>
+                      <a:pPr marL="0" marR="0" lvl="0" indent="0" algn="ctr" defTabSz="914400" rtl="0" eaLnBrk="1" fontAlgn="b" latinLnBrk="0" hangingPunct="1">
+                        <a:lnSpc>
+                          <a:spcPct val="100000"/>
+                        </a:lnSpc>
+                        <a:spcBef>
+                          <a:spcPts val="0"/>
+                        </a:spcBef>
+                        <a:spcAft>
+                          <a:spcPts val="0"/>
+                        </a:spcAft>
+                        <a:buClrTx/>
+                        <a:buSzTx/>
+                        <a:buFontTx/>
+                        <a:buNone/>
+                        <a:tabLst/>
+                        <a:defRPr/>
+                      </a:pPr>
                       <a:r>
-                        <a:rPr lang="en-US" sz="1400" b="0" i="0" u="none" strike="noStrike" dirty="0">
+                        <a:rPr kumimoji="0" lang="en-US" sz="1400" b="0" i="0" u="none" strike="noStrike" kern="1200" cap="none" spc="0" normalizeH="0" baseline="0" noProof="0">
+                          <a:ln>
+                            <a:noFill/>
+                          </a:ln>
                           <a:solidFill>
                             <a:srgbClr val="000000"/>
                           </a:solidFill>
                           <a:effectLst/>
-                          <a:latin typeface="Candara" panose="020E0502030303020204" pitchFamily="34" charset="0"/>
+                          <a:uLnTx/>
+                          <a:uFillTx/>
+                          <a:latin typeface="Candara"/>
+                          <a:ea typeface="+mn-ea"/>
+                          <a:cs typeface="+mn-cs"/>
                         </a:rPr>
-                        <a:t>Sam Istephan</a:t>
+                        <a:t>Attendee</a:t>
                       </a:r>
+                      <a:endParaRPr kumimoji="0" lang="en-US" sz="1400" b="0" i="0" u="none" strike="noStrike" kern="1200" cap="none" spc="0" normalizeH="0" baseline="0" noProof="0" dirty="0">
+                        <a:ln>
+                          <a:noFill/>
+                        </a:ln>
+                        <a:solidFill>
+                          <a:srgbClr val="000000"/>
+                        </a:solidFill>
+                        <a:effectLst/>
+                        <a:uLnTx/>
+                        <a:uFillTx/>
+                        <a:latin typeface="Candara"/>
+                        <a:ea typeface="+mn-ea"/>
+                        <a:cs typeface="+mn-cs"/>
+                      </a:endParaRPr>
                     </a:p>
                   </a:txBody>
                   <a:tcPr marL="4763" marR="4763" marT="4763" marB="0" anchor="b"/>
@@ -14783,17 +15549,54 @@
                     <a:bodyPr/>
                     <a:lstStyle/>
                     <a:p>
-                      <a:pPr algn="ctr" fontAlgn="b"/>
+                      <a:pPr marL="0" marR="0" lvl="0" indent="0" algn="ctr" defTabSz="914400" rtl="0" eaLnBrk="1" fontAlgn="b" latinLnBrk="0" hangingPunct="1">
+                        <a:lnSpc>
+                          <a:spcPct val="100000"/>
+                        </a:lnSpc>
+                        <a:spcBef>
+                          <a:spcPts val="0"/>
+                        </a:spcBef>
+                        <a:spcAft>
+                          <a:spcPts val="0"/>
+                        </a:spcAft>
+                        <a:buClrTx/>
+                        <a:buSzTx/>
+                        <a:buFontTx/>
+                        <a:buNone/>
+                        <a:tabLst/>
+                        <a:defRPr/>
+                      </a:pPr>
                       <a:r>
-                        <a:rPr lang="en-US" sz="1400" b="0" i="0" u="none" strike="noStrike">
+                        <a:rPr kumimoji="0" lang="en-US" sz="1400" b="0" i="0" u="none" strike="noStrike" kern="1200" cap="none" spc="0" normalizeH="0" baseline="0" noProof="0">
+                          <a:ln>
+                            <a:noFill/>
+                          </a:ln>
                           <a:solidFill>
                             <a:srgbClr val="000000"/>
                           </a:solidFill>
                           <a:effectLst/>
-                          <a:latin typeface="Candara" panose="020E0502030303020204" pitchFamily="34" charset="0"/>
+                          <a:uLnTx/>
+                          <a:uFillTx/>
+                          <a:latin typeface="Candara"/>
+                          <a:ea typeface="+mn-ea"/>
+                          <a:cs typeface="+mn-cs"/>
                         </a:rPr>
-                        <a:t>Kevin Bullen</a:t>
+                        <a:t>Attendee</a:t>
                       </a:r>
+                      <a:endParaRPr kumimoji="0" lang="en-US" sz="1400" b="0" i="0" u="none" strike="noStrike" kern="1200" cap="none" spc="0" normalizeH="0" baseline="0" noProof="0" dirty="0">
+                        <a:ln>
+                          <a:noFill/>
+                        </a:ln>
+                        <a:solidFill>
+                          <a:srgbClr val="000000"/>
+                        </a:solidFill>
+                        <a:effectLst/>
+                        <a:uLnTx/>
+                        <a:uFillTx/>
+                        <a:latin typeface="Candara"/>
+                        <a:ea typeface="+mn-ea"/>
+                        <a:cs typeface="+mn-cs"/>
+                      </a:endParaRPr>
                     </a:p>
                   </a:txBody>
                   <a:tcPr marL="4763" marR="4763" marT="4763" marB="0" anchor="b"/>
@@ -14803,17 +15606,54 @@
                     <a:bodyPr/>
                     <a:lstStyle/>
                     <a:p>
-                      <a:pPr algn="l" fontAlgn="b"/>
+                      <a:pPr marL="0" marR="0" lvl="0" indent="0" algn="ctr" defTabSz="914400" rtl="0" eaLnBrk="1" fontAlgn="b" latinLnBrk="0" hangingPunct="1">
+                        <a:lnSpc>
+                          <a:spcPct val="100000"/>
+                        </a:lnSpc>
+                        <a:spcBef>
+                          <a:spcPts val="0"/>
+                        </a:spcBef>
+                        <a:spcAft>
+                          <a:spcPts val="0"/>
+                        </a:spcAft>
+                        <a:buClrTx/>
+                        <a:buSzTx/>
+                        <a:buFontTx/>
+                        <a:buNone/>
+                        <a:tabLst/>
+                        <a:defRPr/>
+                      </a:pPr>
                       <a:r>
-                        <a:rPr lang="en-US" sz="1400" b="0" i="0" u="none" strike="noStrike" dirty="0">
+                        <a:rPr kumimoji="0" lang="en-US" sz="1400" b="0" i="0" u="none" strike="noStrike" kern="1200" cap="none" spc="0" normalizeH="0" baseline="0" noProof="0">
+                          <a:ln>
+                            <a:noFill/>
+                          </a:ln>
                           <a:solidFill>
                             <a:srgbClr val="000000"/>
                           </a:solidFill>
                           <a:effectLst/>
-                          <a:latin typeface="+mn-lt"/>
+                          <a:uLnTx/>
+                          <a:uFillTx/>
+                          <a:latin typeface="Candara"/>
+                          <a:ea typeface="+mn-ea"/>
+                          <a:cs typeface="+mn-cs"/>
                         </a:rPr>
-                        <a:t>Jed Wu</a:t>
+                        <a:t>Attendee</a:t>
                       </a:r>
+                      <a:endParaRPr kumimoji="0" lang="en-US" sz="1400" b="0" i="0" u="none" strike="noStrike" kern="1200" cap="none" spc="0" normalizeH="0" baseline="0" noProof="0" dirty="0">
+                        <a:ln>
+                          <a:noFill/>
+                        </a:ln>
+                        <a:solidFill>
+                          <a:srgbClr val="000000"/>
+                        </a:solidFill>
+                        <a:effectLst/>
+                        <a:uLnTx/>
+                        <a:uFillTx/>
+                        <a:latin typeface="Candara"/>
+                        <a:ea typeface="+mn-ea"/>
+                        <a:cs typeface="+mn-cs"/>
+                      </a:endParaRPr>
                     </a:p>
                   </a:txBody>
                   <a:tcPr marL="4763" marR="4763" marT="4763" marB="0" anchor="b"/>
@@ -14830,16 +15670,39 @@
                     <a:bodyPr/>
                     <a:lstStyle/>
                     <a:p>
-                      <a:pPr algn="ctr" fontAlgn="b"/>
+                      <a:pPr marL="0" marR="0" lvl="0" indent="0" algn="ctr" defTabSz="914400" rtl="0" eaLnBrk="1" fontAlgn="b" latinLnBrk="0" hangingPunct="1">
+                        <a:lnSpc>
+                          <a:spcPct val="100000"/>
+                        </a:lnSpc>
+                        <a:spcBef>
+                          <a:spcPts val="0"/>
+                        </a:spcBef>
+                        <a:spcAft>
+                          <a:spcPts val="0"/>
+                        </a:spcAft>
+                        <a:buClrTx/>
+                        <a:buSzTx/>
+                        <a:buFontTx/>
+                        <a:buNone/>
+                        <a:tabLst/>
+                        <a:defRPr/>
+                      </a:pPr>
                       <a:r>
-                        <a:rPr lang="en-US" sz="1400" b="0" i="0" u="none" strike="noStrike" dirty="0">
+                        <a:rPr kumimoji="0" lang="en-US" sz="1400" b="0" i="0" u="none" strike="noStrike" kern="1200" cap="none" spc="0" normalizeH="0" baseline="0" noProof="0" dirty="0">
+                          <a:ln>
+                            <a:noFill/>
+                          </a:ln>
                           <a:solidFill>
                             <a:srgbClr val="000000"/>
                           </a:solidFill>
                           <a:effectLst/>
-                          <a:latin typeface="+mn-lt"/>
+                          <a:uLnTx/>
+                          <a:uFillTx/>
+                          <a:latin typeface="Candara"/>
+                          <a:ea typeface="+mn-ea"/>
+                          <a:cs typeface="+mn-cs"/>
                         </a:rPr>
-                        <a:t>Sue Tholen</a:t>
+                        <a:t>Attendee</a:t>
                       </a:r>
                     </a:p>
                   </a:txBody>
@@ -14850,385 +15713,53 @@
                     <a:bodyPr/>
                     <a:lstStyle/>
                     <a:p>
-                      <a:pPr algn="ctr" fontAlgn="b"/>
+                      <a:pPr marL="0" marR="0" lvl="0" indent="0" algn="ctr" defTabSz="914400" rtl="0" eaLnBrk="1" fontAlgn="b" latinLnBrk="0" hangingPunct="1">
+                        <a:lnSpc>
+                          <a:spcPct val="100000"/>
+                        </a:lnSpc>
+                        <a:spcBef>
+                          <a:spcPts val="0"/>
+                        </a:spcBef>
+                        <a:spcAft>
+                          <a:spcPts val="0"/>
+                        </a:spcAft>
+                        <a:buClrTx/>
+                        <a:buSzTx/>
+                        <a:buFontTx/>
+                        <a:buNone/>
+                        <a:tabLst/>
+                        <a:defRPr/>
+                      </a:pPr>
                       <a:r>
-                        <a:rPr lang="en-US" sz="1400" b="0" i="0" u="none" strike="noStrike">
+                        <a:rPr kumimoji="0" lang="en-US" sz="1400" b="0" i="0" u="none" strike="noStrike" kern="1200" cap="none" spc="0" normalizeH="0" baseline="0" noProof="0">
+                          <a:ln>
+                            <a:noFill/>
+                          </a:ln>
                           <a:solidFill>
                             <a:srgbClr val="000000"/>
                           </a:solidFill>
                           <a:effectLst/>
-                          <a:latin typeface="Candara" panose="020E0502030303020204" pitchFamily="34" charset="0"/>
+                          <a:uLnTx/>
+                          <a:uFillTx/>
+                          <a:latin typeface="Candara"/>
+                          <a:ea typeface="+mn-ea"/>
+                          <a:cs typeface="+mn-cs"/>
                         </a:rPr>
-                        <a:t>Shankar Raman</a:t>
+                        <a:t>Attendee</a:t>
                       </a:r>
-                    </a:p>
-                  </a:txBody>
-                  <a:tcPr marL="4763" marR="4763" marT="4763" marB="0" anchor="b"/>
-                </a:tc>
-                <a:tc>
-                  <a:txBody>
-                    <a:bodyPr/>
-                    <a:lstStyle/>
-                    <a:p>
-                      <a:pPr algn="ctr" fontAlgn="b"/>
-                      <a:r>
-                        <a:rPr lang="en-US" sz="1400" b="0" i="0" u="none" strike="noStrike">
-                          <a:solidFill>
-                            <a:srgbClr val="000000"/>
-                          </a:solidFill>
-                          <a:effectLst/>
-                          <a:latin typeface="Candara" panose="020E0502030303020204" pitchFamily="34" charset="0"/>
-                        </a:rPr>
-                        <a:t>Rodney Elmore</a:t>
-                      </a:r>
-                    </a:p>
-                  </a:txBody>
-                  <a:tcPr marL="4763" marR="4763" marT="4763" marB="0" anchor="b"/>
-                </a:tc>
-                <a:tc>
-                  <a:txBody>
-                    <a:bodyPr/>
-                    <a:lstStyle/>
-                    <a:p>
-                      <a:pPr algn="ctr" fontAlgn="b"/>
-                      <a:r>
-                        <a:rPr lang="en-US" sz="1400" b="0" i="0" u="none" strike="noStrike" dirty="0">
-                          <a:solidFill>
-                            <a:srgbClr val="000000"/>
-                          </a:solidFill>
-                          <a:effectLst/>
-                          <a:latin typeface="Candara" panose="020E0502030303020204" pitchFamily="34" charset="0"/>
-                        </a:rPr>
-                        <a:t>Tyler Chessman</a:t>
-                      </a:r>
-                    </a:p>
-                  </a:txBody>
-                  <a:tcPr marL="4763" marR="4763" marT="4763" marB="0" anchor="b"/>
-                </a:tc>
-                <a:tc>
-                  <a:txBody>
-                    <a:bodyPr/>
-                    <a:lstStyle/>
-                    <a:p>
-                      <a:pPr algn="ctr" fontAlgn="b"/>
-                      <a:r>
-                        <a:rPr lang="en-US" sz="1400" b="0" i="0" u="none" strike="noStrike" dirty="0">
-                          <a:solidFill>
-                            <a:srgbClr val="000000"/>
-                          </a:solidFill>
-                          <a:effectLst/>
-                          <a:latin typeface="Candara" panose="020E0502030303020204" pitchFamily="34" charset="0"/>
-                        </a:rPr>
-                        <a:t>Marcelo Zambrana</a:t>
-                      </a:r>
-                    </a:p>
-                  </a:txBody>
-                  <a:tcPr marL="4763" marR="4763" marT="4763" marB="0" anchor="b"/>
-                </a:tc>
-                <a:tc>
-                  <a:txBody>
-                    <a:bodyPr/>
-                    <a:lstStyle/>
-                    <a:p>
-                      <a:pPr algn="l" fontAlgn="b"/>
-                      <a:r>
-                        <a:rPr lang="en-US" sz="1400" b="0" i="0" u="none" strike="noStrike" dirty="0">
-                          <a:solidFill>
-                            <a:srgbClr val="000000"/>
-                          </a:solidFill>
-                          <a:effectLst/>
-                          <a:latin typeface="+mn-lt"/>
-                        </a:rPr>
-                        <a:t>Joseph Barbosa</a:t>
-                      </a:r>
-                    </a:p>
-                  </a:txBody>
-                  <a:tcPr marL="4763" marR="4763" marT="4763" marB="0" anchor="b"/>
-                </a:tc>
-                <a:extLst>
-                  <a:ext uri="{0D108BD9-81ED-4DB2-BD59-A6C34878D82A}">
-                    <a16:rowId xmlns:a16="http://schemas.microsoft.com/office/drawing/2014/main" val="3621541328"/>
-                  </a:ext>
-                </a:extLst>
-              </a:tr>
-              <a:tr h="419100">
-                <a:tc>
-                  <a:txBody>
-                    <a:bodyPr/>
-                    <a:lstStyle/>
-                    <a:p>
-                      <a:pPr algn="ctr" fontAlgn="b"/>
-                      <a:endParaRPr lang="en-US" sz="1400" b="0" i="0" u="none" strike="noStrike" dirty="0">
+                      <a:endParaRPr kumimoji="0" lang="en-US" sz="1400" b="0" i="0" u="none" strike="noStrike" kern="1200" cap="none" spc="0" normalizeH="0" baseline="0" noProof="0" dirty="0">
+                        <a:ln>
+                          <a:noFill/>
+                        </a:ln>
                         <a:solidFill>
                           <a:srgbClr val="000000"/>
                         </a:solidFill>
                         <a:effectLst/>
-                        <a:latin typeface="+mn-lt"/>
-                      </a:endParaRPr>
-                    </a:p>
-                  </a:txBody>
-                  <a:tcPr marL="4763" marR="4763" marT="4763" marB="0" anchor="ctr"/>
-                </a:tc>
-                <a:tc>
-                  <a:txBody>
-                    <a:bodyPr/>
-                    <a:lstStyle/>
-                    <a:p>
-                      <a:pPr algn="ctr" fontAlgn="b"/>
-                      <a:r>
-                        <a:rPr lang="en-US" sz="1400" b="0" i="0" u="none" strike="noStrike" dirty="0">
-                          <a:solidFill>
-                            <a:srgbClr val="000000"/>
-                          </a:solidFill>
-                          <a:effectLst/>
-                          <a:latin typeface="Candara" panose="020E0502030303020204" pitchFamily="34" charset="0"/>
-                        </a:rPr>
-                        <a:t>Nicola Farquharson</a:t>
-                      </a:r>
-                    </a:p>
-                  </a:txBody>
-                  <a:tcPr marL="4763" marR="4763" marT="4763" marB="0" anchor="b"/>
-                </a:tc>
-                <a:tc>
-                  <a:txBody>
-                    <a:bodyPr/>
-                    <a:lstStyle/>
-                    <a:p>
-                      <a:pPr algn="ctr" fontAlgn="b"/>
-                      <a:r>
-                        <a:rPr lang="en-US" sz="1400" b="0" i="0" u="none" strike="noStrike">
-                          <a:solidFill>
-                            <a:srgbClr val="000000"/>
-                          </a:solidFill>
-                          <a:effectLst/>
-                          <a:latin typeface="Candara" panose="020E0502030303020204" pitchFamily="34" charset="0"/>
-                        </a:rPr>
-                        <a:t>Saswata Sengupta</a:t>
-                      </a:r>
-                    </a:p>
-                  </a:txBody>
-                  <a:tcPr marL="4763" marR="4763" marT="4763" marB="0" anchor="b"/>
-                </a:tc>
-                <a:tc>
-                  <a:txBody>
-                    <a:bodyPr/>
-                    <a:lstStyle/>
-                    <a:p>
-                      <a:pPr algn="ctr" fontAlgn="b"/>
-                      <a:r>
-                        <a:rPr lang="en-US" sz="1400" b="0" i="0" u="none" strike="noStrike" dirty="0">
-                          <a:solidFill>
-                            <a:srgbClr val="000000"/>
-                          </a:solidFill>
-                          <a:effectLst/>
-                          <a:latin typeface="Candara" panose="020E0502030303020204" pitchFamily="34" charset="0"/>
-                        </a:rPr>
-                        <a:t>William Brown</a:t>
-                      </a:r>
-                    </a:p>
-                  </a:txBody>
-                  <a:tcPr marL="4763" marR="4763" marT="4763" marB="0" anchor="b"/>
-                </a:tc>
-                <a:tc>
-                  <a:txBody>
-                    <a:bodyPr/>
-                    <a:lstStyle/>
-                    <a:p>
-                      <a:pPr algn="ctr" fontAlgn="b"/>
-                      <a:r>
-                        <a:rPr lang="en-US" sz="1400" b="0" i="0" u="none" strike="noStrike" dirty="0">
-                          <a:solidFill>
-                            <a:srgbClr val="000000"/>
-                          </a:solidFill>
-                          <a:effectLst/>
-                          <a:latin typeface="Candara" panose="020E0502030303020204" pitchFamily="34" charset="0"/>
-                        </a:rPr>
-                        <a:t>Sarah Granade</a:t>
-                      </a:r>
-                    </a:p>
-                  </a:txBody>
-                  <a:tcPr marL="4763" marR="4763" marT="4763" marB="0" anchor="b"/>
-                </a:tc>
-                <a:tc>
-                  <a:txBody>
-                    <a:bodyPr/>
-                    <a:lstStyle/>
-                    <a:p>
-                      <a:pPr algn="l" fontAlgn="b"/>
-                      <a:r>
-                        <a:rPr lang="en-US" sz="1400" b="0" i="0" u="none" strike="noStrike" dirty="0">
-                          <a:solidFill>
-                            <a:srgbClr val="000000"/>
-                          </a:solidFill>
-                          <a:effectLst/>
-                          <a:latin typeface="+mn-lt"/>
-                        </a:rPr>
-                        <a:t>Naya Giannakopoulou</a:t>
-                      </a:r>
-                    </a:p>
-                  </a:txBody>
-                  <a:tcPr marL="4763" marR="4763" marT="4763" marB="0" anchor="b"/>
-                </a:tc>
-                <a:extLst>
-                  <a:ext uri="{0D108BD9-81ED-4DB2-BD59-A6C34878D82A}">
-                    <a16:rowId xmlns:a16="http://schemas.microsoft.com/office/drawing/2014/main" val="69021685"/>
-                  </a:ext>
-                </a:extLst>
-              </a:tr>
-              <a:tr h="419100">
-                <a:tc>
-                  <a:txBody>
-                    <a:bodyPr/>
-                    <a:lstStyle/>
-                    <a:p>
-                      <a:pPr algn="ctr" fontAlgn="b"/>
-                      <a:endParaRPr lang="en-US" sz="1400" b="0" i="0" u="none" strike="noStrike" dirty="0">
-                        <a:solidFill>
-                          <a:srgbClr val="000000"/>
-                        </a:solidFill>
-                        <a:effectLst/>
-                        <a:latin typeface="+mn-lt"/>
-                      </a:endParaRPr>
-                    </a:p>
-                  </a:txBody>
-                  <a:tcPr marL="4763" marR="4763" marT="4763" marB="0" anchor="ctr"/>
-                </a:tc>
-                <a:tc>
-                  <a:txBody>
-                    <a:bodyPr/>
-                    <a:lstStyle/>
-                    <a:p>
-                      <a:pPr algn="ctr" fontAlgn="b"/>
-                      <a:endParaRPr lang="en-US" sz="1400" b="0" i="0" u="none" strike="noStrike" dirty="0">
-                        <a:solidFill>
-                          <a:srgbClr val="000000"/>
-                        </a:solidFill>
-                        <a:effectLst/>
-                        <a:latin typeface="+mn-lt"/>
-                      </a:endParaRPr>
-                    </a:p>
-                  </a:txBody>
-                  <a:tcPr marL="4763" marR="4763" marT="4763" marB="0" anchor="ctr"/>
-                </a:tc>
-                <a:tc>
-                  <a:txBody>
-                    <a:bodyPr/>
-                    <a:lstStyle/>
-                    <a:p>
-                      <a:pPr algn="ctr" fontAlgn="b"/>
-                      <a:r>
-                        <a:rPr lang="en-US" sz="1400" b="0" i="0" u="none" strike="noStrike" dirty="0">
-                          <a:solidFill>
-                            <a:srgbClr val="000000"/>
-                          </a:solidFill>
-                          <a:effectLst/>
-                          <a:latin typeface="Candara" panose="020E0502030303020204" pitchFamily="34" charset="0"/>
-                        </a:rPr>
-                        <a:t>Shikha Agrawal</a:t>
-                      </a:r>
-                    </a:p>
-                  </a:txBody>
-                  <a:tcPr marL="4763" marR="4763" marT="4763" marB="0" anchor="b"/>
-                </a:tc>
-                <a:tc>
-                  <a:txBody>
-                    <a:bodyPr/>
-                    <a:lstStyle/>
-                    <a:p>
-                      <a:pPr algn="ctr"/>
-                      <a:endParaRPr lang="en-US" sz="1400" dirty="0">
-                        <a:latin typeface="+mn-lt"/>
-                      </a:endParaRPr>
-                    </a:p>
-                  </a:txBody>
-                  <a:tcPr anchor="ctr"/>
-                </a:tc>
-                <a:tc>
-                  <a:txBody>
-                    <a:bodyPr/>
-                    <a:lstStyle/>
-                    <a:p>
-                      <a:pPr algn="ctr"/>
-                      <a:endParaRPr lang="en-US" sz="1400" dirty="0">
-                        <a:latin typeface="+mn-lt"/>
-                      </a:endParaRPr>
-                    </a:p>
-                  </a:txBody>
-                  <a:tcPr anchor="ctr"/>
-                </a:tc>
-                <a:tc>
-                  <a:txBody>
-                    <a:bodyPr/>
-                    <a:lstStyle/>
-                    <a:p>
-                      <a:pPr algn="l" fontAlgn="b"/>
-                      <a:r>
-                        <a:rPr lang="en-US" sz="1400" b="0" i="0" u="none" strike="noStrike" dirty="0">
-                          <a:solidFill>
-                            <a:srgbClr val="000000"/>
-                          </a:solidFill>
-                          <a:effectLst/>
-                          <a:latin typeface="+mn-lt"/>
-                        </a:rPr>
-                        <a:t>Pardeep Singla</a:t>
-                      </a:r>
-                    </a:p>
-                  </a:txBody>
-                  <a:tcPr marL="4763" marR="4763" marT="4763" marB="0" anchor="b"/>
-                </a:tc>
-                <a:extLst>
-                  <a:ext uri="{0D108BD9-81ED-4DB2-BD59-A6C34878D82A}">
-                    <a16:rowId xmlns:a16="http://schemas.microsoft.com/office/drawing/2014/main" val="890411462"/>
-                  </a:ext>
-                </a:extLst>
-              </a:tr>
-              <a:tr h="419100">
-                <a:tc>
-                  <a:txBody>
-                    <a:bodyPr/>
-                    <a:lstStyle/>
-                    <a:p>
-                      <a:pPr algn="ctr" fontAlgn="b"/>
-                      <a:endParaRPr lang="en-US" sz="1400" b="0" i="0" u="none" strike="noStrike" dirty="0">
-                        <a:solidFill>
-                          <a:srgbClr val="000000"/>
-                        </a:solidFill>
-                        <a:effectLst/>
-                        <a:latin typeface="+mn-lt"/>
-                      </a:endParaRPr>
-                    </a:p>
-                  </a:txBody>
-                  <a:tcPr marL="4763" marR="4763" marT="4763" marB="0" anchor="ctr"/>
-                </a:tc>
-                <a:tc>
-                  <a:txBody>
-                    <a:bodyPr/>
-                    <a:lstStyle/>
-                    <a:p>
-                      <a:pPr algn="ctr" fontAlgn="b"/>
-                      <a:endParaRPr lang="en-US" sz="1400" b="0" i="0" u="none" strike="noStrike" dirty="0">
-                        <a:solidFill>
-                          <a:srgbClr val="000000"/>
-                        </a:solidFill>
-                        <a:effectLst/>
-                        <a:latin typeface="+mn-lt"/>
-                      </a:endParaRPr>
-                    </a:p>
-                  </a:txBody>
-                  <a:tcPr marL="4763" marR="4763" marT="4763" marB="0" anchor="ctr"/>
-                </a:tc>
-                <a:tc>
-                  <a:txBody>
-                    <a:bodyPr/>
-                    <a:lstStyle/>
-                    <a:p>
-                      <a:pPr algn="ctr" fontAlgn="b"/>
-                      <a:endParaRPr lang="en-US" sz="1400" b="0" i="0" u="none" strike="noStrike" dirty="0">
-                        <a:solidFill>
-                          <a:srgbClr val="000000"/>
-                        </a:solidFill>
-                        <a:effectLst/>
-                        <a:latin typeface="Candara" panose="020E0502030303020204" pitchFamily="34" charset="0"/>
+                        <a:uLnTx/>
+                        <a:uFillTx/>
+                        <a:latin typeface="Candara"/>
+                        <a:ea typeface="+mn-ea"/>
+                        <a:cs typeface="+mn-cs"/>
                       </a:endParaRPr>
                     </a:p>
                   </a:txBody>
@@ -15239,42 +15770,210 @@
                     <a:bodyPr/>
                     <a:lstStyle/>
                     <a:p>
-                      <a:pPr algn="ctr"/>
-                      <a:endParaRPr lang="en-US" sz="1400" dirty="0">
-                        <a:latin typeface="+mn-lt"/>
+                      <a:pPr marL="0" marR="0" lvl="0" indent="0" algn="ctr" defTabSz="914400" rtl="0" eaLnBrk="1" fontAlgn="b" latinLnBrk="0" hangingPunct="1">
+                        <a:lnSpc>
+                          <a:spcPct val="100000"/>
+                        </a:lnSpc>
+                        <a:spcBef>
+                          <a:spcPts val="0"/>
+                        </a:spcBef>
+                        <a:spcAft>
+                          <a:spcPts val="0"/>
+                        </a:spcAft>
+                        <a:buClrTx/>
+                        <a:buSzTx/>
+                        <a:buFontTx/>
+                        <a:buNone/>
+                        <a:tabLst/>
+                        <a:defRPr/>
+                      </a:pPr>
+                      <a:r>
+                        <a:rPr kumimoji="0" lang="en-US" sz="1400" b="0" i="0" u="none" strike="noStrike" kern="1200" cap="none" spc="0" normalizeH="0" baseline="0" noProof="0">
+                          <a:ln>
+                            <a:noFill/>
+                          </a:ln>
+                          <a:solidFill>
+                            <a:srgbClr val="000000"/>
+                          </a:solidFill>
+                          <a:effectLst/>
+                          <a:uLnTx/>
+                          <a:uFillTx/>
+                          <a:latin typeface="Candara"/>
+                          <a:ea typeface="+mn-ea"/>
+                          <a:cs typeface="+mn-cs"/>
+                        </a:rPr>
+                        <a:t>Attendee</a:t>
+                      </a:r>
+                      <a:endParaRPr kumimoji="0" lang="en-US" sz="1400" b="0" i="0" u="none" strike="noStrike" kern="1200" cap="none" spc="0" normalizeH="0" baseline="0" noProof="0" dirty="0">
+                        <a:ln>
+                          <a:noFill/>
+                        </a:ln>
+                        <a:solidFill>
+                          <a:srgbClr val="000000"/>
+                        </a:solidFill>
+                        <a:effectLst/>
+                        <a:uLnTx/>
+                        <a:uFillTx/>
+                        <a:latin typeface="Candara"/>
+                        <a:ea typeface="+mn-ea"/>
+                        <a:cs typeface="+mn-cs"/>
                       </a:endParaRPr>
                     </a:p>
                   </a:txBody>
-                  <a:tcPr anchor="ctr"/>
+                  <a:tcPr marL="4763" marR="4763" marT="4763" marB="0" anchor="b"/>
                 </a:tc>
                 <a:tc>
                   <a:txBody>
                     <a:bodyPr/>
                     <a:lstStyle/>
                     <a:p>
-                      <a:pPr algn="ctr"/>
-                      <a:endParaRPr lang="en-US" sz="1400" dirty="0">
-                        <a:latin typeface="+mn-lt"/>
+                      <a:pPr marL="0" marR="0" lvl="0" indent="0" algn="ctr" defTabSz="914400" rtl="0" eaLnBrk="1" fontAlgn="b" latinLnBrk="0" hangingPunct="1">
+                        <a:lnSpc>
+                          <a:spcPct val="100000"/>
+                        </a:lnSpc>
+                        <a:spcBef>
+                          <a:spcPts val="0"/>
+                        </a:spcBef>
+                        <a:spcAft>
+                          <a:spcPts val="0"/>
+                        </a:spcAft>
+                        <a:buClrTx/>
+                        <a:buSzTx/>
+                        <a:buFontTx/>
+                        <a:buNone/>
+                        <a:tabLst/>
+                        <a:defRPr/>
+                      </a:pPr>
+                      <a:r>
+                        <a:rPr kumimoji="0" lang="en-US" sz="1400" b="0" i="0" u="none" strike="noStrike" kern="1200" cap="none" spc="0" normalizeH="0" baseline="0" noProof="0">
+                          <a:ln>
+                            <a:noFill/>
+                          </a:ln>
+                          <a:solidFill>
+                            <a:srgbClr val="000000"/>
+                          </a:solidFill>
+                          <a:effectLst/>
+                          <a:uLnTx/>
+                          <a:uFillTx/>
+                          <a:latin typeface="Candara"/>
+                          <a:ea typeface="+mn-ea"/>
+                          <a:cs typeface="+mn-cs"/>
+                        </a:rPr>
+                        <a:t>Attendee</a:t>
+                      </a:r>
+                      <a:endParaRPr kumimoji="0" lang="en-US" sz="1400" b="0" i="0" u="none" strike="noStrike" kern="1200" cap="none" spc="0" normalizeH="0" baseline="0" noProof="0" dirty="0">
+                        <a:ln>
+                          <a:noFill/>
+                        </a:ln>
+                        <a:solidFill>
+                          <a:srgbClr val="000000"/>
+                        </a:solidFill>
+                        <a:effectLst/>
+                        <a:uLnTx/>
+                        <a:uFillTx/>
+                        <a:latin typeface="Candara"/>
+                        <a:ea typeface="+mn-ea"/>
+                        <a:cs typeface="+mn-cs"/>
                       </a:endParaRPr>
                     </a:p>
                   </a:txBody>
-                  <a:tcPr anchor="ctr"/>
+                  <a:tcPr marL="4763" marR="4763" marT="4763" marB="0" anchor="b"/>
                 </a:tc>
                 <a:tc>
                   <a:txBody>
                     <a:bodyPr/>
                     <a:lstStyle/>
                     <a:p>
-                      <a:pPr algn="l" fontAlgn="b"/>
+                      <a:pPr marL="0" marR="0" lvl="0" indent="0" algn="ctr" defTabSz="914400" rtl="0" eaLnBrk="1" fontAlgn="b" latinLnBrk="0" hangingPunct="1">
+                        <a:lnSpc>
+                          <a:spcPct val="100000"/>
+                        </a:lnSpc>
+                        <a:spcBef>
+                          <a:spcPts val="0"/>
+                        </a:spcBef>
+                        <a:spcAft>
+                          <a:spcPts val="0"/>
+                        </a:spcAft>
+                        <a:buClrTx/>
+                        <a:buSzTx/>
+                        <a:buFontTx/>
+                        <a:buNone/>
+                        <a:tabLst/>
+                        <a:defRPr/>
+                      </a:pPr>
                       <a:r>
-                        <a:rPr lang="en-US" sz="1400" b="0" i="0" u="none" strike="noStrike" dirty="0">
+                        <a:rPr kumimoji="0" lang="en-US" sz="1400" b="0" i="0" u="none" strike="noStrike" kern="1200" cap="none" spc="0" normalizeH="0" baseline="0" noProof="0">
+                          <a:ln>
+                            <a:noFill/>
+                          </a:ln>
                           <a:solidFill>
                             <a:srgbClr val="000000"/>
                           </a:solidFill>
                           <a:effectLst/>
-                          <a:latin typeface="+mn-lt"/>
+                          <a:uLnTx/>
+                          <a:uFillTx/>
+                          <a:latin typeface="Candara"/>
+                          <a:ea typeface="+mn-ea"/>
+                          <a:cs typeface="+mn-cs"/>
                         </a:rPr>
-                        <a:t>Rachel Liu</a:t>
+                        <a:t>Attendee</a:t>
+                      </a:r>
+                      <a:endParaRPr kumimoji="0" lang="en-US" sz="1400" b="0" i="0" u="none" strike="noStrike" kern="1200" cap="none" spc="0" normalizeH="0" baseline="0" noProof="0" dirty="0">
+                        <a:ln>
+                          <a:noFill/>
+                        </a:ln>
+                        <a:solidFill>
+                          <a:srgbClr val="000000"/>
+                        </a:solidFill>
+                        <a:effectLst/>
+                        <a:uLnTx/>
+                        <a:uFillTx/>
+                        <a:latin typeface="Candara"/>
+                        <a:ea typeface="+mn-ea"/>
+                        <a:cs typeface="+mn-cs"/>
+                      </a:endParaRPr>
+                    </a:p>
+                  </a:txBody>
+                  <a:tcPr marL="4763" marR="4763" marT="4763" marB="0" anchor="b"/>
+                </a:tc>
+                <a:tc>
+                  <a:txBody>
+                    <a:bodyPr/>
+                    <a:lstStyle/>
+                    <a:p>
+                      <a:pPr marL="0" marR="0" lvl="0" indent="0" algn="ctr" defTabSz="914400" rtl="0" eaLnBrk="1" fontAlgn="b" latinLnBrk="0" hangingPunct="1">
+                        <a:lnSpc>
+                          <a:spcPct val="100000"/>
+                        </a:lnSpc>
+                        <a:spcBef>
+                          <a:spcPts val="0"/>
+                        </a:spcBef>
+                        <a:spcAft>
+                          <a:spcPts val="0"/>
+                        </a:spcAft>
+                        <a:buClrTx/>
+                        <a:buSzTx/>
+                        <a:buFontTx/>
+                        <a:buNone/>
+                        <a:tabLst/>
+                        <a:defRPr/>
+                      </a:pPr>
+                      <a:r>
+                        <a:rPr kumimoji="0" lang="en-US" sz="1400" b="0" i="0" u="none" strike="noStrike" kern="1200" cap="none" spc="0" normalizeH="0" baseline="0" noProof="0" dirty="0">
+                          <a:ln>
+                            <a:noFill/>
+                          </a:ln>
+                          <a:solidFill>
+                            <a:srgbClr val="000000"/>
+                          </a:solidFill>
+                          <a:effectLst/>
+                          <a:uLnTx/>
+                          <a:uFillTx/>
+                          <a:latin typeface="Candara"/>
+                          <a:ea typeface="+mn-ea"/>
+                          <a:cs typeface="+mn-cs"/>
+                        </a:rPr>
+                        <a:t>Attendee</a:t>
                       </a:r>
                     </a:p>
                   </a:txBody>
@@ -15282,7 +15981,7 @@
                 </a:tc>
                 <a:extLst>
                   <a:ext uri="{0D108BD9-81ED-4DB2-BD59-A6C34878D82A}">
-                    <a16:rowId xmlns:a16="http://schemas.microsoft.com/office/drawing/2014/main" val="3470502312"/>
+                    <a16:rowId xmlns:a16="http://schemas.microsoft.com/office/drawing/2014/main" val="3621541328"/>
                   </a:ext>
                 </a:extLst>
               </a:tr>
